--- a/CV_Dam_Van_Thuc_Android.pptx
+++ b/CV_Dam_Van_Thuc_Android.pptx
@@ -108,6 +108,22 @@
       </a:defRPr>
     </a:lvl9pPr>
   </p:defaultTextStyle>
+  <p:extLst>
+    <p:ext uri="{EFAFB233-063F-42B5-8137-9DF3F51BA10A}">
+      <p15:sldGuideLst xmlns:p15="http://schemas.microsoft.com/office/powerpoint/2012/main">
+        <p15:guide id="1" orient="horz" pos="3120">
+          <p15:clr>
+            <a:srgbClr val="A4A3A4"/>
+          </p15:clr>
+        </p15:guide>
+        <p15:guide id="2" pos="2160">
+          <p15:clr>
+            <a:srgbClr val="A4A3A4"/>
+          </p15:clr>
+        </p15:guide>
+      </p15:sldGuideLst>
+    </p:ext>
+  </p:extLst>
 </p:presentation>
 </file>
 
@@ -193,7 +209,7 @@
           <a:p>
             <a:fld id="{8D3102A3-4F9D-465A-B8DB-0B828FA10249}" type="datetimeFigureOut">
               <a:rPr lang="en-US" smtClean="0"/>
-              <a:t>5/7/2021</a:t>
+              <a:t>5/27/2021</a:t>
             </a:fld>
             <a:endParaRPr lang="en-US"/>
           </a:p>
@@ -257,38 +273,37 @@
           <a:p>
             <a:pPr lvl="0"/>
             <a:r>
-              <a:rPr lang="en-US" smtClean="0"/>
+              <a:rPr lang="en-US"/>
               <a:t>Click to edit Master text styles</a:t>
             </a:r>
           </a:p>
           <a:p>
             <a:pPr lvl="1"/>
             <a:r>
-              <a:rPr lang="en-US" smtClean="0"/>
+              <a:rPr lang="en-US"/>
               <a:t>Second level</a:t>
             </a:r>
           </a:p>
           <a:p>
             <a:pPr lvl="2"/>
             <a:r>
-              <a:rPr lang="en-US" smtClean="0"/>
+              <a:rPr lang="en-US"/>
               <a:t>Third level</a:t>
             </a:r>
           </a:p>
           <a:p>
             <a:pPr lvl="3"/>
             <a:r>
-              <a:rPr lang="en-US" smtClean="0"/>
+              <a:rPr lang="en-US"/>
               <a:t>Fourth level</a:t>
             </a:r>
           </a:p>
           <a:p>
             <a:pPr lvl="4"/>
             <a:r>
-              <a:rPr lang="en-US" smtClean="0"/>
+              <a:rPr lang="en-US"/>
               <a:t>Fifth level</a:t>
             </a:r>
-            <a:endParaRPr lang="en-US"/>
           </a:p>
         </p:txBody>
       </p:sp>
@@ -583,10 +598,9 @@
           <a:lstStyle/>
           <a:p>
             <a:r>
-              <a:rPr lang="en-US" smtClean="0"/>
+              <a:rPr lang="en-US"/>
               <a:t>Click to edit Master title style</a:t>
             </a:r>
-            <a:endParaRPr lang="en-US"/>
           </a:p>
         </p:txBody>
       </p:sp>
@@ -702,10 +716,9 @@
           </a:lstStyle>
           <a:p>
             <a:r>
-              <a:rPr lang="en-US" smtClean="0"/>
+              <a:rPr lang="en-US"/>
               <a:t>Click to edit Master subtitle style</a:t>
             </a:r>
-            <a:endParaRPr lang="en-US"/>
           </a:p>
         </p:txBody>
       </p:sp>
@@ -726,7 +739,7 @@
           <a:p>
             <a:fld id="{7B4A76A4-8ADE-4AB5-BBF1-4EC090059790}" type="datetimeFigureOut">
               <a:rPr lang="en-US" smtClean="0"/>
-              <a:t>5/7/2021</a:t>
+              <a:t>5/27/2021</a:t>
             </a:fld>
             <a:endParaRPr lang="en-US"/>
           </a:p>
@@ -820,10 +833,9 @@
           <a:lstStyle/>
           <a:p>
             <a:r>
-              <a:rPr lang="en-US" smtClean="0"/>
+              <a:rPr lang="en-US"/>
               <a:t>Click to edit Master title style</a:t>
             </a:r>
-            <a:endParaRPr lang="en-US"/>
           </a:p>
         </p:txBody>
       </p:sp>
@@ -844,38 +856,37 @@
           <a:p>
             <a:pPr lvl="0"/>
             <a:r>
-              <a:rPr lang="en-US" smtClean="0"/>
+              <a:rPr lang="en-US"/>
               <a:t>Click to edit Master text styles</a:t>
             </a:r>
           </a:p>
           <a:p>
             <a:pPr lvl="1"/>
             <a:r>
-              <a:rPr lang="en-US" smtClean="0"/>
+              <a:rPr lang="en-US"/>
               <a:t>Second level</a:t>
             </a:r>
           </a:p>
           <a:p>
             <a:pPr lvl="2"/>
             <a:r>
-              <a:rPr lang="en-US" smtClean="0"/>
+              <a:rPr lang="en-US"/>
               <a:t>Third level</a:t>
             </a:r>
           </a:p>
           <a:p>
             <a:pPr lvl="3"/>
             <a:r>
-              <a:rPr lang="en-US" smtClean="0"/>
+              <a:rPr lang="en-US"/>
               <a:t>Fourth level</a:t>
             </a:r>
           </a:p>
           <a:p>
             <a:pPr lvl="4"/>
             <a:r>
-              <a:rPr lang="en-US" smtClean="0"/>
+              <a:rPr lang="en-US"/>
               <a:t>Fifth level</a:t>
             </a:r>
-            <a:endParaRPr lang="en-US"/>
           </a:p>
         </p:txBody>
       </p:sp>
@@ -896,7 +907,7 @@
           <a:p>
             <a:fld id="{7B4A76A4-8ADE-4AB5-BBF1-4EC090059790}" type="datetimeFigureOut">
               <a:rPr lang="en-US" smtClean="0"/>
-              <a:t>5/7/2021</a:t>
+              <a:t>5/27/2021</a:t>
             </a:fld>
             <a:endParaRPr lang="en-US"/>
           </a:p>
@@ -995,10 +1006,9 @@
           <a:lstStyle/>
           <a:p>
             <a:r>
-              <a:rPr lang="en-US" smtClean="0"/>
+              <a:rPr lang="en-US"/>
               <a:t>Click to edit Master title style</a:t>
             </a:r>
-            <a:endParaRPr lang="en-US"/>
           </a:p>
         </p:txBody>
       </p:sp>
@@ -1024,38 +1034,37 @@
           <a:p>
             <a:pPr lvl="0"/>
             <a:r>
-              <a:rPr lang="en-US" smtClean="0"/>
+              <a:rPr lang="en-US"/>
               <a:t>Click to edit Master text styles</a:t>
             </a:r>
           </a:p>
           <a:p>
             <a:pPr lvl="1"/>
             <a:r>
-              <a:rPr lang="en-US" smtClean="0"/>
+              <a:rPr lang="en-US"/>
               <a:t>Second level</a:t>
             </a:r>
           </a:p>
           <a:p>
             <a:pPr lvl="2"/>
             <a:r>
-              <a:rPr lang="en-US" smtClean="0"/>
+              <a:rPr lang="en-US"/>
               <a:t>Third level</a:t>
             </a:r>
           </a:p>
           <a:p>
             <a:pPr lvl="3"/>
             <a:r>
-              <a:rPr lang="en-US" smtClean="0"/>
+              <a:rPr lang="en-US"/>
               <a:t>Fourth level</a:t>
             </a:r>
           </a:p>
           <a:p>
             <a:pPr lvl="4"/>
             <a:r>
-              <a:rPr lang="en-US" smtClean="0"/>
+              <a:rPr lang="en-US"/>
               <a:t>Fifth level</a:t>
             </a:r>
-            <a:endParaRPr lang="en-US"/>
           </a:p>
         </p:txBody>
       </p:sp>
@@ -1076,7 +1085,7 @@
           <a:p>
             <a:fld id="{7B4A76A4-8ADE-4AB5-BBF1-4EC090059790}" type="datetimeFigureOut">
               <a:rPr lang="en-US" smtClean="0"/>
-              <a:t>5/7/2021</a:t>
+              <a:t>5/27/2021</a:t>
             </a:fld>
             <a:endParaRPr lang="en-US"/>
           </a:p>
@@ -1170,10 +1179,9 @@
           <a:lstStyle/>
           <a:p>
             <a:r>
-              <a:rPr lang="en-US" smtClean="0"/>
+              <a:rPr lang="en-US"/>
               <a:t>Click to edit Master title style</a:t>
             </a:r>
-            <a:endParaRPr lang="en-US"/>
           </a:p>
         </p:txBody>
       </p:sp>
@@ -1194,38 +1202,37 @@
           <a:p>
             <a:pPr lvl="0"/>
             <a:r>
-              <a:rPr lang="en-US" smtClean="0"/>
+              <a:rPr lang="en-US"/>
               <a:t>Click to edit Master text styles</a:t>
             </a:r>
           </a:p>
           <a:p>
             <a:pPr lvl="1"/>
             <a:r>
-              <a:rPr lang="en-US" smtClean="0"/>
+              <a:rPr lang="en-US"/>
               <a:t>Second level</a:t>
             </a:r>
           </a:p>
           <a:p>
             <a:pPr lvl="2"/>
             <a:r>
-              <a:rPr lang="en-US" smtClean="0"/>
+              <a:rPr lang="en-US"/>
               <a:t>Third level</a:t>
             </a:r>
           </a:p>
           <a:p>
             <a:pPr lvl="3"/>
             <a:r>
-              <a:rPr lang="en-US" smtClean="0"/>
+              <a:rPr lang="en-US"/>
               <a:t>Fourth level</a:t>
             </a:r>
           </a:p>
           <a:p>
             <a:pPr lvl="4"/>
             <a:r>
-              <a:rPr lang="en-US" smtClean="0"/>
+              <a:rPr lang="en-US"/>
               <a:t>Fifth level</a:t>
             </a:r>
-            <a:endParaRPr lang="en-US"/>
           </a:p>
         </p:txBody>
       </p:sp>
@@ -1246,7 +1253,7 @@
           <a:p>
             <a:fld id="{7B4A76A4-8ADE-4AB5-BBF1-4EC090059790}" type="datetimeFigureOut">
               <a:rPr lang="en-US" smtClean="0"/>
-              <a:t>5/7/2021</a:t>
+              <a:t>5/27/2021</a:t>
             </a:fld>
             <a:endParaRPr lang="en-US"/>
           </a:p>
@@ -1349,10 +1356,9 @@
           </a:lstStyle>
           <a:p>
             <a:r>
-              <a:rPr lang="en-US" smtClean="0"/>
+              <a:rPr lang="en-US"/>
               <a:t>Click to edit Master title style</a:t>
             </a:r>
-            <a:endParaRPr lang="en-US"/>
           </a:p>
         </p:txBody>
       </p:sp>
@@ -1469,7 +1475,7 @@
           <a:p>
             <a:pPr lvl="0"/>
             <a:r>
-              <a:rPr lang="en-US" smtClean="0"/>
+              <a:rPr lang="en-US"/>
               <a:t>Click to edit Master text styles</a:t>
             </a:r>
           </a:p>
@@ -1492,7 +1498,7 @@
           <a:p>
             <a:fld id="{7B4A76A4-8ADE-4AB5-BBF1-4EC090059790}" type="datetimeFigureOut">
               <a:rPr lang="en-US" smtClean="0"/>
-              <a:t>5/7/2021</a:t>
+              <a:t>5/27/2021</a:t>
             </a:fld>
             <a:endParaRPr lang="en-US"/>
           </a:p>
@@ -1586,10 +1592,9 @@
           <a:lstStyle/>
           <a:p>
             <a:r>
-              <a:rPr lang="en-US" smtClean="0"/>
+              <a:rPr lang="en-US"/>
               <a:t>Click to edit Master title style</a:t>
             </a:r>
-            <a:endParaRPr lang="en-US"/>
           </a:p>
         </p:txBody>
       </p:sp>
@@ -1643,38 +1648,37 @@
           <a:p>
             <a:pPr lvl="0"/>
             <a:r>
-              <a:rPr lang="en-US" smtClean="0"/>
+              <a:rPr lang="en-US"/>
               <a:t>Click to edit Master text styles</a:t>
             </a:r>
           </a:p>
           <a:p>
             <a:pPr lvl="1"/>
             <a:r>
-              <a:rPr lang="en-US" smtClean="0"/>
+              <a:rPr lang="en-US"/>
               <a:t>Second level</a:t>
             </a:r>
           </a:p>
           <a:p>
             <a:pPr lvl="2"/>
             <a:r>
-              <a:rPr lang="en-US" smtClean="0"/>
+              <a:rPr lang="en-US"/>
               <a:t>Third level</a:t>
             </a:r>
           </a:p>
           <a:p>
             <a:pPr lvl="3"/>
             <a:r>
-              <a:rPr lang="en-US" smtClean="0"/>
+              <a:rPr lang="en-US"/>
               <a:t>Fourth level</a:t>
             </a:r>
           </a:p>
           <a:p>
             <a:pPr lvl="4"/>
             <a:r>
-              <a:rPr lang="en-US" smtClean="0"/>
+              <a:rPr lang="en-US"/>
               <a:t>Fifth level</a:t>
             </a:r>
-            <a:endParaRPr lang="en-US"/>
           </a:p>
         </p:txBody>
       </p:sp>
@@ -1728,38 +1732,37 @@
           <a:p>
             <a:pPr lvl="0"/>
             <a:r>
-              <a:rPr lang="en-US" smtClean="0"/>
+              <a:rPr lang="en-US"/>
               <a:t>Click to edit Master text styles</a:t>
             </a:r>
           </a:p>
           <a:p>
             <a:pPr lvl="1"/>
             <a:r>
-              <a:rPr lang="en-US" smtClean="0"/>
+              <a:rPr lang="en-US"/>
               <a:t>Second level</a:t>
             </a:r>
           </a:p>
           <a:p>
             <a:pPr lvl="2"/>
             <a:r>
-              <a:rPr lang="en-US" smtClean="0"/>
+              <a:rPr lang="en-US"/>
               <a:t>Third level</a:t>
             </a:r>
           </a:p>
           <a:p>
             <a:pPr lvl="3"/>
             <a:r>
-              <a:rPr lang="en-US" smtClean="0"/>
+              <a:rPr lang="en-US"/>
               <a:t>Fourth level</a:t>
             </a:r>
           </a:p>
           <a:p>
             <a:pPr lvl="4"/>
             <a:r>
-              <a:rPr lang="en-US" smtClean="0"/>
+              <a:rPr lang="en-US"/>
               <a:t>Fifth level</a:t>
             </a:r>
-            <a:endParaRPr lang="en-US"/>
           </a:p>
         </p:txBody>
       </p:sp>
@@ -1780,7 +1783,7 @@
           <a:p>
             <a:fld id="{7B4A76A4-8ADE-4AB5-BBF1-4EC090059790}" type="datetimeFigureOut">
               <a:rPr lang="en-US" smtClean="0"/>
-              <a:t>5/7/2021</a:t>
+              <a:t>5/27/2021</a:t>
             </a:fld>
             <a:endParaRPr lang="en-US"/>
           </a:p>
@@ -1883,10 +1886,9 @@
           </a:lstStyle>
           <a:p>
             <a:r>
-              <a:rPr lang="en-US" smtClean="0"/>
+              <a:rPr lang="en-US"/>
               <a:t>Click to edit Master title style</a:t>
             </a:r>
-            <a:endParaRPr lang="en-US"/>
           </a:p>
         </p:txBody>
       </p:sp>
@@ -1949,7 +1951,7 @@
           <a:p>
             <a:pPr lvl="0"/>
             <a:r>
-              <a:rPr lang="en-US" smtClean="0"/>
+              <a:rPr lang="en-US"/>
               <a:t>Click to edit Master text styles</a:t>
             </a:r>
           </a:p>
@@ -2005,38 +2007,37 @@
           <a:p>
             <a:pPr lvl="0"/>
             <a:r>
-              <a:rPr lang="en-US" smtClean="0"/>
+              <a:rPr lang="en-US"/>
               <a:t>Click to edit Master text styles</a:t>
             </a:r>
           </a:p>
           <a:p>
             <a:pPr lvl="1"/>
             <a:r>
-              <a:rPr lang="en-US" smtClean="0"/>
+              <a:rPr lang="en-US"/>
               <a:t>Second level</a:t>
             </a:r>
           </a:p>
           <a:p>
             <a:pPr lvl="2"/>
             <a:r>
-              <a:rPr lang="en-US" smtClean="0"/>
+              <a:rPr lang="en-US"/>
               <a:t>Third level</a:t>
             </a:r>
           </a:p>
           <a:p>
             <a:pPr lvl="3"/>
             <a:r>
-              <a:rPr lang="en-US" smtClean="0"/>
+              <a:rPr lang="en-US"/>
               <a:t>Fourth level</a:t>
             </a:r>
           </a:p>
           <a:p>
             <a:pPr lvl="4"/>
             <a:r>
-              <a:rPr lang="en-US" smtClean="0"/>
+              <a:rPr lang="en-US"/>
               <a:t>Fifth level</a:t>
             </a:r>
-            <a:endParaRPr lang="en-US"/>
           </a:p>
         </p:txBody>
       </p:sp>
@@ -2099,7 +2100,7 @@
           <a:p>
             <a:pPr lvl="0"/>
             <a:r>
-              <a:rPr lang="en-US" smtClean="0"/>
+              <a:rPr lang="en-US"/>
               <a:t>Click to edit Master text styles</a:t>
             </a:r>
           </a:p>
@@ -2155,38 +2156,37 @@
           <a:p>
             <a:pPr lvl="0"/>
             <a:r>
-              <a:rPr lang="en-US" smtClean="0"/>
+              <a:rPr lang="en-US"/>
               <a:t>Click to edit Master text styles</a:t>
             </a:r>
           </a:p>
           <a:p>
             <a:pPr lvl="1"/>
             <a:r>
-              <a:rPr lang="en-US" smtClean="0"/>
+              <a:rPr lang="en-US"/>
               <a:t>Second level</a:t>
             </a:r>
           </a:p>
           <a:p>
             <a:pPr lvl="2"/>
             <a:r>
-              <a:rPr lang="en-US" smtClean="0"/>
+              <a:rPr lang="en-US"/>
               <a:t>Third level</a:t>
             </a:r>
           </a:p>
           <a:p>
             <a:pPr lvl="3"/>
             <a:r>
-              <a:rPr lang="en-US" smtClean="0"/>
+              <a:rPr lang="en-US"/>
               <a:t>Fourth level</a:t>
             </a:r>
           </a:p>
           <a:p>
             <a:pPr lvl="4"/>
             <a:r>
-              <a:rPr lang="en-US" smtClean="0"/>
+              <a:rPr lang="en-US"/>
               <a:t>Fifth level</a:t>
             </a:r>
-            <a:endParaRPr lang="en-US"/>
           </a:p>
         </p:txBody>
       </p:sp>
@@ -2207,7 +2207,7 @@
           <a:p>
             <a:fld id="{7B4A76A4-8ADE-4AB5-BBF1-4EC090059790}" type="datetimeFigureOut">
               <a:rPr lang="en-US" smtClean="0"/>
-              <a:t>5/7/2021</a:t>
+              <a:t>5/27/2021</a:t>
             </a:fld>
             <a:endParaRPr lang="en-US"/>
           </a:p>
@@ -2301,10 +2301,9 @@
           <a:lstStyle/>
           <a:p>
             <a:r>
-              <a:rPr lang="en-US" smtClean="0"/>
+              <a:rPr lang="en-US"/>
               <a:t>Click to edit Master title style</a:t>
             </a:r>
-            <a:endParaRPr lang="en-US"/>
           </a:p>
         </p:txBody>
       </p:sp>
@@ -2325,7 +2324,7 @@
           <a:p>
             <a:fld id="{7B4A76A4-8ADE-4AB5-BBF1-4EC090059790}" type="datetimeFigureOut">
               <a:rPr lang="en-US" smtClean="0"/>
-              <a:t>5/7/2021</a:t>
+              <a:t>5/27/2021</a:t>
             </a:fld>
             <a:endParaRPr lang="en-US"/>
           </a:p>
@@ -2420,7 +2419,7 @@
           <a:p>
             <a:fld id="{7B4A76A4-8ADE-4AB5-BBF1-4EC090059790}" type="datetimeFigureOut">
               <a:rPr lang="en-US" smtClean="0"/>
-              <a:t>5/7/2021</a:t>
+              <a:t>5/27/2021</a:t>
             </a:fld>
             <a:endParaRPr lang="en-US"/>
           </a:p>
@@ -2523,10 +2522,9 @@
           </a:lstStyle>
           <a:p>
             <a:r>
-              <a:rPr lang="en-US" smtClean="0"/>
+              <a:rPr lang="en-US"/>
               <a:t>Click to edit Master title style</a:t>
             </a:r>
-            <a:endParaRPr lang="en-US"/>
           </a:p>
         </p:txBody>
       </p:sp>
@@ -2580,38 +2578,37 @@
           <a:p>
             <a:pPr lvl="0"/>
             <a:r>
-              <a:rPr lang="en-US" smtClean="0"/>
+              <a:rPr lang="en-US"/>
               <a:t>Click to edit Master text styles</a:t>
             </a:r>
           </a:p>
           <a:p>
             <a:pPr lvl="1"/>
             <a:r>
-              <a:rPr lang="en-US" smtClean="0"/>
+              <a:rPr lang="en-US"/>
               <a:t>Second level</a:t>
             </a:r>
           </a:p>
           <a:p>
             <a:pPr lvl="2"/>
             <a:r>
-              <a:rPr lang="en-US" smtClean="0"/>
+              <a:rPr lang="en-US"/>
               <a:t>Third level</a:t>
             </a:r>
           </a:p>
           <a:p>
             <a:pPr lvl="3"/>
             <a:r>
-              <a:rPr lang="en-US" smtClean="0"/>
+              <a:rPr lang="en-US"/>
               <a:t>Fourth level</a:t>
             </a:r>
           </a:p>
           <a:p>
             <a:pPr lvl="4"/>
             <a:r>
-              <a:rPr lang="en-US" smtClean="0"/>
+              <a:rPr lang="en-US"/>
               <a:t>Fifth level</a:t>
             </a:r>
-            <a:endParaRPr lang="en-US"/>
           </a:p>
         </p:txBody>
       </p:sp>
@@ -2674,7 +2671,7 @@
           <a:p>
             <a:pPr lvl="0"/>
             <a:r>
-              <a:rPr lang="en-US" smtClean="0"/>
+              <a:rPr lang="en-US"/>
               <a:t>Click to edit Master text styles</a:t>
             </a:r>
           </a:p>
@@ -2697,7 +2694,7 @@
           <a:p>
             <a:fld id="{7B4A76A4-8ADE-4AB5-BBF1-4EC090059790}" type="datetimeFigureOut">
               <a:rPr lang="en-US" smtClean="0"/>
-              <a:t>5/7/2021</a:t>
+              <a:t>5/27/2021</a:t>
             </a:fld>
             <a:endParaRPr lang="en-US"/>
           </a:p>
@@ -2800,10 +2797,9 @@
           </a:lstStyle>
           <a:p>
             <a:r>
-              <a:rPr lang="en-US" smtClean="0"/>
+              <a:rPr lang="en-US"/>
               <a:t>Click to edit Master title style</a:t>
             </a:r>
-            <a:endParaRPr lang="en-US"/>
           </a:p>
         </p:txBody>
       </p:sp>
@@ -2927,7 +2923,7 @@
           <a:p>
             <a:pPr lvl="0"/>
             <a:r>
-              <a:rPr lang="en-US" smtClean="0"/>
+              <a:rPr lang="en-US"/>
               <a:t>Click to edit Master text styles</a:t>
             </a:r>
           </a:p>
@@ -2950,7 +2946,7 @@
           <a:p>
             <a:fld id="{7B4A76A4-8ADE-4AB5-BBF1-4EC090059790}" type="datetimeFigureOut">
               <a:rPr lang="en-US" smtClean="0"/>
-              <a:t>5/7/2021</a:t>
+              <a:t>5/27/2021</a:t>
             </a:fld>
             <a:endParaRPr lang="en-US"/>
           </a:p>
@@ -3059,10 +3055,9 @@
           <a:lstStyle/>
           <a:p>
             <a:r>
-              <a:rPr lang="en-US" smtClean="0"/>
+              <a:rPr lang="en-US"/>
               <a:t>Click to edit Master title style</a:t>
             </a:r>
-            <a:endParaRPr lang="en-US"/>
           </a:p>
         </p:txBody>
       </p:sp>
@@ -3093,38 +3088,37 @@
           <a:p>
             <a:pPr lvl="0"/>
             <a:r>
-              <a:rPr lang="en-US" smtClean="0"/>
+              <a:rPr lang="en-US"/>
               <a:t>Click to edit Master text styles</a:t>
             </a:r>
           </a:p>
           <a:p>
             <a:pPr lvl="1"/>
             <a:r>
-              <a:rPr lang="en-US" smtClean="0"/>
+              <a:rPr lang="en-US"/>
               <a:t>Second level</a:t>
             </a:r>
           </a:p>
           <a:p>
             <a:pPr lvl="2"/>
             <a:r>
-              <a:rPr lang="en-US" smtClean="0"/>
+              <a:rPr lang="en-US"/>
               <a:t>Third level</a:t>
             </a:r>
           </a:p>
           <a:p>
             <a:pPr lvl="3"/>
             <a:r>
-              <a:rPr lang="en-US" smtClean="0"/>
+              <a:rPr lang="en-US"/>
               <a:t>Fourth level</a:t>
             </a:r>
           </a:p>
           <a:p>
             <a:pPr lvl="4"/>
             <a:r>
-              <a:rPr lang="en-US" smtClean="0"/>
+              <a:rPr lang="en-US"/>
               <a:t>Fifth level</a:t>
             </a:r>
-            <a:endParaRPr lang="en-US"/>
           </a:p>
         </p:txBody>
       </p:sp>
@@ -3163,7 +3157,7 @@
           <a:p>
             <a:fld id="{7B4A76A4-8ADE-4AB5-BBF1-4EC090059790}" type="datetimeFigureOut">
               <a:rPr lang="en-US" smtClean="0"/>
-              <a:t>5/7/2021</a:t>
+              <a:t>5/27/2021</a:t>
             </a:fld>
             <a:endParaRPr lang="en-US"/>
           </a:p>
@@ -3648,7 +3642,7 @@
           <a:lstStyle/>
           <a:p>
             <a:r>
-              <a:rPr lang="en-US" sz="2400" b="1" dirty="0" smtClean="0">
+              <a:rPr lang="en-US" sz="2400" b="1" dirty="0">
                 <a:effectLst>
                   <a:outerShdw blurRad="38100" dist="38100" dir="2700000" algn="tl">
                     <a:srgbClr val="000000">
@@ -3659,15 +3653,6 @@
               </a:rPr>
               <a:t>ĐÀM VĂN THỨC</a:t>
             </a:r>
-            <a:endParaRPr lang="en-US" sz="2400" b="1" dirty="0">
-              <a:effectLst>
-                <a:outerShdw blurRad="38100" dist="38100" dir="2700000" algn="tl">
-                  <a:srgbClr val="000000">
-                    <a:alpha val="43137"/>
-                  </a:srgbClr>
-                </a:outerShdw>
-              </a:effectLst>
-            </a:endParaRPr>
           </a:p>
         </p:txBody>
       </p:sp>
@@ -3699,18 +3684,18 @@
               </a:lnSpc>
             </a:pPr>
             <a:r>
-              <a:rPr lang="vi-VN" sz="1100" dirty="0" smtClean="0">
+              <a:rPr lang="vi-VN" sz="1100" dirty="0">
                 <a:latin typeface="Calibri (Body)"/>
               </a:rPr>
               <a:t>Ngày sinh:	</a:t>
             </a:r>
             <a:r>
-              <a:rPr lang="en-US" sz="1100" dirty="0" smtClean="0">
+              <a:rPr lang="en-US" sz="1100" dirty="0">
                 <a:latin typeface="Calibri (Body)"/>
               </a:rPr>
               <a:t>19/07/2000</a:t>
             </a:r>
-            <a:endParaRPr lang="vi-VN" sz="1100" dirty="0" smtClean="0">
+            <a:endParaRPr lang="vi-VN" sz="1100" dirty="0">
               <a:latin typeface="Calibri (Body)"/>
             </a:endParaRPr>
           </a:p>
@@ -3721,12 +3706,12 @@
               </a:lnSpc>
             </a:pPr>
             <a:r>
-              <a:rPr lang="vi-VN" sz="1100" dirty="0" smtClean="0">
+              <a:rPr lang="vi-VN" sz="1100" dirty="0">
                 <a:latin typeface="Calibri (Body)"/>
               </a:rPr>
               <a:t>Giới tính:	Nam</a:t>
             </a:r>
-            <a:endParaRPr lang="en-US" sz="1100" dirty="0" smtClean="0">
+            <a:endParaRPr lang="en-US" sz="1100" dirty="0">
               <a:latin typeface="Calibri (Body)"/>
             </a:endParaRPr>
           </a:p>
@@ -3737,13 +3722,13 @@
               </a:lnSpc>
             </a:pPr>
             <a:r>
-              <a:rPr lang="vi-VN" sz="1100" dirty="0" smtClean="0">
+              <a:rPr lang="vi-VN" sz="1100" dirty="0">
                 <a:latin typeface="Calibri (Body)"/>
               </a:rPr>
               <a:t>Số điện thoại:	</a:t>
             </a:r>
             <a:r>
-              <a:rPr lang="en-US" sz="1100" dirty="0" smtClean="0">
+              <a:rPr lang="en-US" sz="1100" dirty="0">
                 <a:latin typeface="Calibri (Body)"/>
               </a:rPr>
               <a:t>0389793148</a:t>
@@ -3756,20 +3741,17 @@
               </a:lnSpc>
             </a:pPr>
             <a:r>
-              <a:rPr lang="vi-VN" sz="1100" dirty="0" smtClean="0">
+              <a:rPr lang="vi-VN" sz="1100" dirty="0">
                 <a:latin typeface="Calibri (Body)"/>
               </a:rPr>
               <a:t>Email:	</a:t>
             </a:r>
             <a:r>
-              <a:rPr lang="en-US" sz="1100" dirty="0" smtClean="0">
+              <a:rPr lang="en-US" sz="1100" dirty="0">
                 <a:latin typeface="Calibri (Body)"/>
               </a:rPr>
               <a:t>thucdvph09264@gmail.com</a:t>
             </a:r>
-            <a:endParaRPr lang="en-US" sz="1100" dirty="0">
-              <a:latin typeface="Calibri (Body)"/>
-            </a:endParaRPr>
           </a:p>
           <a:p>
             <a:pPr>
@@ -3778,13 +3760,13 @@
               </a:lnSpc>
             </a:pPr>
             <a:r>
-              <a:rPr lang="vi-VN" sz="1100" dirty="0" smtClean="0">
+              <a:rPr lang="vi-VN" sz="1100" dirty="0">
                 <a:latin typeface="Calibri (Body)"/>
               </a:rPr>
               <a:t>Website:	</a:t>
             </a:r>
             <a:r>
-              <a:rPr lang="en-US" sz="1100" dirty="0" smtClean="0">
+              <a:rPr lang="en-US" sz="1100" dirty="0">
                 <a:latin typeface="Calibri (Body)"/>
               </a:rPr>
               <a:t>https://www.facebook.com/thucpoly1</a:t>
@@ -3797,67 +3779,67 @@
               </a:lnSpc>
             </a:pPr>
             <a:r>
-              <a:rPr lang="vi-VN" sz="1100" dirty="0" smtClean="0">
+              <a:rPr lang="vi-VN" sz="1100" dirty="0">
                 <a:latin typeface="Calibri (Body)"/>
               </a:rPr>
               <a:t>Địa chỉ:	</a:t>
             </a:r>
             <a:r>
-              <a:rPr lang="en-US" sz="1100" dirty="0" smtClean="0">
+              <a:rPr lang="en-US" sz="1100" dirty="0">
                 <a:latin typeface="Calibri (Body)"/>
               </a:rPr>
               <a:t>Chi </a:t>
             </a:r>
             <a:r>
-              <a:rPr lang="en-US" sz="1100" dirty="0" err="1" smtClean="0">
+              <a:rPr lang="en-US" sz="1100" dirty="0" err="1">
                 <a:latin typeface="Calibri (Body)"/>
               </a:rPr>
               <a:t>Thiết</a:t>
             </a:r>
             <a:r>
-              <a:rPr lang="en-US" sz="1100" dirty="0" smtClean="0">
+              <a:rPr lang="en-US" sz="1100" dirty="0">
                 <a:latin typeface="Calibri (Body)"/>
               </a:rPr>
               <a:t> - </a:t>
             </a:r>
             <a:r>
-              <a:rPr lang="en-US" sz="1100" dirty="0" err="1" smtClean="0">
+              <a:rPr lang="en-US" sz="1100" dirty="0" err="1">
                 <a:latin typeface="Calibri (Body)"/>
               </a:rPr>
               <a:t>Sơn</a:t>
             </a:r>
             <a:r>
-              <a:rPr lang="en-US" sz="1100" dirty="0" smtClean="0">
-                <a:latin typeface="Calibri (Body)"/>
-              </a:rPr>
-              <a:t> </a:t>
-            </a:r>
-            <a:r>
-              <a:rPr lang="en-US" sz="1100" dirty="0" err="1" smtClean="0">
+              <a:rPr lang="en-US" sz="1100" dirty="0">
+                <a:latin typeface="Calibri (Body)"/>
+              </a:rPr>
+              <a:t> </a:t>
+            </a:r>
+            <a:r>
+              <a:rPr lang="en-US" sz="1100" dirty="0" err="1">
                 <a:latin typeface="Calibri (Body)"/>
               </a:rPr>
               <a:t>Dương</a:t>
             </a:r>
             <a:r>
-              <a:rPr lang="en-US" sz="1100" dirty="0" smtClean="0">
+              <a:rPr lang="en-US" sz="1100" dirty="0">
                 <a:latin typeface="Calibri (Body)"/>
               </a:rPr>
               <a:t> - </a:t>
             </a:r>
             <a:r>
-              <a:rPr lang="en-US" sz="1100" dirty="0" err="1" smtClean="0">
+              <a:rPr lang="en-US" sz="1100" dirty="0" err="1">
                 <a:latin typeface="Calibri (Body)"/>
               </a:rPr>
               <a:t>Tuyên</a:t>
             </a:r>
             <a:r>
-              <a:rPr lang="en-US" sz="1100" dirty="0" smtClean="0">
-                <a:latin typeface="Calibri (Body)"/>
-              </a:rPr>
-              <a:t> </a:t>
-            </a:r>
-            <a:r>
-              <a:rPr lang="en-US" sz="1100" dirty="0" err="1" smtClean="0">
+              <a:rPr lang="en-US" sz="1100" dirty="0">
+                <a:latin typeface="Calibri (Body)"/>
+              </a:rPr>
+              <a:t> </a:t>
+            </a:r>
+            <a:r>
+              <a:rPr lang="en-US" sz="1100" dirty="0" err="1">
                 <a:latin typeface="Calibri (Body)"/>
               </a:rPr>
               <a:t>Quang</a:t>
@@ -3891,15 +3873,15 @@
           <a:lstStyle/>
           <a:p>
             <a:r>
-              <a:rPr lang="vi-VN" sz="1400" i="1" dirty="0" smtClean="0"/>
+              <a:rPr lang="vi-VN" sz="1400" i="1" dirty="0"/>
               <a:t>Thực tập sinh </a:t>
             </a:r>
             <a:r>
-              <a:rPr lang="en-US" sz="1400" i="1" dirty="0" smtClean="0"/>
+              <a:rPr lang="en-US" sz="1400" i="1" dirty="0"/>
               <a:t>A</a:t>
             </a:r>
             <a:r>
-              <a:rPr lang="vi-VN" sz="1400" i="1" dirty="0" smtClean="0"/>
+              <a:rPr lang="vi-VN" sz="1400" i="1" dirty="0"/>
               <a:t>ndroid</a:t>
             </a:r>
             <a:endParaRPr lang="en-US" sz="1400" i="1" dirty="0"/>
@@ -3929,18 +3911,13 @@
           <a:lstStyle/>
           <a:p>
             <a:r>
-              <a:rPr lang="en-US" sz="1400" b="1" dirty="0" smtClean="0">
+              <a:rPr lang="en-US" sz="1400" b="1" dirty="0">
                 <a:solidFill>
                   <a:srgbClr val="00B0F0"/>
                 </a:solidFill>
               </a:rPr>
               <a:t>MỤC TIÊU NGHỀ NGHIỆP</a:t>
             </a:r>
-            <a:endParaRPr lang="en-US" sz="1400" b="1" dirty="0">
-              <a:solidFill>
-                <a:srgbClr val="00B0F0"/>
-              </a:solidFill>
-            </a:endParaRPr>
           </a:p>
         </p:txBody>
       </p:sp>
@@ -4031,163 +4008,163 @@
               <a:buChar char="•"/>
             </a:pPr>
             <a:r>
-              <a:rPr lang="en-US" sz="1100" b="1" dirty="0" err="1" smtClean="0">
+              <a:rPr lang="en-US" sz="1100" b="1" dirty="0" err="1">
                 <a:latin typeface="Calibri (Body)"/>
               </a:rPr>
               <a:t>Ngắn</a:t>
             </a:r>
             <a:r>
-              <a:rPr lang="en-US" sz="1100" b="1" dirty="0" smtClean="0">
-                <a:latin typeface="Calibri (Body)"/>
-              </a:rPr>
-              <a:t> </a:t>
-            </a:r>
-            <a:r>
-              <a:rPr lang="en-US" sz="1100" b="1" dirty="0" err="1" smtClean="0">
+              <a:rPr lang="en-US" sz="1100" b="1" dirty="0">
+                <a:latin typeface="Calibri (Body)"/>
+              </a:rPr>
+              <a:t> </a:t>
+            </a:r>
+            <a:r>
+              <a:rPr lang="en-US" sz="1100" b="1" dirty="0" err="1">
                 <a:latin typeface="Calibri (Body)"/>
               </a:rPr>
               <a:t>hạn</a:t>
             </a:r>
             <a:r>
-              <a:rPr lang="en-US" sz="1100" b="1" dirty="0" smtClean="0">
+              <a:rPr lang="en-US" sz="1100" b="1" dirty="0">
                 <a:latin typeface="Calibri (Body)"/>
               </a:rPr>
               <a:t>: </a:t>
             </a:r>
             <a:r>
-              <a:rPr lang="en-US" sz="1100" dirty="0" err="1" smtClean="0">
+              <a:rPr lang="en-US" sz="1100" dirty="0" err="1">
                 <a:latin typeface="Calibri (Body)"/>
               </a:rPr>
               <a:t>Trở</a:t>
             </a:r>
             <a:r>
-              <a:rPr lang="en-US" sz="1100" dirty="0" smtClean="0">
-                <a:latin typeface="Calibri (Body)"/>
-              </a:rPr>
-              <a:t> </a:t>
-            </a:r>
-            <a:r>
-              <a:rPr lang="en-US" sz="1100" dirty="0" err="1" smtClean="0">
+              <a:rPr lang="en-US" sz="1100" dirty="0">
+                <a:latin typeface="Calibri (Body)"/>
+              </a:rPr>
+              <a:t> </a:t>
+            </a:r>
+            <a:r>
+              <a:rPr lang="en-US" sz="1100" dirty="0" err="1">
                 <a:latin typeface="Calibri (Body)"/>
               </a:rPr>
               <a:t>thành</a:t>
             </a:r>
             <a:r>
-              <a:rPr lang="en-US" sz="1100" dirty="0" smtClean="0">
-                <a:latin typeface="Calibri (Body)"/>
-              </a:rPr>
-              <a:t> </a:t>
-            </a:r>
-            <a:r>
-              <a:rPr lang="en-US" sz="1100" dirty="0" err="1" smtClean="0">
+              <a:rPr lang="en-US" sz="1100" dirty="0">
+                <a:latin typeface="Calibri (Body)"/>
+              </a:rPr>
+              <a:t> </a:t>
+            </a:r>
+            <a:r>
+              <a:rPr lang="en-US" sz="1100" dirty="0" err="1">
                 <a:latin typeface="Calibri (Body)"/>
               </a:rPr>
               <a:t>nhân</a:t>
             </a:r>
             <a:r>
-              <a:rPr lang="en-US" sz="1100" dirty="0" smtClean="0">
-                <a:latin typeface="Calibri (Body)"/>
-              </a:rPr>
-              <a:t> </a:t>
-            </a:r>
-            <a:r>
-              <a:rPr lang="en-US" sz="1100" dirty="0" err="1" smtClean="0">
+              <a:rPr lang="en-US" sz="1100" dirty="0">
+                <a:latin typeface="Calibri (Body)"/>
+              </a:rPr>
+              <a:t> </a:t>
+            </a:r>
+            <a:r>
+              <a:rPr lang="en-US" sz="1100" dirty="0" err="1">
                 <a:latin typeface="Calibri (Body)"/>
               </a:rPr>
               <a:t>viên</a:t>
             </a:r>
             <a:r>
-              <a:rPr lang="en-US" sz="1100" dirty="0" smtClean="0">
-                <a:latin typeface="Calibri (Body)"/>
-              </a:rPr>
-              <a:t> </a:t>
-            </a:r>
-            <a:r>
-              <a:rPr lang="en-US" sz="1100" dirty="0" err="1" smtClean="0">
+              <a:rPr lang="en-US" sz="1100" dirty="0">
+                <a:latin typeface="Calibri (Body)"/>
+              </a:rPr>
+              <a:t> </a:t>
+            </a:r>
+            <a:r>
+              <a:rPr lang="en-US" sz="1100" dirty="0" err="1">
                 <a:latin typeface="Calibri (Body)"/>
               </a:rPr>
               <a:t>chính</a:t>
             </a:r>
             <a:r>
-              <a:rPr lang="en-US" sz="1100" dirty="0" smtClean="0">
-                <a:latin typeface="Calibri (Body)"/>
-              </a:rPr>
-              <a:t> </a:t>
-            </a:r>
-            <a:r>
-              <a:rPr lang="en-US" sz="1100" dirty="0" err="1" smtClean="0">
+              <a:rPr lang="en-US" sz="1100" dirty="0">
+                <a:latin typeface="Calibri (Body)"/>
+              </a:rPr>
+              <a:t> </a:t>
+            </a:r>
+            <a:r>
+              <a:rPr lang="en-US" sz="1100" dirty="0" err="1">
                 <a:latin typeface="Calibri (Body)"/>
               </a:rPr>
               <a:t>thức</a:t>
             </a:r>
             <a:r>
-              <a:rPr lang="en-US" sz="1100" dirty="0" smtClean="0">
-                <a:latin typeface="Calibri (Body)"/>
-              </a:rPr>
-              <a:t> </a:t>
-            </a:r>
-            <a:r>
-              <a:rPr lang="en-US" sz="1100" dirty="0" err="1" smtClean="0">
+              <a:rPr lang="en-US" sz="1100" dirty="0">
+                <a:latin typeface="Calibri (Body)"/>
+              </a:rPr>
+              <a:t> </a:t>
+            </a:r>
+            <a:r>
+              <a:rPr lang="en-US" sz="1100" dirty="0" err="1">
                 <a:latin typeface="Calibri (Body)"/>
               </a:rPr>
               <a:t>của</a:t>
             </a:r>
             <a:r>
-              <a:rPr lang="en-US" sz="1100" dirty="0" smtClean="0">
-                <a:latin typeface="Calibri (Body)"/>
-              </a:rPr>
-              <a:t> </a:t>
-            </a:r>
-            <a:r>
-              <a:rPr lang="en-US" sz="1100" dirty="0" err="1" smtClean="0">
+              <a:rPr lang="en-US" sz="1100" dirty="0">
+                <a:latin typeface="Calibri (Body)"/>
+              </a:rPr>
+              <a:t> </a:t>
+            </a:r>
+            <a:r>
+              <a:rPr lang="en-US" sz="1100" dirty="0" err="1">
                 <a:latin typeface="Calibri (Body)"/>
               </a:rPr>
               <a:t>công</a:t>
             </a:r>
             <a:r>
-              <a:rPr lang="en-US" sz="1100" dirty="0" smtClean="0">
+              <a:rPr lang="en-US" sz="1100" dirty="0">
                 <a:latin typeface="Calibri (Body)"/>
               </a:rPr>
               <a:t> ty </a:t>
             </a:r>
             <a:r>
-              <a:rPr lang="en-US" sz="1100" dirty="0" err="1" smtClean="0">
+              <a:rPr lang="en-US" sz="1100" dirty="0" err="1">
                 <a:latin typeface="Calibri (Body)"/>
               </a:rPr>
               <a:t>sau</a:t>
             </a:r>
             <a:r>
-              <a:rPr lang="en-US" sz="1100" dirty="0" smtClean="0">
+              <a:rPr lang="en-US" sz="1100" dirty="0">
                 <a:latin typeface="Calibri (Body)"/>
               </a:rPr>
               <a:t> 3 </a:t>
             </a:r>
             <a:r>
-              <a:rPr lang="en-US" sz="1100" dirty="0" err="1" smtClean="0">
+              <a:rPr lang="en-US" sz="1100" dirty="0" err="1">
                 <a:latin typeface="Calibri (Body)"/>
               </a:rPr>
               <a:t>tháng</a:t>
             </a:r>
             <a:r>
-              <a:rPr lang="en-US" sz="1100" dirty="0" smtClean="0">
-                <a:latin typeface="Calibri (Body)"/>
-              </a:rPr>
-              <a:t> </a:t>
-            </a:r>
-            <a:r>
-              <a:rPr lang="en-US" sz="1100" dirty="0" err="1" smtClean="0">
+              <a:rPr lang="en-US" sz="1100" dirty="0">
+                <a:latin typeface="Calibri (Body)"/>
+              </a:rPr>
+              <a:t> </a:t>
+            </a:r>
+            <a:r>
+              <a:rPr lang="en-US" sz="1100" dirty="0" err="1">
                 <a:latin typeface="Calibri (Body)"/>
               </a:rPr>
               <a:t>thực</a:t>
             </a:r>
             <a:r>
-              <a:rPr lang="en-US" sz="1100" dirty="0" smtClean="0">
-                <a:latin typeface="Calibri (Body)"/>
-              </a:rPr>
-              <a:t> </a:t>
-            </a:r>
-            <a:r>
-              <a:rPr lang="en-US" sz="1100" dirty="0" err="1" smtClean="0">
+              <a:rPr lang="en-US" sz="1100" dirty="0">
+                <a:latin typeface="Calibri (Body)"/>
+              </a:rPr>
+              <a:t> </a:t>
+            </a:r>
+            <a:r>
+              <a:rPr lang="en-US" sz="1100" dirty="0" err="1">
                 <a:latin typeface="Calibri (Body)"/>
               </a:rPr>
               <a:t>tập</a:t>
@@ -4199,121 +4176,121 @@
               <a:t> </a:t>
             </a:r>
             <a:r>
-              <a:rPr lang="en-US" sz="1100" dirty="0" err="1" smtClean="0">
+              <a:rPr lang="en-US" sz="1100" dirty="0" err="1">
                 <a:latin typeface="Calibri (Body)"/>
               </a:rPr>
               <a:t>và</a:t>
             </a:r>
             <a:r>
-              <a:rPr lang="en-US" sz="1100" dirty="0" smtClean="0">
-                <a:latin typeface="Calibri (Body)"/>
-              </a:rPr>
-              <a:t> </a:t>
-            </a:r>
-            <a:r>
-              <a:rPr lang="en-US" sz="1100" dirty="0" err="1" smtClean="0">
+              <a:rPr lang="en-US" sz="1100" dirty="0">
+                <a:latin typeface="Calibri (Body)"/>
+              </a:rPr>
+              <a:t> </a:t>
+            </a:r>
+            <a:r>
+              <a:rPr lang="en-US" sz="1100" dirty="0" err="1">
                 <a:latin typeface="Calibri (Body)"/>
               </a:rPr>
               <a:t>luôn</a:t>
             </a:r>
             <a:r>
-              <a:rPr lang="en-US" sz="1100" dirty="0" smtClean="0">
-                <a:latin typeface="Calibri (Body)"/>
-              </a:rPr>
-              <a:t> </a:t>
-            </a:r>
-            <a:r>
-              <a:rPr lang="en-US" sz="1100" dirty="0" err="1" smtClean="0">
+              <a:rPr lang="en-US" sz="1100" dirty="0">
+                <a:latin typeface="Calibri (Body)"/>
+              </a:rPr>
+              <a:t> </a:t>
+            </a:r>
+            <a:r>
+              <a:rPr lang="en-US" sz="1100" dirty="0" err="1">
                 <a:latin typeface="Calibri (Body)"/>
               </a:rPr>
               <a:t>hoàn</a:t>
             </a:r>
             <a:r>
-              <a:rPr lang="en-US" sz="1100" dirty="0" smtClean="0">
-                <a:latin typeface="Calibri (Body)"/>
-              </a:rPr>
-              <a:t> </a:t>
-            </a:r>
-            <a:r>
-              <a:rPr lang="en-US" sz="1100" dirty="0" err="1" smtClean="0">
+              <a:rPr lang="en-US" sz="1100" dirty="0">
+                <a:latin typeface="Calibri (Body)"/>
+              </a:rPr>
+              <a:t> </a:t>
+            </a:r>
+            <a:r>
+              <a:rPr lang="en-US" sz="1100" dirty="0" err="1">
                 <a:latin typeface="Calibri (Body)"/>
               </a:rPr>
               <a:t>thành</a:t>
             </a:r>
             <a:r>
-              <a:rPr lang="en-US" sz="1100" dirty="0" smtClean="0">
-                <a:latin typeface="Calibri (Body)"/>
-              </a:rPr>
-              <a:t> </a:t>
-            </a:r>
-            <a:r>
-              <a:rPr lang="en-US" sz="1100" dirty="0" err="1" smtClean="0">
+              <a:rPr lang="en-US" sz="1100" dirty="0">
+                <a:latin typeface="Calibri (Body)"/>
+              </a:rPr>
+              <a:t> </a:t>
+            </a:r>
+            <a:r>
+              <a:rPr lang="en-US" sz="1100" dirty="0" err="1">
                 <a:latin typeface="Calibri (Body)"/>
               </a:rPr>
               <a:t>tốt</a:t>
             </a:r>
             <a:r>
-              <a:rPr lang="en-US" sz="1100" dirty="0" smtClean="0">
-                <a:latin typeface="Calibri (Body)"/>
-              </a:rPr>
-              <a:t> </a:t>
-            </a:r>
-            <a:r>
-              <a:rPr lang="en-US" sz="1100" dirty="0" err="1" smtClean="0">
+              <a:rPr lang="en-US" sz="1100" dirty="0">
+                <a:latin typeface="Calibri (Body)"/>
+              </a:rPr>
+              <a:t> </a:t>
+            </a:r>
+            <a:r>
+              <a:rPr lang="en-US" sz="1100" dirty="0" err="1">
                 <a:latin typeface="Calibri (Body)"/>
               </a:rPr>
               <a:t>các</a:t>
             </a:r>
             <a:r>
-              <a:rPr lang="en-US" sz="1100" dirty="0" smtClean="0">
-                <a:latin typeface="Calibri (Body)"/>
-              </a:rPr>
-              <a:t> </a:t>
-            </a:r>
-            <a:r>
-              <a:rPr lang="en-US" sz="1100" dirty="0" err="1" smtClean="0">
+              <a:rPr lang="en-US" sz="1100" dirty="0">
+                <a:latin typeface="Calibri (Body)"/>
+              </a:rPr>
+              <a:t> </a:t>
+            </a:r>
+            <a:r>
+              <a:rPr lang="en-US" sz="1100" dirty="0" err="1">
                 <a:latin typeface="Calibri (Body)"/>
               </a:rPr>
               <a:t>nhiệm</a:t>
             </a:r>
             <a:r>
-              <a:rPr lang="en-US" sz="1100" dirty="0" smtClean="0">
-                <a:latin typeface="Calibri (Body)"/>
-              </a:rPr>
-              <a:t> </a:t>
-            </a:r>
-            <a:r>
-              <a:rPr lang="en-US" sz="1100" dirty="0" err="1" smtClean="0">
+              <a:rPr lang="en-US" sz="1100" dirty="0">
+                <a:latin typeface="Calibri (Body)"/>
+              </a:rPr>
+              <a:t> </a:t>
+            </a:r>
+            <a:r>
+              <a:rPr lang="en-US" sz="1100" dirty="0" err="1">
                 <a:latin typeface="Calibri (Body)"/>
               </a:rPr>
               <a:t>vụ</a:t>
             </a:r>
             <a:r>
-              <a:rPr lang="en-US" sz="1100" dirty="0" smtClean="0">
-                <a:latin typeface="Calibri (Body)"/>
-              </a:rPr>
-              <a:t> </a:t>
-            </a:r>
-            <a:r>
-              <a:rPr lang="en-US" sz="1100" dirty="0" err="1" smtClean="0">
+              <a:rPr lang="en-US" sz="1100" dirty="0">
+                <a:latin typeface="Calibri (Body)"/>
+              </a:rPr>
+              <a:t> </a:t>
+            </a:r>
+            <a:r>
+              <a:rPr lang="en-US" sz="1100" dirty="0" err="1">
                 <a:latin typeface="Calibri (Body)"/>
               </a:rPr>
               <a:t>được</a:t>
             </a:r>
             <a:r>
-              <a:rPr lang="en-US" sz="1100" dirty="0" smtClean="0">
-                <a:latin typeface="Calibri (Body)"/>
-              </a:rPr>
-              <a:t> </a:t>
-            </a:r>
-            <a:r>
-              <a:rPr lang="en-US" sz="1100" dirty="0" err="1" smtClean="0">
+              <a:rPr lang="en-US" sz="1100" dirty="0">
+                <a:latin typeface="Calibri (Body)"/>
+              </a:rPr>
+              <a:t> </a:t>
+            </a:r>
+            <a:r>
+              <a:rPr lang="en-US" sz="1100" dirty="0" err="1">
                 <a:latin typeface="Calibri (Body)"/>
               </a:rPr>
               <a:t>giao</a:t>
             </a:r>
             <a:r>
-              <a:rPr lang="en-US" sz="1100" dirty="0" smtClean="0">
+              <a:rPr lang="en-US" sz="1100" dirty="0">
                 <a:latin typeface="Calibri (Body)"/>
               </a:rPr>
               <a:t>.</a:t>
@@ -4325,25 +4302,25 @@
               <a:buChar char="•"/>
             </a:pPr>
             <a:r>
-              <a:rPr lang="en-US" sz="1100" b="1" dirty="0" err="1" smtClean="0">
+              <a:rPr lang="en-US" sz="1100" b="1" dirty="0" err="1">
                 <a:latin typeface="Calibri (Body)"/>
               </a:rPr>
               <a:t>Dài</a:t>
             </a:r>
             <a:r>
-              <a:rPr lang="en-US" sz="1100" b="1" dirty="0" smtClean="0">
-                <a:latin typeface="Calibri (Body)"/>
-              </a:rPr>
-              <a:t> </a:t>
-            </a:r>
-            <a:r>
-              <a:rPr lang="en-US" sz="1100" b="1" dirty="0" err="1" smtClean="0">
+              <a:rPr lang="en-US" sz="1100" b="1" dirty="0">
+                <a:latin typeface="Calibri (Body)"/>
+              </a:rPr>
+              <a:t> </a:t>
+            </a:r>
+            <a:r>
+              <a:rPr lang="en-US" sz="1100" b="1" dirty="0" err="1">
                 <a:latin typeface="Calibri (Body)"/>
               </a:rPr>
               <a:t>hạn</a:t>
             </a:r>
             <a:r>
-              <a:rPr lang="en-US" sz="1100" b="1" dirty="0" smtClean="0">
+              <a:rPr lang="en-US" sz="1100" b="1" dirty="0">
                 <a:latin typeface="Calibri (Body)"/>
               </a:rPr>
               <a:t>: </a:t>
@@ -4352,70 +4329,64 @@
               <a:rPr lang="en-US" sz="1100" dirty="0" err="1">
                 <a:latin typeface="Calibri (Body)"/>
               </a:rPr>
-              <a:t>N</a:t>
-            </a:r>
-            <a:r>
-              <a:rPr lang="en-US" sz="1100" dirty="0" err="1" smtClean="0">
-                <a:latin typeface="Calibri (Body)"/>
-              </a:rPr>
-              <a:t>âng</a:t>
-            </a:r>
-            <a:r>
-              <a:rPr lang="en-US" sz="1100" dirty="0" smtClean="0">
-                <a:latin typeface="Calibri (Body)"/>
-              </a:rPr>
-              <a:t> </a:t>
-            </a:r>
-            <a:r>
-              <a:rPr lang="en-US" sz="1100" dirty="0" err="1" smtClean="0">
+              <a:t>Nâng</a:t>
+            </a:r>
+            <a:r>
+              <a:rPr lang="en-US" sz="1100" dirty="0">
+                <a:latin typeface="Calibri (Body)"/>
+              </a:rPr>
+              <a:t> </a:t>
+            </a:r>
+            <a:r>
+              <a:rPr lang="en-US" sz="1100" dirty="0" err="1">
                 <a:latin typeface="Calibri (Body)"/>
               </a:rPr>
               <a:t>cao</a:t>
             </a:r>
             <a:r>
-              <a:rPr lang="en-US" sz="1100" dirty="0" smtClean="0">
-                <a:latin typeface="Calibri (Body)"/>
-              </a:rPr>
-              <a:t> </a:t>
-            </a:r>
-            <a:r>
-              <a:rPr lang="en-US" sz="1100" dirty="0" err="1" smtClean="0">
+              <a:rPr lang="en-US" sz="1100" dirty="0">
+                <a:latin typeface="Calibri (Body)"/>
+              </a:rPr>
+              <a:t> </a:t>
+            </a:r>
+            <a:r>
+              <a:rPr lang="en-US" sz="1100" dirty="0" err="1">
                 <a:latin typeface="Calibri (Body)"/>
               </a:rPr>
               <a:t>kiến</a:t>
             </a:r>
             <a:r>
-              <a:rPr lang="en-US" sz="1100" dirty="0" smtClean="0">
-                <a:latin typeface="Calibri (Body)"/>
-              </a:rPr>
-              <a:t> </a:t>
-            </a:r>
-            <a:r>
-              <a:rPr lang="en-US" sz="1100" dirty="0" err="1" smtClean="0">
+              <a:rPr lang="en-US" sz="1100" dirty="0">
+                <a:latin typeface="Calibri (Body)"/>
+              </a:rPr>
+              <a:t> </a:t>
+            </a:r>
+            <a:r>
+              <a:rPr lang="en-US" sz="1100" dirty="0" err="1">
                 <a:latin typeface="Calibri (Body)"/>
               </a:rPr>
               <a:t>thức</a:t>
             </a:r>
             <a:r>
-              <a:rPr lang="en-US" sz="1100" dirty="0" smtClean="0">
-                <a:latin typeface="Calibri (Body)"/>
-              </a:rPr>
-              <a:t> </a:t>
-            </a:r>
-            <a:r>
-              <a:rPr lang="en-US" sz="1100" dirty="0" err="1" smtClean="0">
+              <a:rPr lang="en-US" sz="1100" dirty="0">
+                <a:latin typeface="Calibri (Body)"/>
+              </a:rPr>
+              <a:t> </a:t>
+            </a:r>
+            <a:r>
+              <a:rPr lang="en-US" sz="1100" dirty="0" err="1">
                 <a:latin typeface="Calibri (Body)"/>
               </a:rPr>
               <a:t>công</a:t>
             </a:r>
             <a:r>
-              <a:rPr lang="en-US" sz="1100" dirty="0" smtClean="0">
-                <a:latin typeface="Calibri (Body)"/>
-              </a:rPr>
-              <a:t> </a:t>
-            </a:r>
-            <a:r>
-              <a:rPr lang="en-US" sz="1100" dirty="0" err="1" smtClean="0">
+              <a:rPr lang="en-US" sz="1100" dirty="0">
+                <a:latin typeface="Calibri (Body)"/>
+              </a:rPr>
+              <a:t> </a:t>
+            </a:r>
+            <a:r>
+              <a:rPr lang="en-US" sz="1100" dirty="0" err="1">
                 <a:latin typeface="Calibri (Body)"/>
               </a:rPr>
               <a:t>việc</a:t>
@@ -4427,392 +4398,389 @@
               <a:t> </a:t>
             </a:r>
             <a:r>
-              <a:rPr lang="en-US" sz="1100" dirty="0" err="1" smtClean="0">
+              <a:rPr lang="en-US" sz="1100" dirty="0" err="1">
                 <a:latin typeface="Calibri (Body)"/>
               </a:rPr>
               <a:t>và</a:t>
             </a:r>
             <a:r>
-              <a:rPr lang="en-US" sz="1100" dirty="0" smtClean="0">
-                <a:latin typeface="Calibri (Body)"/>
-              </a:rPr>
-              <a:t> </a:t>
-            </a:r>
-            <a:r>
-              <a:rPr lang="en-US" sz="1100" dirty="0" err="1" smtClean="0">
+              <a:rPr lang="en-US" sz="1100" dirty="0">
+                <a:latin typeface="Calibri (Body)"/>
+              </a:rPr>
+              <a:t> </a:t>
+            </a:r>
+            <a:r>
+              <a:rPr lang="en-US" sz="1100" dirty="0" err="1">
                 <a:latin typeface="Calibri (Body)"/>
               </a:rPr>
               <a:t>hoàn</a:t>
             </a:r>
             <a:r>
-              <a:rPr lang="en-US" sz="1100" dirty="0" smtClean="0">
-                <a:latin typeface="Calibri (Body)"/>
-              </a:rPr>
-              <a:t> </a:t>
-            </a:r>
-            <a:r>
-              <a:rPr lang="en-US" sz="1100" dirty="0" err="1" smtClean="0">
+              <a:rPr lang="en-US" sz="1100" dirty="0">
+                <a:latin typeface="Calibri (Body)"/>
+              </a:rPr>
+              <a:t> </a:t>
+            </a:r>
+            <a:r>
+              <a:rPr lang="en-US" sz="1100" dirty="0" err="1">
                 <a:latin typeface="Calibri (Body)"/>
               </a:rPr>
               <a:t>thành</a:t>
             </a:r>
             <a:r>
-              <a:rPr lang="en-US" sz="1100" dirty="0" smtClean="0">
-                <a:latin typeface="Calibri (Body)"/>
-              </a:rPr>
-              <a:t> </a:t>
-            </a:r>
-            <a:r>
-              <a:rPr lang="en-US" sz="1100" dirty="0" err="1" smtClean="0">
+              <a:rPr lang="en-US" sz="1100" dirty="0">
+                <a:latin typeface="Calibri (Body)"/>
+              </a:rPr>
+              <a:t> </a:t>
+            </a:r>
+            <a:r>
+              <a:rPr lang="en-US" sz="1100" dirty="0" err="1">
                 <a:latin typeface="Calibri (Body)"/>
               </a:rPr>
               <a:t>suất</a:t>
             </a:r>
             <a:r>
-              <a:rPr lang="en-US" sz="1100" dirty="0" smtClean="0">
-                <a:latin typeface="Calibri (Body)"/>
-              </a:rPr>
-              <a:t> </a:t>
-            </a:r>
-            <a:r>
-              <a:rPr lang="en-US" sz="1100" dirty="0" err="1" smtClean="0">
+              <a:rPr lang="en-US" sz="1100" dirty="0">
+                <a:latin typeface="Calibri (Body)"/>
+              </a:rPr>
+              <a:t> </a:t>
+            </a:r>
+            <a:r>
+              <a:rPr lang="en-US" sz="1100" dirty="0" err="1">
                 <a:latin typeface="Calibri (Body)"/>
               </a:rPr>
               <a:t>sắc</a:t>
             </a:r>
             <a:r>
-              <a:rPr lang="en-US" sz="1100" dirty="0" smtClean="0">
-                <a:latin typeface="Calibri (Body)"/>
-              </a:rPr>
-              <a:t> </a:t>
-            </a:r>
-            <a:r>
-              <a:rPr lang="en-US" sz="1100" dirty="0" err="1" smtClean="0">
+              <a:rPr lang="en-US" sz="1100" dirty="0">
+                <a:latin typeface="Calibri (Body)"/>
+              </a:rPr>
+              <a:t> </a:t>
+            </a:r>
+            <a:r>
+              <a:rPr lang="en-US" sz="1100" dirty="0" err="1">
                 <a:latin typeface="Calibri (Body)"/>
               </a:rPr>
               <a:t>các</a:t>
             </a:r>
             <a:r>
-              <a:rPr lang="en-US" sz="1100" dirty="0" smtClean="0">
-                <a:latin typeface="Calibri (Body)"/>
-              </a:rPr>
-              <a:t> </a:t>
-            </a:r>
-            <a:r>
-              <a:rPr lang="en-US" sz="1100" dirty="0" err="1" smtClean="0">
+              <a:rPr lang="en-US" sz="1100" dirty="0">
+                <a:latin typeface="Calibri (Body)"/>
+              </a:rPr>
+              <a:t> </a:t>
+            </a:r>
+            <a:r>
+              <a:rPr lang="en-US" sz="1100" dirty="0" err="1">
                 <a:latin typeface="Calibri (Body)"/>
               </a:rPr>
               <a:t>công</a:t>
             </a:r>
             <a:r>
-              <a:rPr lang="en-US" sz="1100" dirty="0" smtClean="0">
-                <a:latin typeface="Calibri (Body)"/>
-              </a:rPr>
-              <a:t> </a:t>
-            </a:r>
-            <a:r>
-              <a:rPr lang="en-US" sz="1100" dirty="0" err="1" smtClean="0">
+              <a:rPr lang="en-US" sz="1100" dirty="0">
+                <a:latin typeface="Calibri (Body)"/>
+              </a:rPr>
+              <a:t> </a:t>
+            </a:r>
+            <a:r>
+              <a:rPr lang="en-US" sz="1100" dirty="0" err="1">
                 <a:latin typeface="Calibri (Body)"/>
               </a:rPr>
               <a:t>việc</a:t>
             </a:r>
             <a:r>
-              <a:rPr lang="en-US" sz="1100" dirty="0" smtClean="0">
-                <a:latin typeface="Calibri (Body)"/>
-              </a:rPr>
-              <a:t> </a:t>
-            </a:r>
-            <a:r>
-              <a:rPr lang="en-US" sz="1100" dirty="0" err="1" smtClean="0">
+              <a:rPr lang="en-US" sz="1100" dirty="0">
+                <a:latin typeface="Calibri (Body)"/>
+              </a:rPr>
+              <a:t> </a:t>
+            </a:r>
+            <a:r>
+              <a:rPr lang="en-US" sz="1100" dirty="0" err="1">
                 <a:latin typeface="Calibri (Body)"/>
               </a:rPr>
               <a:t>được</a:t>
             </a:r>
             <a:r>
-              <a:rPr lang="en-US" sz="1100" dirty="0" smtClean="0">
-                <a:latin typeface="Calibri (Body)"/>
-              </a:rPr>
-              <a:t> </a:t>
-            </a:r>
-            <a:r>
-              <a:rPr lang="en-US" sz="1100" dirty="0" err="1" smtClean="0">
+              <a:rPr lang="en-US" sz="1100" dirty="0">
+                <a:latin typeface="Calibri (Body)"/>
+              </a:rPr>
+              <a:t> </a:t>
+            </a:r>
+            <a:r>
+              <a:rPr lang="en-US" sz="1100" dirty="0" err="1">
                 <a:latin typeface="Calibri (Body)"/>
               </a:rPr>
               <a:t>giao</a:t>
             </a:r>
             <a:r>
-              <a:rPr lang="en-US" sz="1100" dirty="0" smtClean="0">
+              <a:rPr lang="en-US" sz="1100" dirty="0">
                 <a:latin typeface="Calibri (Body)"/>
               </a:rPr>
               <a:t>. </a:t>
             </a:r>
             <a:r>
-              <a:rPr lang="en-US" sz="1100" dirty="0" err="1" smtClean="0">
+              <a:rPr lang="en-US" sz="1100" dirty="0" err="1">
                 <a:latin typeface="Calibri (Body)"/>
               </a:rPr>
               <a:t>Gắn</a:t>
             </a:r>
             <a:r>
-              <a:rPr lang="en-US" sz="1100" dirty="0" smtClean="0">
-                <a:latin typeface="Calibri (Body)"/>
-              </a:rPr>
-              <a:t> </a:t>
-            </a:r>
-            <a:r>
-              <a:rPr lang="en-US" sz="1100" dirty="0" err="1" smtClean="0">
+              <a:rPr lang="en-US" sz="1100" dirty="0">
+                <a:latin typeface="Calibri (Body)"/>
+              </a:rPr>
+              <a:t> </a:t>
+            </a:r>
+            <a:r>
+              <a:rPr lang="en-US" sz="1100" dirty="0" err="1">
                 <a:latin typeface="Calibri (Body)"/>
               </a:rPr>
               <a:t>bó</a:t>
             </a:r>
             <a:r>
-              <a:rPr lang="en-US" sz="1100" dirty="0" smtClean="0">
+              <a:rPr lang="en-US" sz="1100" dirty="0">
                 <a:latin typeface="Calibri (Body)"/>
               </a:rPr>
               <a:t>, </a:t>
             </a:r>
             <a:r>
-              <a:rPr lang="en-US" sz="1100" dirty="0" err="1" smtClean="0">
+              <a:rPr lang="en-US" sz="1100" dirty="0" err="1">
                 <a:latin typeface="Calibri (Body)"/>
               </a:rPr>
               <a:t>phát</a:t>
             </a:r>
             <a:r>
-              <a:rPr lang="en-US" sz="1100" dirty="0" smtClean="0">
-                <a:latin typeface="Calibri (Body)"/>
-              </a:rPr>
-              <a:t> </a:t>
-            </a:r>
-            <a:r>
-              <a:rPr lang="en-US" sz="1100" dirty="0" err="1" smtClean="0">
+              <a:rPr lang="en-US" sz="1100" dirty="0">
+                <a:latin typeface="Calibri (Body)"/>
+              </a:rPr>
+              <a:t> </a:t>
+            </a:r>
+            <a:r>
+              <a:rPr lang="en-US" sz="1100" dirty="0" err="1">
                 <a:latin typeface="Calibri (Body)"/>
               </a:rPr>
               <a:t>huy</a:t>
             </a:r>
             <a:r>
-              <a:rPr lang="en-US" sz="1100" dirty="0" smtClean="0">
-                <a:latin typeface="Calibri (Body)"/>
-              </a:rPr>
-              <a:t> </a:t>
-            </a:r>
-            <a:r>
-              <a:rPr lang="en-US" sz="1100" dirty="0" err="1" smtClean="0">
+              <a:rPr lang="en-US" sz="1100" dirty="0">
+                <a:latin typeface="Calibri (Body)"/>
+              </a:rPr>
+              <a:t> </a:t>
+            </a:r>
+            <a:r>
+              <a:rPr lang="en-US" sz="1100" dirty="0" err="1">
                 <a:latin typeface="Calibri (Body)"/>
               </a:rPr>
               <a:t>tối</a:t>
             </a:r>
             <a:r>
-              <a:rPr lang="en-US" sz="1100" dirty="0" smtClean="0">
-                <a:latin typeface="Calibri (Body)"/>
-              </a:rPr>
-              <a:t> </a:t>
-            </a:r>
-            <a:r>
-              <a:rPr lang="en-US" sz="1100" dirty="0" err="1" smtClean="0">
+              <a:rPr lang="en-US" sz="1100" dirty="0">
+                <a:latin typeface="Calibri (Body)"/>
+              </a:rPr>
+              <a:t> </a:t>
+            </a:r>
+            <a:r>
+              <a:rPr lang="en-US" sz="1100" dirty="0" err="1">
                 <a:latin typeface="Calibri (Body)"/>
               </a:rPr>
               <a:t>đa</a:t>
             </a:r>
             <a:r>
-              <a:rPr lang="en-US" sz="1100" dirty="0" smtClean="0">
-                <a:latin typeface="Calibri (Body)"/>
-              </a:rPr>
-              <a:t> </a:t>
-            </a:r>
-            <a:r>
-              <a:rPr lang="en-US" sz="1100" dirty="0" err="1" smtClean="0">
+              <a:rPr lang="en-US" sz="1100" dirty="0">
+                <a:latin typeface="Calibri (Body)"/>
+              </a:rPr>
+              <a:t> </a:t>
+            </a:r>
+            <a:r>
+              <a:rPr lang="en-US" sz="1100" dirty="0" err="1">
                 <a:latin typeface="Calibri (Body)"/>
               </a:rPr>
               <a:t>năng</a:t>
             </a:r>
             <a:r>
-              <a:rPr lang="en-US" sz="1100" dirty="0" smtClean="0">
-                <a:latin typeface="Calibri (Body)"/>
-              </a:rPr>
-              <a:t> </a:t>
-            </a:r>
-            <a:r>
-              <a:rPr lang="en-US" sz="1100" dirty="0" err="1" smtClean="0">
+              <a:rPr lang="en-US" sz="1100" dirty="0">
+                <a:latin typeface="Calibri (Body)"/>
+              </a:rPr>
+              <a:t> </a:t>
+            </a:r>
+            <a:r>
+              <a:rPr lang="en-US" sz="1100" dirty="0" err="1">
                 <a:latin typeface="Calibri (Body)"/>
               </a:rPr>
               <a:t>lực</a:t>
             </a:r>
             <a:r>
-              <a:rPr lang="en-US" sz="1100" dirty="0" smtClean="0">
-                <a:latin typeface="Calibri (Body)"/>
-              </a:rPr>
-              <a:t> </a:t>
-            </a:r>
-            <a:r>
-              <a:rPr lang="en-US" sz="1100" dirty="0" err="1" smtClean="0">
+              <a:rPr lang="en-US" sz="1100" dirty="0">
+                <a:latin typeface="Calibri (Body)"/>
+              </a:rPr>
+              <a:t> </a:t>
+            </a:r>
+            <a:r>
+              <a:rPr lang="en-US" sz="1100" dirty="0" err="1">
                 <a:latin typeface="Calibri (Body)"/>
               </a:rPr>
               <a:t>để</a:t>
             </a:r>
             <a:r>
-              <a:rPr lang="en-US" sz="1100" dirty="0" smtClean="0">
-                <a:latin typeface="Calibri (Body)"/>
-              </a:rPr>
-              <a:t> </a:t>
-            </a:r>
-            <a:r>
-              <a:rPr lang="en-US" sz="1100" dirty="0" err="1" smtClean="0">
+              <a:rPr lang="en-US" sz="1100" dirty="0">
+                <a:latin typeface="Calibri (Body)"/>
+              </a:rPr>
+              <a:t> </a:t>
+            </a:r>
+            <a:r>
+              <a:rPr lang="en-US" sz="1100" dirty="0" err="1">
                 <a:latin typeface="Calibri (Body)"/>
               </a:rPr>
               <a:t>phát</a:t>
             </a:r>
             <a:r>
-              <a:rPr lang="en-US" sz="1100" dirty="0" smtClean="0">
-                <a:latin typeface="Calibri (Body)"/>
-              </a:rPr>
-              <a:t> </a:t>
-            </a:r>
-            <a:r>
-              <a:rPr lang="en-US" sz="1100" dirty="0" err="1" smtClean="0">
+              <a:rPr lang="en-US" sz="1100" dirty="0">
+                <a:latin typeface="Calibri (Body)"/>
+              </a:rPr>
+              <a:t> </a:t>
+            </a:r>
+            <a:r>
+              <a:rPr lang="en-US" sz="1100" dirty="0" err="1">
                 <a:latin typeface="Calibri (Body)"/>
               </a:rPr>
               <a:t>triển</a:t>
             </a:r>
             <a:r>
-              <a:rPr lang="en-US" sz="1100" dirty="0" smtClean="0">
-                <a:latin typeface="Calibri (Body)"/>
-              </a:rPr>
-              <a:t> </a:t>
-            </a:r>
-            <a:r>
-              <a:rPr lang="en-US" sz="1100" dirty="0" err="1" smtClean="0">
+              <a:rPr lang="en-US" sz="1100" dirty="0">
+                <a:latin typeface="Calibri (Body)"/>
+              </a:rPr>
+              <a:t> </a:t>
+            </a:r>
+            <a:r>
+              <a:rPr lang="en-US" sz="1100" dirty="0" err="1">
                 <a:latin typeface="Calibri (Body)"/>
               </a:rPr>
               <a:t>cùng</a:t>
             </a:r>
             <a:r>
-              <a:rPr lang="en-US" sz="1100" dirty="0" smtClean="0">
-                <a:latin typeface="Calibri (Body)"/>
-              </a:rPr>
-              <a:t> </a:t>
-            </a:r>
-            <a:r>
-              <a:rPr lang="en-US" sz="1100" dirty="0" err="1" smtClean="0">
+              <a:rPr lang="en-US" sz="1100" dirty="0">
+                <a:latin typeface="Calibri (Body)"/>
+              </a:rPr>
+              <a:t> </a:t>
+            </a:r>
+            <a:r>
+              <a:rPr lang="en-US" sz="1100" dirty="0" err="1">
                 <a:latin typeface="Calibri (Body)"/>
               </a:rPr>
               <a:t>công</a:t>
             </a:r>
             <a:r>
-              <a:rPr lang="en-US" sz="1100" dirty="0" smtClean="0">
+              <a:rPr lang="en-US" sz="1100" dirty="0">
                 <a:latin typeface="Calibri (Body)"/>
               </a:rPr>
               <a:t> ty. Sau 5 </a:t>
             </a:r>
             <a:r>
-              <a:rPr lang="en-US" sz="1100" dirty="0" err="1" smtClean="0">
+              <a:rPr lang="en-US" sz="1100" dirty="0" err="1">
                 <a:latin typeface="Calibri (Body)"/>
               </a:rPr>
               <a:t>năm</a:t>
             </a:r>
             <a:r>
-              <a:rPr lang="en-US" sz="1100" dirty="0" smtClean="0">
-                <a:latin typeface="Calibri (Body)"/>
-              </a:rPr>
-              <a:t> </a:t>
-            </a:r>
-            <a:r>
-              <a:rPr lang="en-US" sz="1100" dirty="0" err="1" smtClean="0">
+              <a:rPr lang="en-US" sz="1100" dirty="0">
+                <a:latin typeface="Calibri (Body)"/>
+              </a:rPr>
+              <a:t> </a:t>
+            </a:r>
+            <a:r>
+              <a:rPr lang="en-US" sz="1100" dirty="0" err="1">
                 <a:latin typeface="Calibri (Body)"/>
               </a:rPr>
               <a:t>trở</a:t>
             </a:r>
             <a:r>
-              <a:rPr lang="en-US" sz="1100" dirty="0" smtClean="0">
-                <a:latin typeface="Calibri (Body)"/>
-              </a:rPr>
-              <a:t> </a:t>
-            </a:r>
-            <a:r>
-              <a:rPr lang="en-US" sz="1100" dirty="0" err="1" smtClean="0">
+              <a:rPr lang="en-US" sz="1100" dirty="0">
+                <a:latin typeface="Calibri (Body)"/>
+              </a:rPr>
+              <a:t> </a:t>
+            </a:r>
+            <a:r>
+              <a:rPr lang="en-US" sz="1100" dirty="0" err="1">
                 <a:latin typeface="Calibri (Body)"/>
               </a:rPr>
               <a:t>thành</a:t>
             </a:r>
             <a:r>
-              <a:rPr lang="en-US" sz="1100" dirty="0" smtClean="0">
-                <a:latin typeface="Calibri (Body)"/>
-              </a:rPr>
-              <a:t> </a:t>
-            </a:r>
-            <a:r>
-              <a:rPr lang="en-US" sz="1100" dirty="0" err="1" smtClean="0">
+              <a:rPr lang="en-US" sz="1100" dirty="0">
+                <a:latin typeface="Calibri (Body)"/>
+              </a:rPr>
+              <a:t> </a:t>
+            </a:r>
+            <a:r>
+              <a:rPr lang="en-US" sz="1100" dirty="0" err="1">
                 <a:latin typeface="Calibri (Body)"/>
               </a:rPr>
               <a:t>một</a:t>
             </a:r>
             <a:r>
-              <a:rPr lang="en-US" sz="1100" dirty="0" smtClean="0">
-                <a:latin typeface="Calibri (Body)"/>
-              </a:rPr>
-              <a:t> </a:t>
-            </a:r>
-            <a:r>
-              <a:rPr lang="en-US" sz="1100" dirty="0" err="1" smtClean="0">
+              <a:rPr lang="en-US" sz="1100" dirty="0">
+                <a:latin typeface="Calibri (Body)"/>
+              </a:rPr>
+              <a:t> </a:t>
+            </a:r>
+            <a:r>
+              <a:rPr lang="en-US" sz="1100" dirty="0" err="1">
                 <a:latin typeface="Calibri (Body)"/>
               </a:rPr>
               <a:t>lập</a:t>
             </a:r>
             <a:r>
-              <a:rPr lang="en-US" sz="1100" dirty="0" smtClean="0">
-                <a:latin typeface="Calibri (Body)"/>
-              </a:rPr>
-              <a:t> </a:t>
-            </a:r>
-            <a:r>
-              <a:rPr lang="en-US" sz="1100" dirty="0" err="1" smtClean="0">
+              <a:rPr lang="en-US" sz="1100" dirty="0">
+                <a:latin typeface="Calibri (Body)"/>
+              </a:rPr>
+              <a:t> </a:t>
+            </a:r>
+            <a:r>
+              <a:rPr lang="en-US" sz="1100" dirty="0" err="1">
                 <a:latin typeface="Calibri (Body)"/>
               </a:rPr>
               <a:t>trình</a:t>
             </a:r>
             <a:r>
-              <a:rPr lang="en-US" sz="1100" dirty="0" smtClean="0">
-                <a:latin typeface="Calibri (Body)"/>
-              </a:rPr>
-              <a:t> </a:t>
-            </a:r>
-            <a:r>
-              <a:rPr lang="en-US" sz="1100" dirty="0" err="1" smtClean="0">
+              <a:rPr lang="en-US" sz="1100" dirty="0">
+                <a:latin typeface="Calibri (Body)"/>
+              </a:rPr>
+              <a:t> </a:t>
+            </a:r>
+            <a:r>
+              <a:rPr lang="en-US" sz="1100" dirty="0" err="1">
                 <a:latin typeface="Calibri (Body)"/>
               </a:rPr>
               <a:t>viên</a:t>
             </a:r>
             <a:r>
-              <a:rPr lang="en-US" sz="1100" dirty="0" smtClean="0">
-                <a:latin typeface="Calibri (Body)"/>
-              </a:rPr>
-              <a:t> </a:t>
-            </a:r>
-            <a:r>
-              <a:rPr lang="en-US" sz="1100" dirty="0" err="1" smtClean="0">
+              <a:rPr lang="en-US" sz="1100" dirty="0">
+                <a:latin typeface="Calibri (Body)"/>
+              </a:rPr>
+              <a:t> </a:t>
+            </a:r>
+            <a:r>
+              <a:rPr lang="en-US" sz="1100" dirty="0" err="1">
                 <a:latin typeface="Calibri (Body)"/>
               </a:rPr>
               <a:t>chuyên</a:t>
             </a:r>
             <a:r>
-              <a:rPr lang="en-US" sz="1100" dirty="0" smtClean="0">
-                <a:latin typeface="Calibri (Body)"/>
-              </a:rPr>
-              <a:t> </a:t>
-            </a:r>
-            <a:r>
-              <a:rPr lang="en-US" sz="1100" dirty="0" err="1" smtClean="0">
+              <a:rPr lang="en-US" sz="1100" dirty="0">
+                <a:latin typeface="Calibri (Body)"/>
+              </a:rPr>
+              <a:t> </a:t>
+            </a:r>
+            <a:r>
+              <a:rPr lang="en-US" sz="1100" dirty="0" err="1">
                 <a:latin typeface="Calibri (Body)"/>
               </a:rPr>
               <a:t>nghiệp</a:t>
             </a:r>
             <a:r>
-              <a:rPr lang="en-US" sz="1100" dirty="0" smtClean="0">
+              <a:rPr lang="en-US" sz="1100" dirty="0">
                 <a:latin typeface="Calibri (Body)"/>
               </a:rPr>
               <a:t>. </a:t>
             </a:r>
-            <a:endParaRPr lang="en-US" sz="1100" dirty="0">
-              <a:latin typeface="Calibri (Body)"/>
-            </a:endParaRPr>
           </a:p>
         </p:txBody>
       </p:sp>
@@ -4839,18 +4807,13 @@
           <a:lstStyle/>
           <a:p>
             <a:r>
-              <a:rPr lang="en-US" sz="1400" b="1" dirty="0" smtClean="0">
+              <a:rPr lang="en-US" sz="1400" b="1" dirty="0">
                 <a:solidFill>
                   <a:srgbClr val="00B0F0"/>
                 </a:solidFill>
               </a:rPr>
               <a:t>TRÌNH ĐỘ HỌC VẤN</a:t>
             </a:r>
-            <a:endParaRPr lang="en-US" sz="1400" b="1" dirty="0">
-              <a:solidFill>
-                <a:srgbClr val="00B0F0"/>
-              </a:solidFill>
-            </a:endParaRPr>
           </a:p>
         </p:txBody>
       </p:sp>
@@ -4862,8 +4825,8 @@
         </p:nvSpPr>
         <p:spPr>
           <a:xfrm>
-            <a:off x="629416" y="4540732"/>
-            <a:ext cx="4323584" cy="638636"/>
+            <a:off x="634947" y="4552935"/>
+            <a:ext cx="4323584" cy="677108"/>
           </a:xfrm>
           <a:prstGeom prst="rect">
             <a:avLst/>
@@ -4878,7 +4841,7 @@
           <a:p>
             <a:pPr algn="just"/>
             <a:r>
-              <a:rPr lang="en-US" sz="1100" b="1" dirty="0" smtClean="0">
+              <a:rPr lang="en-US" sz="1100" b="1" dirty="0">
                 <a:latin typeface="Calibri (Body)"/>
               </a:rPr>
               <a:t>CAO ĐẲNG THỰC HÀNH FPT POLYTECHNIC</a:t>
@@ -4891,146 +4854,165 @@
               </a:spcBef>
             </a:pPr>
             <a:r>
-              <a:rPr lang="en-US" sz="1100" b="1" dirty="0" err="1" smtClean="0">
+              <a:rPr lang="en-US" sz="1100" b="1" dirty="0" err="1">
                 <a:latin typeface="Calibri (Body)"/>
               </a:rPr>
               <a:t>Chuyên</a:t>
             </a:r>
             <a:r>
-              <a:rPr lang="en-US" sz="1100" b="1" dirty="0" smtClean="0">
-                <a:latin typeface="Calibri (Body)"/>
-              </a:rPr>
-              <a:t> </a:t>
-            </a:r>
-            <a:r>
-              <a:rPr lang="en-US" sz="1100" b="1" dirty="0" err="1" smtClean="0">
+              <a:rPr lang="en-US" sz="1100" b="1" dirty="0">
+                <a:latin typeface="Calibri (Body)"/>
+              </a:rPr>
+              <a:t> </a:t>
+            </a:r>
+            <a:r>
+              <a:rPr lang="en-US" sz="1100" b="1" dirty="0" err="1">
                 <a:latin typeface="Calibri (Body)"/>
               </a:rPr>
               <a:t>ngành</a:t>
             </a:r>
             <a:r>
-              <a:rPr lang="en-US" sz="1100" dirty="0" smtClean="0">
+              <a:rPr lang="en-US" sz="1100" dirty="0">
                 <a:latin typeface="Calibri (Body)"/>
               </a:rPr>
               <a:t>: </a:t>
             </a:r>
             <a:r>
-              <a:rPr lang="en-US" sz="1100" dirty="0" err="1" smtClean="0">
+              <a:rPr lang="en-US" sz="1100" dirty="0" err="1">
                 <a:latin typeface="Calibri (Body)"/>
               </a:rPr>
               <a:t>Lập</a:t>
             </a:r>
             <a:r>
-              <a:rPr lang="en-US" sz="1100" dirty="0" smtClean="0">
-                <a:latin typeface="Calibri (Body)"/>
-              </a:rPr>
-              <a:t> </a:t>
-            </a:r>
-            <a:r>
-              <a:rPr lang="en-US" sz="1100" dirty="0" err="1" smtClean="0">
+              <a:rPr lang="en-US" sz="1100" dirty="0">
+                <a:latin typeface="Calibri (Body)"/>
+              </a:rPr>
+              <a:t> </a:t>
+            </a:r>
+            <a:r>
+              <a:rPr lang="en-US" sz="1100" dirty="0" err="1">
                 <a:latin typeface="Calibri (Body)"/>
               </a:rPr>
               <a:t>trình</a:t>
             </a:r>
             <a:r>
-              <a:rPr lang="en-US" sz="1100" dirty="0" smtClean="0">
-                <a:latin typeface="Calibri (Body)"/>
-              </a:rPr>
-              <a:t> </a:t>
-            </a:r>
-            <a:r>
-              <a:rPr lang="en-US" sz="1100" dirty="0" err="1" smtClean="0">
+              <a:rPr lang="en-US" sz="1100" dirty="0">
+                <a:latin typeface="Calibri (Body)"/>
+              </a:rPr>
+              <a:t> </a:t>
+            </a:r>
+            <a:r>
+              <a:rPr lang="en-US" sz="1100" dirty="0" err="1">
                 <a:latin typeface="Calibri (Body)"/>
               </a:rPr>
               <a:t>máy</a:t>
             </a:r>
             <a:r>
-              <a:rPr lang="en-US" sz="1100" dirty="0" smtClean="0">
-                <a:latin typeface="Calibri (Body)"/>
-              </a:rPr>
-              <a:t> </a:t>
-            </a:r>
-            <a:r>
-              <a:rPr lang="en-US" sz="1100" dirty="0" err="1" smtClean="0">
+              <a:rPr lang="en-US" sz="1100" dirty="0">
+                <a:latin typeface="Calibri (Body)"/>
+              </a:rPr>
+              <a:t> </a:t>
+            </a:r>
+            <a:r>
+              <a:rPr lang="en-US" sz="1100" dirty="0" err="1">
                 <a:latin typeface="Calibri (Body)"/>
               </a:rPr>
               <a:t>tính</a:t>
             </a:r>
             <a:r>
-              <a:rPr lang="en-US" sz="1100" dirty="0" smtClean="0">
+              <a:rPr lang="en-US" sz="1100" dirty="0">
                 <a:latin typeface="Calibri (Body)"/>
               </a:rPr>
               <a:t> – </a:t>
             </a:r>
             <a:r>
-              <a:rPr lang="en-US" sz="1100" dirty="0" err="1" smtClean="0">
+              <a:rPr lang="en-US" sz="1100" dirty="0" err="1">
                 <a:latin typeface="Calibri (Body)"/>
               </a:rPr>
               <a:t>Thiết</a:t>
             </a:r>
             <a:r>
-              <a:rPr lang="en-US" sz="1100" dirty="0" smtClean="0">
-                <a:latin typeface="Calibri (Body)"/>
-              </a:rPr>
-              <a:t> </a:t>
-            </a:r>
-            <a:r>
-              <a:rPr lang="en-US" sz="1100" dirty="0" err="1" smtClean="0">
+              <a:rPr lang="en-US" sz="1100" dirty="0">
+                <a:latin typeface="Calibri (Body)"/>
+              </a:rPr>
+              <a:t> </a:t>
+            </a:r>
+            <a:r>
+              <a:rPr lang="en-US" sz="1100" dirty="0" err="1">
                 <a:latin typeface="Calibri (Body)"/>
               </a:rPr>
               <a:t>bị</a:t>
             </a:r>
             <a:r>
-              <a:rPr lang="en-US" sz="1100" dirty="0" smtClean="0">
+              <a:rPr lang="en-US" sz="1100" dirty="0">
                 <a:latin typeface="Calibri (Body)"/>
               </a:rPr>
               <a:t> di </a:t>
             </a:r>
             <a:r>
-              <a:rPr lang="en-US" sz="1100" dirty="0" err="1" smtClean="0">
+              <a:rPr lang="en-US" sz="1100" dirty="0" err="1">
                 <a:latin typeface="Calibri (Body)"/>
               </a:rPr>
               <a:t>động</a:t>
             </a:r>
             <a:r>
-              <a:rPr lang="en-US" sz="1100" dirty="0" smtClean="0">
+              <a:rPr lang="en-US" sz="1100" dirty="0">
                 <a:latin typeface="Calibri (Body)"/>
               </a:rPr>
               <a:t>.</a:t>
             </a:r>
           </a:p>
           <a:p>
-            <a:pPr algn="just"/>
-            <a:r>
-              <a:rPr lang="en-US" sz="1100" b="1" dirty="0" err="1" smtClean="0">
-                <a:latin typeface="Calibri (Body)"/>
-              </a:rPr>
-              <a:t>Học</a:t>
-            </a:r>
-            <a:r>
-              <a:rPr lang="en-US" sz="1100" b="1" dirty="0" smtClean="0">
-                <a:latin typeface="Calibri (Body)"/>
-              </a:rPr>
-              <a:t> </a:t>
-            </a:r>
-            <a:r>
-              <a:rPr lang="en-US" sz="1100" b="1" dirty="0" err="1" smtClean="0">
-                <a:latin typeface="Calibri (Body)"/>
-              </a:rPr>
-              <a:t>kỳ</a:t>
-            </a:r>
-            <a:r>
-              <a:rPr lang="en-US" sz="1100" b="1" dirty="0" smtClean="0">
+            <a:pPr algn="just">
+              <a:spcBef>
+                <a:spcPts val="300"/>
+              </a:spcBef>
+            </a:pPr>
+            <a:r>
+              <a:rPr lang="en-US" sz="1100" b="1" dirty="0" err="1">
+                <a:latin typeface="Calibri (Body)"/>
+              </a:rPr>
+              <a:t>Tốt</a:t>
+            </a:r>
+            <a:r>
+              <a:rPr lang="en-US" sz="1100" b="1" dirty="0">
+                <a:latin typeface="Calibri (Body)"/>
+              </a:rPr>
+              <a:t> </a:t>
+            </a:r>
+            <a:r>
+              <a:rPr lang="en-US" sz="1100" b="1" dirty="0" err="1">
+                <a:latin typeface="Calibri (Body)"/>
+              </a:rPr>
+              <a:t>nghiệp</a:t>
+            </a:r>
+            <a:r>
+              <a:rPr lang="en-US" sz="1100" b="1" dirty="0">
+                <a:latin typeface="Calibri (Body)"/>
+              </a:rPr>
+              <a:t> </a:t>
+            </a:r>
+            <a:r>
+              <a:rPr lang="en-US" sz="1100" b="1" dirty="0" err="1">
+                <a:latin typeface="Calibri (Body)"/>
+              </a:rPr>
+              <a:t>loại</a:t>
+            </a:r>
+            <a:r>
+              <a:rPr lang="en-US" sz="1100" dirty="0">
                 <a:latin typeface="Calibri (Body)"/>
               </a:rPr>
               <a:t>: </a:t>
             </a:r>
             <a:r>
-              <a:rPr lang="en-US" sz="1100" dirty="0" smtClean="0">
-                <a:latin typeface="Calibri (Body)"/>
-              </a:rPr>
-              <a:t>7/7</a:t>
-            </a:r>
+              <a:rPr lang="en-US" sz="1100" dirty="0" err="1">
+                <a:latin typeface="Calibri (Body)"/>
+              </a:rPr>
+              <a:t>Khá</a:t>
+            </a:r>
+            <a:endParaRPr lang="en-US" sz="1100" dirty="0">
+              <a:latin typeface="Calibri (Body)"/>
+            </a:endParaRPr>
           </a:p>
         </p:txBody>
       </p:sp>
@@ -5043,7 +5025,7 @@
         <p:spPr>
           <a:xfrm>
             <a:off x="5237348" y="4495800"/>
-            <a:ext cx="1133473" cy="300082"/>
+            <a:ext cx="1133473" cy="278602"/>
           </a:xfrm>
           <a:prstGeom prst="rect">
             <a:avLst/>
@@ -5062,26 +5044,13 @@
               </a:lnSpc>
             </a:pPr>
             <a:r>
-              <a:rPr lang="en-US" sz="900" dirty="0" smtClean="0">
+              <a:rPr lang="en-US" sz="900" dirty="0">
                 <a:solidFill>
                   <a:srgbClr val="00B0F0"/>
                 </a:solidFill>
               </a:rPr>
-              <a:t>11/2018 – </a:t>
-            </a:r>
-            <a:r>
-              <a:rPr lang="vi-VN" sz="900" dirty="0" smtClean="0">
-                <a:solidFill>
-                  <a:srgbClr val="00B0F0"/>
-                </a:solidFill>
-              </a:rPr>
-              <a:t>4/2021</a:t>
-            </a:r>
-            <a:endParaRPr lang="en-US" sz="900" dirty="0">
-              <a:solidFill>
-                <a:srgbClr val="00B0F0"/>
-              </a:solidFill>
-            </a:endParaRPr>
+              <a:t>11/2018 – 04/2021</a:t>
+            </a:r>
           </a:p>
         </p:txBody>
       </p:sp>
@@ -5168,18 +5137,13 @@
           <a:lstStyle/>
           <a:p>
             <a:r>
-              <a:rPr lang="en-US" sz="1400" b="1" dirty="0" smtClean="0">
+              <a:rPr lang="en-US" sz="1400" b="1" dirty="0">
                 <a:solidFill>
                   <a:srgbClr val="00B0F0"/>
                 </a:solidFill>
               </a:rPr>
               <a:t>KINH NGHIỆM LÀM VIỆC</a:t>
             </a:r>
-            <a:endParaRPr lang="en-US" sz="1400" b="1" dirty="0">
-              <a:solidFill>
-                <a:srgbClr val="00B0F0"/>
-              </a:solidFill>
-            </a:endParaRPr>
           </a:p>
         </p:txBody>
       </p:sp>
@@ -5278,7 +5242,7 @@
           <a:p>
             <a:pPr algn="just"/>
             <a:r>
-              <a:rPr lang="en-US" sz="1100" b="1" dirty="0" smtClean="0">
+              <a:rPr lang="en-US" sz="1100" b="1" dirty="0">
                 <a:latin typeface="Calibri (Body)"/>
               </a:rPr>
               <a:t>DỰ ÁN TỐT NGHIỆP</a:t>
@@ -5293,55 +5257,55 @@
               <a:buChar char="•"/>
             </a:pPr>
             <a:r>
-              <a:rPr lang="en-US" sz="1100" b="1" dirty="0" err="1" smtClean="0">
+              <a:rPr lang="en-US" sz="1100" b="1" dirty="0" err="1">
                 <a:latin typeface="Calibri (Body)"/>
               </a:rPr>
               <a:t>Xây</a:t>
             </a:r>
             <a:r>
-              <a:rPr lang="en-US" sz="1100" b="1" dirty="0" smtClean="0">
-                <a:latin typeface="Calibri (Body)"/>
-              </a:rPr>
-              <a:t> </a:t>
-            </a:r>
-            <a:r>
-              <a:rPr lang="en-US" sz="1100" b="1" dirty="0" err="1" smtClean="0">
+              <a:rPr lang="en-US" sz="1100" b="1" dirty="0">
+                <a:latin typeface="Calibri (Body)"/>
+              </a:rPr>
+              <a:t> </a:t>
+            </a:r>
+            <a:r>
+              <a:rPr lang="en-US" sz="1100" b="1" dirty="0" err="1">
                 <a:latin typeface="Calibri (Body)"/>
               </a:rPr>
               <a:t>dựng</a:t>
             </a:r>
             <a:r>
-              <a:rPr lang="en-US" sz="1100" b="1" dirty="0" smtClean="0">
-                <a:latin typeface="Calibri (Body)"/>
-              </a:rPr>
-              <a:t> </a:t>
-            </a:r>
-            <a:r>
-              <a:rPr lang="en-US" sz="1100" b="1" dirty="0" err="1" smtClean="0">
+              <a:rPr lang="en-US" sz="1100" b="1" dirty="0">
+                <a:latin typeface="Calibri (Body)"/>
+              </a:rPr>
+              <a:t> </a:t>
+            </a:r>
+            <a:r>
+              <a:rPr lang="en-US" sz="1100" b="1" dirty="0" err="1">
                 <a:latin typeface="Calibri (Body)"/>
               </a:rPr>
               <a:t>ứng</a:t>
             </a:r>
             <a:r>
-              <a:rPr lang="en-US" sz="1100" b="1" dirty="0" smtClean="0">
-                <a:latin typeface="Calibri (Body)"/>
-              </a:rPr>
-              <a:t> </a:t>
-            </a:r>
-            <a:r>
-              <a:rPr lang="en-US" sz="1100" b="1" dirty="0" err="1" smtClean="0">
+              <a:rPr lang="en-US" sz="1100" b="1" dirty="0">
+                <a:latin typeface="Calibri (Body)"/>
+              </a:rPr>
+              <a:t> </a:t>
+            </a:r>
+            <a:r>
+              <a:rPr lang="en-US" sz="1100" b="1" dirty="0" err="1">
                 <a:latin typeface="Calibri (Body)"/>
               </a:rPr>
               <a:t>dụng</a:t>
             </a:r>
             <a:r>
-              <a:rPr lang="en-US" sz="1100" b="1" dirty="0" smtClean="0">
+              <a:rPr lang="en-US" sz="1100" b="1" dirty="0">
                 <a:latin typeface="Calibri (Body)"/>
               </a:rPr>
               <a:t>: </a:t>
             </a:r>
             <a:r>
-              <a:rPr lang="en-US" sz="1100" dirty="0" err="1" smtClean="0">
+              <a:rPr lang="en-US" sz="1100" dirty="0" err="1">
                 <a:latin typeface="Calibri (Body)"/>
               </a:rPr>
               <a:t>Iwash</a:t>
@@ -5350,81 +5314,75 @@
               <a:rPr lang="en-US" sz="1100" dirty="0">
                 <a:latin typeface="Calibri (Body)"/>
               </a:rPr>
-              <a:t> </a:t>
-            </a:r>
-            <a:r>
-              <a:rPr lang="en-US" sz="1100" dirty="0" smtClean="0">
-                <a:latin typeface="Calibri (Body)"/>
-              </a:rPr>
-              <a:t>– </a:t>
-            </a:r>
-            <a:r>
-              <a:rPr lang="en-US" sz="1100" dirty="0" err="1" smtClean="0">
+              <a:t> – </a:t>
+            </a:r>
+            <a:r>
+              <a:rPr lang="en-US" sz="1100" dirty="0" err="1">
                 <a:latin typeface="Calibri (Body)"/>
               </a:rPr>
               <a:t>Ứng</a:t>
             </a:r>
             <a:r>
-              <a:rPr lang="en-US" sz="1100" dirty="0" smtClean="0">
-                <a:latin typeface="Calibri (Body)"/>
-              </a:rPr>
-              <a:t> </a:t>
-            </a:r>
-            <a:r>
-              <a:rPr lang="en-US" sz="1100" dirty="0" err="1" smtClean="0">
+              <a:rPr lang="en-US" sz="1100" dirty="0">
+                <a:latin typeface="Calibri (Body)"/>
+              </a:rPr>
+              <a:t> </a:t>
+            </a:r>
+            <a:r>
+              <a:rPr lang="en-US" sz="1100" dirty="0" err="1">
                 <a:latin typeface="Calibri (Body)"/>
               </a:rPr>
               <a:t>dụng</a:t>
             </a:r>
             <a:r>
-              <a:rPr lang="en-US" sz="1100" dirty="0" smtClean="0">
-                <a:latin typeface="Calibri (Body)"/>
-              </a:rPr>
-              <a:t> </a:t>
-            </a:r>
-            <a:r>
-              <a:rPr lang="en-US" sz="1100" dirty="0" err="1" smtClean="0">
+              <a:rPr lang="en-US" sz="1100" dirty="0">
+                <a:latin typeface="Calibri (Body)"/>
+              </a:rPr>
+              <a:t> </a:t>
+            </a:r>
+            <a:r>
+              <a:rPr lang="en-US" sz="1100" dirty="0" err="1">
                 <a:latin typeface="Calibri (Body)"/>
               </a:rPr>
               <a:t>đặt</a:t>
             </a:r>
             <a:r>
-              <a:rPr lang="en-US" sz="1100" dirty="0" smtClean="0">
-                <a:latin typeface="Calibri (Body)"/>
-              </a:rPr>
-              <a:t> </a:t>
-            </a:r>
-            <a:r>
-              <a:rPr lang="en-US" sz="1100" dirty="0" err="1" smtClean="0">
+              <a:rPr lang="en-US" sz="1100" dirty="0">
+                <a:latin typeface="Calibri (Body)"/>
+              </a:rPr>
+              <a:t> </a:t>
+            </a:r>
+            <a:r>
+              <a:rPr lang="en-US" sz="1100" dirty="0" err="1">
                 <a:latin typeface="Calibri (Body)"/>
               </a:rPr>
               <a:t>lịch</a:t>
             </a:r>
             <a:r>
-              <a:rPr lang="en-US" sz="1100" dirty="0" smtClean="0">
-                <a:latin typeface="Calibri (Body)"/>
-              </a:rPr>
-              <a:t> </a:t>
-            </a:r>
-            <a:r>
-              <a:rPr lang="en-US" sz="1100" dirty="0" err="1" smtClean="0">
+              <a:rPr lang="en-US" sz="1100" dirty="0">
+                <a:latin typeface="Calibri (Body)"/>
+              </a:rPr>
+              <a:t> </a:t>
+            </a:r>
+            <a:r>
+              <a:rPr lang="en-US" sz="1100" dirty="0" err="1">
                 <a:latin typeface="Calibri (Body)"/>
               </a:rPr>
               <a:t>rửa</a:t>
             </a:r>
             <a:r>
-              <a:rPr lang="en-US" sz="1100" dirty="0" smtClean="0">
-                <a:latin typeface="Calibri (Body)"/>
-              </a:rPr>
-              <a:t> </a:t>
-            </a:r>
-            <a:r>
-              <a:rPr lang="en-US" sz="1100" dirty="0" err="1" smtClean="0">
+              <a:rPr lang="en-US" sz="1100" dirty="0">
+                <a:latin typeface="Calibri (Body)"/>
+              </a:rPr>
+              <a:t> </a:t>
+            </a:r>
+            <a:r>
+              <a:rPr lang="en-US" sz="1100" dirty="0" err="1">
                 <a:latin typeface="Calibri (Body)"/>
               </a:rPr>
               <a:t>xe</a:t>
             </a:r>
-            <a:endParaRPr lang="en-US" sz="1100" dirty="0" smtClean="0">
+            <a:endParaRPr lang="en-US" sz="1100" dirty="0">
               <a:latin typeface="Calibri (Body)"/>
             </a:endParaRPr>
           </a:p>
@@ -5437,42 +5395,42 @@
               <a:buChar char="•"/>
             </a:pPr>
             <a:r>
-              <a:rPr lang="en-US" sz="1100" b="1" dirty="0" err="1" smtClean="0">
+              <a:rPr lang="en-US" sz="1100" b="1" dirty="0" err="1">
                 <a:latin typeface="Calibri (Body)"/>
               </a:rPr>
               <a:t>Thành</a:t>
             </a:r>
             <a:r>
-              <a:rPr lang="en-US" sz="1100" b="1" dirty="0" smtClean="0">
-                <a:latin typeface="Calibri (Body)"/>
-              </a:rPr>
-              <a:t> </a:t>
-            </a:r>
-            <a:r>
-              <a:rPr lang="en-US" sz="1100" b="1" dirty="0" err="1" smtClean="0">
+              <a:rPr lang="en-US" sz="1100" b="1" dirty="0">
+                <a:latin typeface="Calibri (Body)"/>
+              </a:rPr>
+              <a:t> </a:t>
+            </a:r>
+            <a:r>
+              <a:rPr lang="en-US" sz="1100" b="1" dirty="0" err="1">
                 <a:latin typeface="Calibri (Body)"/>
               </a:rPr>
               <a:t>viên</a:t>
             </a:r>
             <a:r>
-              <a:rPr lang="en-US" sz="1100" b="1" dirty="0" smtClean="0">
+              <a:rPr lang="en-US" sz="1100" b="1" dirty="0">
                 <a:latin typeface="Calibri (Body)"/>
               </a:rPr>
               <a:t>: </a:t>
             </a:r>
             <a:r>
-              <a:rPr lang="en-US" sz="1100" dirty="0" smtClean="0">
+              <a:rPr lang="en-US" sz="1100" dirty="0">
                 <a:latin typeface="Calibri (Body)"/>
               </a:rPr>
               <a:t>4 </a:t>
             </a:r>
             <a:r>
-              <a:rPr lang="en-US" sz="1100" dirty="0" err="1" smtClean="0">
+              <a:rPr lang="en-US" sz="1100" dirty="0" err="1">
                 <a:latin typeface="Calibri (Body)"/>
               </a:rPr>
               <a:t>người</a:t>
             </a:r>
-            <a:endParaRPr lang="en-US" sz="1100" dirty="0" smtClean="0">
+            <a:endParaRPr lang="en-US" sz="1100" dirty="0">
               <a:latin typeface="Calibri (Body)"/>
             </a:endParaRPr>
           </a:p>
@@ -5482,109 +5440,109 @@
               <a:buChar char="•"/>
             </a:pPr>
             <a:r>
-              <a:rPr lang="en-US" sz="1100" b="1" dirty="0" err="1" smtClean="0">
+              <a:rPr lang="en-US" sz="1100" b="1" dirty="0" err="1">
                 <a:latin typeface="Calibri (Body)"/>
               </a:rPr>
               <a:t>Vị</a:t>
             </a:r>
             <a:r>
-              <a:rPr lang="en-US" sz="1100" b="1" dirty="0" smtClean="0">
-                <a:latin typeface="Calibri (Body)"/>
-              </a:rPr>
-              <a:t> </a:t>
-            </a:r>
-            <a:r>
-              <a:rPr lang="en-US" sz="1100" b="1" dirty="0" err="1" smtClean="0">
+              <a:rPr lang="en-US" sz="1100" b="1" dirty="0">
+                <a:latin typeface="Calibri (Body)"/>
+              </a:rPr>
+              <a:t> </a:t>
+            </a:r>
+            <a:r>
+              <a:rPr lang="en-US" sz="1100" b="1" dirty="0" err="1">
                 <a:latin typeface="Calibri (Body)"/>
               </a:rPr>
               <a:t>trí</a:t>
             </a:r>
             <a:r>
-              <a:rPr lang="en-US" sz="1100" b="1" dirty="0" smtClean="0">
-                <a:latin typeface="Calibri (Body)"/>
-              </a:rPr>
-              <a:t> </a:t>
-            </a:r>
-            <a:r>
-              <a:rPr lang="en-US" sz="1100" b="1" dirty="0" err="1" smtClean="0">
+              <a:rPr lang="en-US" sz="1100" b="1" dirty="0">
+                <a:latin typeface="Calibri (Body)"/>
+              </a:rPr>
+              <a:t> </a:t>
+            </a:r>
+            <a:r>
+              <a:rPr lang="en-US" sz="1100" b="1" dirty="0" err="1">
                 <a:latin typeface="Calibri (Body)"/>
               </a:rPr>
               <a:t>công</a:t>
             </a:r>
             <a:r>
-              <a:rPr lang="en-US" sz="1100" b="1" dirty="0" smtClean="0">
-                <a:latin typeface="Calibri (Body)"/>
-              </a:rPr>
-              <a:t> </a:t>
-            </a:r>
-            <a:r>
-              <a:rPr lang="en-US" sz="1100" b="1" dirty="0" err="1" smtClean="0">
+              <a:rPr lang="en-US" sz="1100" b="1" dirty="0">
+                <a:latin typeface="Calibri (Body)"/>
+              </a:rPr>
+              <a:t> </a:t>
+            </a:r>
+            <a:r>
+              <a:rPr lang="en-US" sz="1100" b="1" dirty="0" err="1">
                 <a:latin typeface="Calibri (Body)"/>
               </a:rPr>
               <a:t>việc</a:t>
             </a:r>
             <a:r>
-              <a:rPr lang="en-US" sz="1100" b="1" dirty="0" smtClean="0">
+              <a:rPr lang="en-US" sz="1100" b="1" dirty="0">
                 <a:latin typeface="Calibri (Body)"/>
               </a:rPr>
               <a:t>: </a:t>
             </a:r>
             <a:r>
-              <a:rPr lang="en-US" sz="1100" dirty="0" err="1" smtClean="0">
+              <a:rPr lang="en-US" sz="1100" dirty="0" err="1">
                 <a:latin typeface="Calibri (Body)"/>
               </a:rPr>
               <a:t>Lập</a:t>
             </a:r>
             <a:r>
-              <a:rPr lang="en-US" sz="1100" dirty="0" smtClean="0">
-                <a:latin typeface="Calibri (Body)"/>
-              </a:rPr>
-              <a:t> </a:t>
-            </a:r>
-            <a:r>
-              <a:rPr lang="en-US" sz="1100" dirty="0" err="1" smtClean="0">
+              <a:rPr lang="en-US" sz="1100" dirty="0">
+                <a:latin typeface="Calibri (Body)"/>
+              </a:rPr>
+              <a:t> </a:t>
+            </a:r>
+            <a:r>
+              <a:rPr lang="en-US" sz="1100" dirty="0" err="1">
                 <a:latin typeface="Calibri (Body)"/>
               </a:rPr>
               <a:t>trình</a:t>
             </a:r>
             <a:r>
-              <a:rPr lang="en-US" sz="1100" dirty="0" smtClean="0">
-                <a:latin typeface="Calibri (Body)"/>
-              </a:rPr>
-              <a:t> </a:t>
-            </a:r>
-            <a:r>
-              <a:rPr lang="en-US" sz="1100" dirty="0" err="1" smtClean="0">
+              <a:rPr lang="en-US" sz="1100" dirty="0">
+                <a:latin typeface="Calibri (Body)"/>
+              </a:rPr>
+              <a:t> </a:t>
+            </a:r>
+            <a:r>
+              <a:rPr lang="en-US" sz="1100" dirty="0" err="1">
                 <a:latin typeface="Calibri (Body)"/>
               </a:rPr>
               <a:t>viên</a:t>
             </a:r>
             <a:r>
-              <a:rPr lang="en-US" sz="1100" dirty="0" smtClean="0">
+              <a:rPr lang="en-US" sz="1100" dirty="0">
                 <a:latin typeface="Calibri (Body)"/>
               </a:rPr>
               <a:t>, </a:t>
             </a:r>
             <a:r>
-              <a:rPr lang="en-US" sz="1100" dirty="0" err="1" smtClean="0">
+              <a:rPr lang="en-US" sz="1100" dirty="0" err="1">
                 <a:latin typeface="Calibri (Body)"/>
               </a:rPr>
               <a:t>thiết</a:t>
             </a:r>
             <a:r>
-              <a:rPr lang="en-US" sz="1100" dirty="0" smtClean="0">
-                <a:latin typeface="Calibri (Body)"/>
-              </a:rPr>
-              <a:t> </a:t>
-            </a:r>
-            <a:r>
-              <a:rPr lang="en-US" sz="1100" dirty="0" err="1" smtClean="0">
+              <a:rPr lang="en-US" sz="1100" dirty="0">
+                <a:latin typeface="Calibri (Body)"/>
+              </a:rPr>
+              <a:t> </a:t>
+            </a:r>
+            <a:r>
+              <a:rPr lang="en-US" sz="1100" dirty="0" err="1">
                 <a:latin typeface="Calibri (Body)"/>
               </a:rPr>
               <a:t>kế</a:t>
             </a:r>
             <a:r>
-              <a:rPr lang="en-US" sz="1100" dirty="0" smtClean="0">
+              <a:rPr lang="en-US" sz="1100" dirty="0">
                 <a:latin typeface="Calibri (Body)"/>
               </a:rPr>
               <a:t>.</a:t>
@@ -5596,78 +5554,78 @@
               <a:buChar char="•"/>
             </a:pPr>
             <a:r>
-              <a:rPr lang="en-US" sz="1100" b="1" dirty="0" err="1" smtClean="0">
+              <a:rPr lang="en-US" sz="1100" b="1" dirty="0" err="1">
                 <a:latin typeface="Calibri (Body)"/>
               </a:rPr>
               <a:t>Công</a:t>
             </a:r>
             <a:r>
-              <a:rPr lang="en-US" sz="1100" b="1" dirty="0" smtClean="0">
-                <a:latin typeface="Calibri (Body)"/>
-              </a:rPr>
-              <a:t> </a:t>
-            </a:r>
-            <a:r>
-              <a:rPr lang="en-US" sz="1100" b="1" dirty="0" err="1" smtClean="0">
+              <a:rPr lang="en-US" sz="1100" b="1" dirty="0">
+                <a:latin typeface="Calibri (Body)"/>
+              </a:rPr>
+              <a:t> </a:t>
+            </a:r>
+            <a:r>
+              <a:rPr lang="en-US" sz="1100" b="1" dirty="0" err="1">
                 <a:latin typeface="Calibri (Body)"/>
               </a:rPr>
               <a:t>cụ</a:t>
             </a:r>
             <a:r>
-              <a:rPr lang="en-US" sz="1100" b="1" dirty="0" smtClean="0">
-                <a:latin typeface="Calibri (Body)"/>
-              </a:rPr>
-              <a:t> </a:t>
-            </a:r>
-            <a:r>
-              <a:rPr lang="en-US" sz="1100" b="1" dirty="0" err="1" smtClean="0">
+              <a:rPr lang="en-US" sz="1100" b="1" dirty="0">
+                <a:latin typeface="Calibri (Body)"/>
+              </a:rPr>
+              <a:t> </a:t>
+            </a:r>
+            <a:r>
+              <a:rPr lang="en-US" sz="1100" b="1" dirty="0" err="1">
                 <a:latin typeface="Calibri (Body)"/>
               </a:rPr>
               <a:t>sử</a:t>
             </a:r>
             <a:r>
-              <a:rPr lang="en-US" sz="1100" b="1" dirty="0" smtClean="0">
-                <a:latin typeface="Calibri (Body)"/>
-              </a:rPr>
-              <a:t> </a:t>
-            </a:r>
-            <a:r>
-              <a:rPr lang="en-US" sz="1100" b="1" dirty="0" err="1" smtClean="0">
+              <a:rPr lang="en-US" sz="1100" b="1" dirty="0">
+                <a:latin typeface="Calibri (Body)"/>
+              </a:rPr>
+              <a:t> </a:t>
+            </a:r>
+            <a:r>
+              <a:rPr lang="en-US" sz="1100" b="1" dirty="0" err="1">
                 <a:latin typeface="Calibri (Body)"/>
               </a:rPr>
               <a:t>dụng</a:t>
             </a:r>
             <a:r>
-              <a:rPr lang="en-US" sz="1100" b="1" dirty="0" smtClean="0">
+              <a:rPr lang="en-US" sz="1100" b="1" dirty="0">
                 <a:latin typeface="Calibri (Body)"/>
               </a:rPr>
               <a:t>: </a:t>
             </a:r>
             <a:r>
-              <a:rPr lang="en-US" sz="1100" dirty="0" smtClean="0">
+              <a:rPr lang="en-US" sz="1100" dirty="0">
                 <a:latin typeface="Calibri (Body)"/>
               </a:rPr>
               <a:t>Android Studio, </a:t>
             </a:r>
             <a:r>
-              <a:rPr lang="en-US" sz="1100" dirty="0" err="1" smtClean="0">
+              <a:rPr lang="en-US" sz="1100" dirty="0" err="1">
                 <a:latin typeface="Calibri (Body)"/>
               </a:rPr>
               <a:t>Webstorm</a:t>
             </a:r>
             <a:r>
-              <a:rPr lang="en-US" sz="1100" dirty="0" smtClean="0">
+              <a:rPr lang="en-US" sz="1100" dirty="0">
                 <a:latin typeface="Calibri (Body)"/>
               </a:rPr>
               <a:t>, </a:t>
             </a:r>
             <a:r>
-              <a:rPr lang="en-US" sz="1100" dirty="0" err="1" smtClean="0">
+              <a:rPr lang="en-US" sz="1100" dirty="0" err="1">
                 <a:latin typeface="Calibri (Body)"/>
               </a:rPr>
               <a:t>Figma</a:t>
             </a:r>
-            <a:endParaRPr lang="en-US" sz="1100" dirty="0" smtClean="0">
+            <a:endParaRPr lang="en-US" sz="1100" dirty="0">
               <a:latin typeface="Calibri (Body)"/>
             </a:endParaRPr>
           </a:p>
@@ -5677,66 +5635,66 @@
               <a:buChar char="•"/>
             </a:pPr>
             <a:r>
-              <a:rPr lang="en-US" sz="1100" b="1" dirty="0" err="1" smtClean="0">
+              <a:rPr lang="en-US" sz="1100" b="1" dirty="0" err="1">
                 <a:latin typeface="Calibri (Body)"/>
               </a:rPr>
               <a:t>Công</a:t>
             </a:r>
             <a:r>
-              <a:rPr lang="en-US" sz="1100" b="1" dirty="0" smtClean="0">
-                <a:latin typeface="Calibri (Body)"/>
-              </a:rPr>
-              <a:t> </a:t>
-            </a:r>
-            <a:r>
-              <a:rPr lang="en-US" sz="1100" b="1" dirty="0" err="1" smtClean="0">
+              <a:rPr lang="en-US" sz="1100" b="1" dirty="0">
+                <a:latin typeface="Calibri (Body)"/>
+              </a:rPr>
+              <a:t> </a:t>
+            </a:r>
+            <a:r>
+              <a:rPr lang="en-US" sz="1100" b="1" dirty="0" err="1">
                 <a:latin typeface="Calibri (Body)"/>
               </a:rPr>
               <a:t>nghệ</a:t>
             </a:r>
             <a:r>
-              <a:rPr lang="en-US" sz="1100" b="1" dirty="0" smtClean="0">
-                <a:latin typeface="Calibri (Body)"/>
-              </a:rPr>
-              <a:t> </a:t>
-            </a:r>
-            <a:r>
-              <a:rPr lang="en-US" sz="1100" b="1" dirty="0" err="1" smtClean="0">
+              <a:rPr lang="en-US" sz="1100" b="1" dirty="0">
+                <a:latin typeface="Calibri (Body)"/>
+              </a:rPr>
+              <a:t> </a:t>
+            </a:r>
+            <a:r>
+              <a:rPr lang="en-US" sz="1100" b="1" dirty="0" err="1">
                 <a:latin typeface="Calibri (Body)"/>
               </a:rPr>
               <a:t>sử</a:t>
             </a:r>
             <a:r>
-              <a:rPr lang="en-US" sz="1100" b="1" dirty="0" smtClean="0">
-                <a:latin typeface="Calibri (Body)"/>
-              </a:rPr>
-              <a:t> </a:t>
-            </a:r>
-            <a:r>
-              <a:rPr lang="en-US" sz="1100" b="1" dirty="0" err="1" smtClean="0">
+              <a:rPr lang="en-US" sz="1100" b="1" dirty="0">
+                <a:latin typeface="Calibri (Body)"/>
+              </a:rPr>
+              <a:t> </a:t>
+            </a:r>
+            <a:r>
+              <a:rPr lang="en-US" sz="1100" b="1" dirty="0" err="1">
                 <a:latin typeface="Calibri (Body)"/>
               </a:rPr>
               <a:t>dụng</a:t>
             </a:r>
             <a:r>
-              <a:rPr lang="en-US" sz="1100" b="1" dirty="0" smtClean="0">
+              <a:rPr lang="en-US" sz="1100" b="1" dirty="0">
                 <a:latin typeface="Calibri (Body)"/>
               </a:rPr>
               <a:t>:</a:t>
             </a:r>
             <a:r>
-              <a:rPr lang="en-US" sz="1100" dirty="0" smtClean="0">
+              <a:rPr lang="en-US" sz="1100" dirty="0">
                 <a:latin typeface="Calibri (Body)"/>
               </a:rPr>
               <a:t> Firebase, </a:t>
             </a:r>
             <a:r>
-              <a:rPr lang="en-US" sz="1100" dirty="0" err="1" smtClean="0">
+              <a:rPr lang="en-US" sz="1100" dirty="0" err="1">
                 <a:latin typeface="Calibri (Body)"/>
               </a:rPr>
               <a:t>mongoDB</a:t>
             </a:r>
-            <a:endParaRPr lang="en-US" sz="1100" dirty="0" smtClean="0">
+            <a:endParaRPr lang="en-US" sz="1100" dirty="0">
               <a:latin typeface="Calibri (Body)"/>
             </a:endParaRPr>
           </a:p>
@@ -5746,354 +5704,354 @@
               <a:buChar char="•"/>
             </a:pPr>
             <a:r>
-              <a:rPr lang="en-US" sz="1100" b="1" dirty="0" err="1" smtClean="0">
+              <a:rPr lang="en-US" sz="1100" b="1" dirty="0" err="1">
                 <a:latin typeface="Calibri (Body)"/>
               </a:rPr>
               <a:t>Mô</a:t>
             </a:r>
             <a:r>
-              <a:rPr lang="en-US" sz="1100" b="1" dirty="0" smtClean="0">
-                <a:latin typeface="Calibri (Body)"/>
-              </a:rPr>
-              <a:t> </a:t>
-            </a:r>
-            <a:r>
-              <a:rPr lang="en-US" sz="1100" b="1" dirty="0" err="1" smtClean="0">
+              <a:rPr lang="en-US" sz="1100" b="1" dirty="0">
+                <a:latin typeface="Calibri (Body)"/>
+              </a:rPr>
+              <a:t> </a:t>
+            </a:r>
+            <a:r>
+              <a:rPr lang="en-US" sz="1100" b="1" dirty="0" err="1">
                 <a:latin typeface="Calibri (Body)"/>
               </a:rPr>
               <a:t>tả</a:t>
             </a:r>
             <a:r>
-              <a:rPr lang="en-US" sz="1100" b="1" dirty="0" smtClean="0">
+              <a:rPr lang="en-US" sz="1100" b="1" dirty="0">
                 <a:latin typeface="Calibri (Body)"/>
               </a:rPr>
               <a:t>: </a:t>
             </a:r>
             <a:r>
-              <a:rPr lang="en-US" sz="1100" dirty="0" err="1" smtClean="0">
+              <a:rPr lang="en-US" sz="1100" dirty="0" err="1">
                 <a:latin typeface="Calibri (Body)"/>
               </a:rPr>
               <a:t>Ứng</a:t>
             </a:r>
             <a:r>
-              <a:rPr lang="en-US" sz="1100" dirty="0" smtClean="0">
-                <a:latin typeface="Calibri (Body)"/>
-              </a:rPr>
-              <a:t> </a:t>
-            </a:r>
-            <a:r>
-              <a:rPr lang="en-US" sz="1100" dirty="0" err="1" smtClean="0">
+              <a:rPr lang="en-US" sz="1100" dirty="0">
+                <a:latin typeface="Calibri (Body)"/>
+              </a:rPr>
+              <a:t> </a:t>
+            </a:r>
+            <a:r>
+              <a:rPr lang="en-US" sz="1100" dirty="0" err="1">
                 <a:latin typeface="Calibri (Body)"/>
               </a:rPr>
               <a:t>dụng</a:t>
             </a:r>
             <a:r>
-              <a:rPr lang="en-US" sz="1100" dirty="0" smtClean="0">
-                <a:latin typeface="Calibri (Body)"/>
-              </a:rPr>
-              <a:t> </a:t>
-            </a:r>
-            <a:r>
-              <a:rPr lang="en-US" sz="1100" dirty="0" err="1" smtClean="0">
+              <a:rPr lang="en-US" sz="1100" dirty="0">
+                <a:latin typeface="Calibri (Body)"/>
+              </a:rPr>
+              <a:t> </a:t>
+            </a:r>
+            <a:r>
+              <a:rPr lang="en-US" sz="1100" dirty="0" err="1">
                 <a:latin typeface="Calibri (Body)"/>
               </a:rPr>
               <a:t>cho</a:t>
             </a:r>
             <a:r>
-              <a:rPr lang="en-US" sz="1100" dirty="0" smtClean="0">
-                <a:latin typeface="Calibri (Body)"/>
-              </a:rPr>
-              <a:t> </a:t>
-            </a:r>
-            <a:r>
-              <a:rPr lang="en-US" sz="1100" dirty="0" err="1" smtClean="0">
+              <a:rPr lang="en-US" sz="1100" dirty="0">
+                <a:latin typeface="Calibri (Body)"/>
+              </a:rPr>
+              <a:t> </a:t>
+            </a:r>
+            <a:r>
+              <a:rPr lang="en-US" sz="1100" dirty="0" err="1">
                 <a:latin typeface="Calibri (Body)"/>
               </a:rPr>
               <a:t>phép</a:t>
             </a:r>
             <a:r>
-              <a:rPr lang="en-US" sz="1100" dirty="0" smtClean="0">
-                <a:latin typeface="Calibri (Body)"/>
-              </a:rPr>
-              <a:t> </a:t>
-            </a:r>
-            <a:r>
-              <a:rPr lang="en-US" sz="1100" dirty="0" err="1" smtClean="0">
+              <a:rPr lang="en-US" sz="1100" dirty="0">
+                <a:latin typeface="Calibri (Body)"/>
+              </a:rPr>
+              <a:t> </a:t>
+            </a:r>
+            <a:r>
+              <a:rPr lang="en-US" sz="1100" dirty="0" err="1">
                 <a:latin typeface="Calibri (Body)"/>
               </a:rPr>
               <a:t>khách</a:t>
             </a:r>
             <a:r>
-              <a:rPr lang="en-US" sz="1100" dirty="0" smtClean="0">
-                <a:latin typeface="Calibri (Body)"/>
-              </a:rPr>
-              <a:t> </a:t>
-            </a:r>
-            <a:r>
-              <a:rPr lang="en-US" sz="1100" dirty="0" err="1" smtClean="0">
+              <a:rPr lang="en-US" sz="1100" dirty="0">
+                <a:latin typeface="Calibri (Body)"/>
+              </a:rPr>
+              <a:t> </a:t>
+            </a:r>
+            <a:r>
+              <a:rPr lang="en-US" sz="1100" dirty="0" err="1">
                 <a:latin typeface="Calibri (Body)"/>
               </a:rPr>
               <a:t>hàng</a:t>
             </a:r>
             <a:r>
-              <a:rPr lang="en-US" sz="1100" dirty="0" smtClean="0">
-                <a:latin typeface="Calibri (Body)"/>
-              </a:rPr>
-              <a:t> </a:t>
-            </a:r>
-            <a:r>
-              <a:rPr lang="en-US" sz="1100" dirty="0" err="1" smtClean="0">
+              <a:rPr lang="en-US" sz="1100" dirty="0">
+                <a:latin typeface="Calibri (Body)"/>
+              </a:rPr>
+              <a:t> </a:t>
+            </a:r>
+            <a:r>
+              <a:rPr lang="en-US" sz="1100" dirty="0" err="1">
                 <a:latin typeface="Calibri (Body)"/>
               </a:rPr>
               <a:t>đặt</a:t>
             </a:r>
             <a:r>
-              <a:rPr lang="en-US" sz="1100" dirty="0" smtClean="0">
-                <a:latin typeface="Calibri (Body)"/>
-              </a:rPr>
-              <a:t> </a:t>
-            </a:r>
-            <a:r>
-              <a:rPr lang="en-US" sz="1100" dirty="0" err="1" smtClean="0">
+              <a:rPr lang="en-US" sz="1100" dirty="0">
+                <a:latin typeface="Calibri (Body)"/>
+              </a:rPr>
+              <a:t> </a:t>
+            </a:r>
+            <a:r>
+              <a:rPr lang="en-US" sz="1100" dirty="0" err="1">
                 <a:latin typeface="Calibri (Body)"/>
               </a:rPr>
               <a:t>lịch</a:t>
             </a:r>
             <a:r>
-              <a:rPr lang="en-US" sz="1100" dirty="0" smtClean="0">
-                <a:latin typeface="Calibri (Body)"/>
-              </a:rPr>
-              <a:t> </a:t>
-            </a:r>
-            <a:r>
-              <a:rPr lang="en-US" sz="1100" dirty="0" err="1" smtClean="0">
+              <a:rPr lang="en-US" sz="1100" dirty="0">
+                <a:latin typeface="Calibri (Body)"/>
+              </a:rPr>
+              <a:t> </a:t>
+            </a:r>
+            <a:r>
+              <a:rPr lang="en-US" sz="1100" dirty="0" err="1">
                 <a:latin typeface="Calibri (Body)"/>
               </a:rPr>
               <a:t>tại</a:t>
             </a:r>
             <a:r>
-              <a:rPr lang="en-US" sz="1100" dirty="0" smtClean="0">
-                <a:latin typeface="Calibri (Body)"/>
-              </a:rPr>
-              <a:t> </a:t>
-            </a:r>
-            <a:r>
-              <a:rPr lang="en-US" sz="1100" dirty="0" err="1" smtClean="0">
+              <a:rPr lang="en-US" sz="1100" dirty="0">
+                <a:latin typeface="Calibri (Body)"/>
+              </a:rPr>
+              <a:t> </a:t>
+            </a:r>
+            <a:r>
+              <a:rPr lang="en-US" sz="1100" dirty="0" err="1">
                 <a:latin typeface="Calibri (Body)"/>
               </a:rPr>
               <a:t>cửa</a:t>
             </a:r>
             <a:r>
-              <a:rPr lang="en-US" sz="1100" dirty="0" smtClean="0">
-                <a:latin typeface="Calibri (Body)"/>
-              </a:rPr>
-              <a:t> </a:t>
-            </a:r>
-            <a:r>
-              <a:rPr lang="en-US" sz="1100" dirty="0" err="1" smtClean="0">
+              <a:rPr lang="en-US" sz="1100" dirty="0">
+                <a:latin typeface="Calibri (Body)"/>
+              </a:rPr>
+              <a:t> </a:t>
+            </a:r>
+            <a:r>
+              <a:rPr lang="en-US" sz="1100" dirty="0" err="1">
                 <a:latin typeface="Calibri (Body)"/>
               </a:rPr>
               <a:t>hàng</a:t>
             </a:r>
             <a:r>
-              <a:rPr lang="en-US" sz="1100" dirty="0" smtClean="0">
-                <a:latin typeface="Calibri (Body)"/>
-              </a:rPr>
-              <a:t> </a:t>
-            </a:r>
-            <a:r>
-              <a:rPr lang="en-US" sz="1100" dirty="0" err="1" smtClean="0">
+              <a:rPr lang="en-US" sz="1100" dirty="0">
+                <a:latin typeface="Calibri (Body)"/>
+              </a:rPr>
+              <a:t> </a:t>
+            </a:r>
+            <a:r>
+              <a:rPr lang="en-US" sz="1100" dirty="0" err="1">
                 <a:latin typeface="Calibri (Body)"/>
               </a:rPr>
               <a:t>rửa</a:t>
             </a:r>
             <a:r>
-              <a:rPr lang="en-US" sz="1100" dirty="0" smtClean="0">
-                <a:latin typeface="Calibri (Body)"/>
-              </a:rPr>
-              <a:t> </a:t>
-            </a:r>
-            <a:r>
-              <a:rPr lang="en-US" sz="1100" dirty="0" err="1" smtClean="0">
+              <a:rPr lang="en-US" sz="1100" dirty="0">
+                <a:latin typeface="Calibri (Body)"/>
+              </a:rPr>
+              <a:t> </a:t>
+            </a:r>
+            <a:r>
+              <a:rPr lang="en-US" sz="1100" dirty="0" err="1">
                 <a:latin typeface="Calibri (Body)"/>
               </a:rPr>
               <a:t>xe</a:t>
             </a:r>
             <a:r>
-              <a:rPr lang="en-US" sz="1100" dirty="0" smtClean="0">
-                <a:latin typeface="Calibri (Body)"/>
-              </a:rPr>
-              <a:t> </a:t>
-            </a:r>
-            <a:r>
-              <a:rPr lang="en-US" sz="1100" dirty="0" err="1" smtClean="0">
+              <a:rPr lang="en-US" sz="1100" dirty="0">
+                <a:latin typeface="Calibri (Body)"/>
+              </a:rPr>
+              <a:t> </a:t>
+            </a:r>
+            <a:r>
+              <a:rPr lang="en-US" sz="1100" dirty="0" err="1">
                 <a:latin typeface="Calibri (Body)"/>
               </a:rPr>
               <a:t>trước</a:t>
             </a:r>
             <a:r>
-              <a:rPr lang="en-US" sz="1100" dirty="0" smtClean="0">
-                <a:latin typeface="Calibri (Body)"/>
-              </a:rPr>
-              <a:t> </a:t>
-            </a:r>
-            <a:r>
-              <a:rPr lang="en-US" sz="1100" dirty="0" err="1" smtClean="0">
+              <a:rPr lang="en-US" sz="1100" dirty="0">
+                <a:latin typeface="Calibri (Body)"/>
+              </a:rPr>
+              <a:t> </a:t>
+            </a:r>
+            <a:r>
+              <a:rPr lang="en-US" sz="1100" dirty="0" err="1">
                 <a:latin typeface="Calibri (Body)"/>
               </a:rPr>
               <a:t>khi</a:t>
             </a:r>
             <a:r>
-              <a:rPr lang="en-US" sz="1100" dirty="0" smtClean="0">
-                <a:latin typeface="Calibri (Body)"/>
-              </a:rPr>
-              <a:t> </a:t>
-            </a:r>
-            <a:r>
-              <a:rPr lang="en-US" sz="1100" dirty="0" err="1" smtClean="0">
+              <a:rPr lang="en-US" sz="1100" dirty="0">
+                <a:latin typeface="Calibri (Body)"/>
+              </a:rPr>
+              <a:t> </a:t>
+            </a:r>
+            <a:r>
+              <a:rPr lang="en-US" sz="1100" dirty="0" err="1">
                 <a:latin typeface="Calibri (Body)"/>
               </a:rPr>
               <a:t>đến</a:t>
             </a:r>
             <a:r>
-              <a:rPr lang="en-US" sz="1100" dirty="0" smtClean="0">
-                <a:latin typeface="Calibri (Body)"/>
-              </a:rPr>
-              <a:t> </a:t>
-            </a:r>
-            <a:r>
-              <a:rPr lang="en-US" sz="1100" dirty="0" err="1" smtClean="0">
+              <a:rPr lang="en-US" sz="1100" dirty="0">
+                <a:latin typeface="Calibri (Body)"/>
+              </a:rPr>
+              <a:t> </a:t>
+            </a:r>
+            <a:r>
+              <a:rPr lang="en-US" sz="1100" dirty="0" err="1">
                 <a:latin typeface="Calibri (Body)"/>
               </a:rPr>
               <a:t>để</a:t>
             </a:r>
             <a:r>
-              <a:rPr lang="en-US" sz="1100" dirty="0" smtClean="0">
-                <a:latin typeface="Calibri (Body)"/>
-              </a:rPr>
-              <a:t> </a:t>
-            </a:r>
-            <a:r>
-              <a:rPr lang="en-US" sz="1100" dirty="0" err="1" smtClean="0">
+              <a:rPr lang="en-US" sz="1100" dirty="0">
+                <a:latin typeface="Calibri (Body)"/>
+              </a:rPr>
+              <a:t> </a:t>
+            </a:r>
+            <a:r>
+              <a:rPr lang="en-US" sz="1100" dirty="0" err="1">
                 <a:latin typeface="Calibri (Body)"/>
               </a:rPr>
               <a:t>không</a:t>
             </a:r>
             <a:r>
-              <a:rPr lang="en-US" sz="1100" dirty="0" smtClean="0">
-                <a:latin typeface="Calibri (Body)"/>
-              </a:rPr>
-              <a:t> </a:t>
-            </a:r>
-            <a:r>
-              <a:rPr lang="en-US" sz="1100" dirty="0" err="1" smtClean="0">
+              <a:rPr lang="en-US" sz="1100" dirty="0">
+                <a:latin typeface="Calibri (Body)"/>
+              </a:rPr>
+              <a:t> </a:t>
+            </a:r>
+            <a:r>
+              <a:rPr lang="en-US" sz="1100" dirty="0" err="1">
                 <a:latin typeface="Calibri (Body)"/>
               </a:rPr>
               <a:t>phải</a:t>
             </a:r>
             <a:r>
-              <a:rPr lang="en-US" sz="1100" dirty="0" smtClean="0">
-                <a:latin typeface="Calibri (Body)"/>
-              </a:rPr>
-              <a:t> </a:t>
-            </a:r>
-            <a:r>
-              <a:rPr lang="en-US" sz="1100" dirty="0" err="1" smtClean="0">
+              <a:rPr lang="en-US" sz="1100" dirty="0">
+                <a:latin typeface="Calibri (Body)"/>
+              </a:rPr>
+              <a:t> </a:t>
+            </a:r>
+            <a:r>
+              <a:rPr lang="en-US" sz="1100" dirty="0" err="1">
                 <a:latin typeface="Calibri (Body)"/>
               </a:rPr>
               <a:t>chờ</a:t>
             </a:r>
             <a:r>
-              <a:rPr lang="en-US" sz="1100" dirty="0" smtClean="0">
-                <a:latin typeface="Calibri (Body)"/>
-              </a:rPr>
-              <a:t> </a:t>
-            </a:r>
-            <a:r>
-              <a:rPr lang="en-US" sz="1100" dirty="0" err="1" smtClean="0">
+              <a:rPr lang="en-US" sz="1100" dirty="0">
+                <a:latin typeface="Calibri (Body)"/>
+              </a:rPr>
+              <a:t> </a:t>
+            </a:r>
+            <a:r>
+              <a:rPr lang="en-US" sz="1100" dirty="0" err="1">
                 <a:latin typeface="Calibri (Body)"/>
               </a:rPr>
               <a:t>đợi</a:t>
             </a:r>
             <a:r>
-              <a:rPr lang="en-US" sz="1100" dirty="0" smtClean="0">
-                <a:latin typeface="Calibri (Body)"/>
-              </a:rPr>
-              <a:t> </a:t>
-            </a:r>
-            <a:r>
-              <a:rPr lang="en-US" sz="1100" dirty="0" err="1" smtClean="0">
+              <a:rPr lang="en-US" sz="1100" dirty="0">
+                <a:latin typeface="Calibri (Body)"/>
+              </a:rPr>
+              <a:t> </a:t>
+            </a:r>
+            <a:r>
+              <a:rPr lang="en-US" sz="1100" dirty="0" err="1">
                 <a:latin typeface="Calibri (Body)"/>
               </a:rPr>
               <a:t>thứ</a:t>
             </a:r>
             <a:r>
-              <a:rPr lang="en-US" sz="1100" dirty="0" smtClean="0">
-                <a:latin typeface="Calibri (Body)"/>
-              </a:rPr>
-              <a:t> </a:t>
-            </a:r>
-            <a:r>
-              <a:rPr lang="en-US" sz="1100" dirty="0" err="1" smtClean="0">
+              <a:rPr lang="en-US" sz="1100" dirty="0">
+                <a:latin typeface="Calibri (Body)"/>
+              </a:rPr>
+              <a:t> </a:t>
+            </a:r>
+            <a:r>
+              <a:rPr lang="en-US" sz="1100" dirty="0" err="1">
                 <a:latin typeface="Calibri (Body)"/>
               </a:rPr>
               <a:t>tự</a:t>
             </a:r>
             <a:r>
-              <a:rPr lang="en-US" sz="1100" dirty="0" smtClean="0">
-                <a:latin typeface="Calibri (Body)"/>
-              </a:rPr>
-              <a:t> </a:t>
-            </a:r>
-            <a:r>
-              <a:rPr lang="en-US" sz="1100" dirty="0" err="1" smtClean="0">
+              <a:rPr lang="en-US" sz="1100" dirty="0">
+                <a:latin typeface="Calibri (Body)"/>
+              </a:rPr>
+              <a:t> </a:t>
+            </a:r>
+            <a:r>
+              <a:rPr lang="en-US" sz="1100" dirty="0" err="1">
                 <a:latin typeface="Calibri (Body)"/>
               </a:rPr>
               <a:t>khi</a:t>
             </a:r>
             <a:r>
-              <a:rPr lang="en-US" sz="1100" dirty="0" smtClean="0">
-                <a:latin typeface="Calibri (Body)"/>
-              </a:rPr>
-              <a:t> </a:t>
-            </a:r>
-            <a:r>
-              <a:rPr lang="en-US" sz="1100" dirty="0" err="1" smtClean="0">
+              <a:rPr lang="en-US" sz="1100" dirty="0">
+                <a:latin typeface="Calibri (Body)"/>
+              </a:rPr>
+              <a:t> </a:t>
+            </a:r>
+            <a:r>
+              <a:rPr lang="en-US" sz="1100" dirty="0" err="1">
                 <a:latin typeface="Calibri (Body)"/>
               </a:rPr>
               <a:t>đến</a:t>
             </a:r>
             <a:r>
-              <a:rPr lang="en-US" sz="1100" dirty="0" smtClean="0">
-                <a:latin typeface="Calibri (Body)"/>
-              </a:rPr>
-              <a:t> </a:t>
-            </a:r>
-            <a:r>
-              <a:rPr lang="en-US" sz="1100" dirty="0" err="1" smtClean="0">
+              <a:rPr lang="en-US" sz="1100" dirty="0">
+                <a:latin typeface="Calibri (Body)"/>
+              </a:rPr>
+              <a:t> </a:t>
+            </a:r>
+            <a:r>
+              <a:rPr lang="en-US" sz="1100" dirty="0" err="1">
                 <a:latin typeface="Calibri (Body)"/>
               </a:rPr>
               <a:t>cửa</a:t>
             </a:r>
             <a:r>
-              <a:rPr lang="en-US" sz="1100" dirty="0" smtClean="0">
-                <a:latin typeface="Calibri (Body)"/>
-              </a:rPr>
-              <a:t> </a:t>
-            </a:r>
-            <a:r>
-              <a:rPr lang="en-US" sz="1100" dirty="0" err="1" smtClean="0">
+              <a:rPr lang="en-US" sz="1100" dirty="0">
+                <a:latin typeface="Calibri (Body)"/>
+              </a:rPr>
+              <a:t> </a:t>
+            </a:r>
+            <a:r>
+              <a:rPr lang="en-US" sz="1100" dirty="0" err="1">
                 <a:latin typeface="Calibri (Body)"/>
               </a:rPr>
               <a:t>hàng</a:t>
             </a:r>
             <a:r>
-              <a:rPr lang="en-US" sz="1100" dirty="0" smtClean="0">
+              <a:rPr lang="en-US" sz="1100" dirty="0">
                 <a:latin typeface="Calibri (Body)"/>
               </a:rPr>
               <a:t>.</a:t>
             </a:r>
-            <a:endParaRPr lang="en-US" sz="1100" b="1" dirty="0" smtClean="0">
+            <a:endParaRPr lang="en-US" sz="1100" b="1" dirty="0">
               <a:latin typeface="Calibri (Body)"/>
             </a:endParaRPr>
           </a:p>
@@ -6103,217 +6061,217 @@
               <a:buChar char="•"/>
             </a:pPr>
             <a:r>
-              <a:rPr lang="en-US" sz="1100" b="1" dirty="0" err="1" smtClean="0">
+              <a:rPr lang="en-US" sz="1100" b="1" dirty="0" err="1">
                 <a:latin typeface="Calibri (Body)"/>
               </a:rPr>
               <a:t>Kinh</a:t>
             </a:r>
             <a:r>
-              <a:rPr lang="en-US" sz="1100" b="1" dirty="0" smtClean="0">
-                <a:latin typeface="Calibri (Body)"/>
-              </a:rPr>
-              <a:t> </a:t>
-            </a:r>
-            <a:r>
-              <a:rPr lang="en-US" sz="1100" b="1" dirty="0" err="1" smtClean="0">
+              <a:rPr lang="en-US" sz="1100" b="1" dirty="0">
+                <a:latin typeface="Calibri (Body)"/>
+              </a:rPr>
+              <a:t> </a:t>
+            </a:r>
+            <a:r>
+              <a:rPr lang="en-US" sz="1100" b="1" dirty="0" err="1">
                 <a:latin typeface="Calibri (Body)"/>
               </a:rPr>
               <a:t>nghiệm</a:t>
             </a:r>
             <a:r>
-              <a:rPr lang="en-US" sz="1100" b="1" dirty="0" smtClean="0">
+              <a:rPr lang="en-US" sz="1100" b="1" dirty="0">
                 <a:latin typeface="Calibri (Body)"/>
               </a:rPr>
               <a:t>: </a:t>
             </a:r>
             <a:r>
-              <a:rPr lang="en-US" sz="1100" dirty="0" err="1" smtClean="0">
+              <a:rPr lang="en-US" sz="1100" dirty="0" err="1">
                 <a:latin typeface="Calibri (Body)"/>
               </a:rPr>
               <a:t>Có</a:t>
             </a:r>
             <a:r>
-              <a:rPr lang="en-US" sz="1100" dirty="0" smtClean="0">
-                <a:latin typeface="Calibri (Body)"/>
-              </a:rPr>
-              <a:t> </a:t>
-            </a:r>
-            <a:r>
-              <a:rPr lang="en-US" sz="1100" dirty="0" err="1" smtClean="0">
+              <a:rPr lang="en-US" sz="1100" dirty="0">
+                <a:latin typeface="Calibri (Body)"/>
+              </a:rPr>
+              <a:t> </a:t>
+            </a:r>
+            <a:r>
+              <a:rPr lang="en-US" sz="1100" dirty="0" err="1">
                 <a:latin typeface="Calibri (Body)"/>
               </a:rPr>
               <a:t>kinh</a:t>
             </a:r>
             <a:r>
-              <a:rPr lang="en-US" sz="1100" dirty="0" smtClean="0">
-                <a:latin typeface="Calibri (Body)"/>
-              </a:rPr>
-              <a:t> </a:t>
-            </a:r>
-            <a:r>
-              <a:rPr lang="en-US" sz="1100" dirty="0" err="1" smtClean="0">
+              <a:rPr lang="en-US" sz="1100" dirty="0">
+                <a:latin typeface="Calibri (Body)"/>
+              </a:rPr>
+              <a:t> </a:t>
+            </a:r>
+            <a:r>
+              <a:rPr lang="en-US" sz="1100" dirty="0" err="1">
                 <a:latin typeface="Calibri (Body)"/>
               </a:rPr>
               <a:t>nghiệm</a:t>
             </a:r>
             <a:r>
-              <a:rPr lang="en-US" sz="1100" dirty="0" smtClean="0">
-                <a:latin typeface="Calibri (Body)"/>
-              </a:rPr>
-              <a:t> </a:t>
-            </a:r>
-            <a:r>
-              <a:rPr lang="en-US" sz="1100" dirty="0" err="1" smtClean="0">
+              <a:rPr lang="en-US" sz="1100" dirty="0">
+                <a:latin typeface="Calibri (Body)"/>
+              </a:rPr>
+              <a:t> </a:t>
+            </a:r>
+            <a:r>
+              <a:rPr lang="en-US" sz="1100" dirty="0" err="1">
                 <a:latin typeface="Calibri (Body)"/>
               </a:rPr>
               <a:t>làm</a:t>
             </a:r>
             <a:r>
-              <a:rPr lang="en-US" sz="1100" dirty="0" smtClean="0">
-                <a:latin typeface="Calibri (Body)"/>
-              </a:rPr>
-              <a:t> </a:t>
-            </a:r>
-            <a:r>
-              <a:rPr lang="en-US" sz="1100" dirty="0" err="1" smtClean="0">
+              <a:rPr lang="en-US" sz="1100" dirty="0">
+                <a:latin typeface="Calibri (Body)"/>
+              </a:rPr>
+              <a:t> </a:t>
+            </a:r>
+            <a:r>
+              <a:rPr lang="en-US" sz="1100" dirty="0" err="1">
                 <a:latin typeface="Calibri (Body)"/>
               </a:rPr>
               <a:t>việc</a:t>
             </a:r>
             <a:r>
-              <a:rPr lang="en-US" sz="1100" dirty="0" smtClean="0">
-                <a:latin typeface="Calibri (Body)"/>
-              </a:rPr>
-              <a:t> </a:t>
-            </a:r>
-            <a:r>
-              <a:rPr lang="en-US" sz="1100" dirty="0" err="1" smtClean="0">
+              <a:rPr lang="en-US" sz="1100" dirty="0">
+                <a:latin typeface="Calibri (Body)"/>
+              </a:rPr>
+              <a:t> </a:t>
+            </a:r>
+            <a:r>
+              <a:rPr lang="en-US" sz="1100" dirty="0" err="1">
                 <a:latin typeface="Calibri (Body)"/>
               </a:rPr>
               <a:t>nhóm</a:t>
             </a:r>
             <a:r>
-              <a:rPr lang="en-US" sz="1100" dirty="0" smtClean="0">
+              <a:rPr lang="en-US" sz="1100" dirty="0">
                 <a:latin typeface="Calibri (Body)"/>
               </a:rPr>
               <a:t>, </a:t>
             </a:r>
             <a:r>
-              <a:rPr lang="en-US" sz="1100" dirty="0" err="1" smtClean="0">
+              <a:rPr lang="en-US" sz="1100" dirty="0" err="1">
                 <a:latin typeface="Calibri (Body)"/>
               </a:rPr>
               <a:t>nâng</a:t>
             </a:r>
             <a:r>
-              <a:rPr lang="en-US" sz="1100" dirty="0" smtClean="0">
-                <a:latin typeface="Calibri (Body)"/>
-              </a:rPr>
-              <a:t> </a:t>
-            </a:r>
-            <a:r>
-              <a:rPr lang="en-US" sz="1100" dirty="0" err="1" smtClean="0">
+              <a:rPr lang="en-US" sz="1100" dirty="0">
+                <a:latin typeface="Calibri (Body)"/>
+              </a:rPr>
+              <a:t> </a:t>
+            </a:r>
+            <a:r>
+              <a:rPr lang="en-US" sz="1100" dirty="0" err="1">
                 <a:latin typeface="Calibri (Body)"/>
               </a:rPr>
               <a:t>cao</a:t>
             </a:r>
             <a:r>
-              <a:rPr lang="en-US" sz="1100" dirty="0" smtClean="0">
-                <a:latin typeface="Calibri (Body)"/>
-              </a:rPr>
-              <a:t> </a:t>
-            </a:r>
-            <a:r>
-              <a:rPr lang="en-US" sz="1100" dirty="0" err="1" smtClean="0">
+              <a:rPr lang="en-US" sz="1100" dirty="0">
+                <a:latin typeface="Calibri (Body)"/>
+              </a:rPr>
+              <a:t> </a:t>
+            </a:r>
+            <a:r>
+              <a:rPr lang="en-US" sz="1100" dirty="0" err="1">
                 <a:latin typeface="Calibri (Body)"/>
               </a:rPr>
               <a:t>kỹ</a:t>
             </a:r>
             <a:r>
-              <a:rPr lang="en-US" sz="1100" dirty="0" smtClean="0">
-                <a:latin typeface="Calibri (Body)"/>
-              </a:rPr>
-              <a:t> </a:t>
-            </a:r>
-            <a:r>
-              <a:rPr lang="en-US" sz="1100" dirty="0" err="1" smtClean="0">
+              <a:rPr lang="en-US" sz="1100" dirty="0">
+                <a:latin typeface="Calibri (Body)"/>
+              </a:rPr>
+              <a:t> </a:t>
+            </a:r>
+            <a:r>
+              <a:rPr lang="en-US" sz="1100" dirty="0" err="1">
                 <a:latin typeface="Calibri (Body)"/>
               </a:rPr>
               <a:t>năng</a:t>
             </a:r>
             <a:r>
-              <a:rPr lang="en-US" sz="1100" dirty="0" smtClean="0">
-                <a:latin typeface="Calibri (Body)"/>
-              </a:rPr>
-              <a:t> </a:t>
-            </a:r>
-            <a:r>
-              <a:rPr lang="en-US" sz="1100" dirty="0" err="1" smtClean="0">
+              <a:rPr lang="en-US" sz="1100" dirty="0">
+                <a:latin typeface="Calibri (Body)"/>
+              </a:rPr>
+              <a:t> </a:t>
+            </a:r>
+            <a:r>
+              <a:rPr lang="en-US" sz="1100" dirty="0" err="1">
                 <a:latin typeface="Calibri (Body)"/>
               </a:rPr>
               <a:t>sử</a:t>
             </a:r>
             <a:r>
-              <a:rPr lang="en-US" sz="1100" dirty="0" smtClean="0">
-                <a:latin typeface="Calibri (Body)"/>
-              </a:rPr>
-              <a:t> </a:t>
-            </a:r>
-            <a:r>
-              <a:rPr lang="en-US" sz="1100" dirty="0" err="1" smtClean="0">
+              <a:rPr lang="en-US" sz="1100" dirty="0">
+                <a:latin typeface="Calibri (Body)"/>
+              </a:rPr>
+              <a:t> </a:t>
+            </a:r>
+            <a:r>
+              <a:rPr lang="en-US" sz="1100" dirty="0" err="1">
                 <a:latin typeface="Calibri (Body)"/>
               </a:rPr>
               <a:t>dụng</a:t>
             </a:r>
             <a:r>
-              <a:rPr lang="en-US" sz="1100" dirty="0" smtClean="0">
+              <a:rPr lang="en-US" sz="1100" dirty="0">
                 <a:latin typeface="Calibri (Body)"/>
               </a:rPr>
               <a:t> Retrofit2 </a:t>
             </a:r>
             <a:r>
-              <a:rPr lang="en-US" sz="1100" dirty="0" err="1" smtClean="0">
+              <a:rPr lang="en-US" sz="1100" dirty="0" err="1">
                 <a:latin typeface="Calibri (Body)"/>
               </a:rPr>
               <a:t>để</a:t>
             </a:r>
             <a:r>
-              <a:rPr lang="en-US" sz="1100" dirty="0" smtClean="0">
-                <a:latin typeface="Calibri (Body)"/>
-              </a:rPr>
-              <a:t> </a:t>
-            </a:r>
-            <a:r>
-              <a:rPr lang="en-US" sz="1100" dirty="0" err="1" smtClean="0">
+              <a:rPr lang="en-US" sz="1100" dirty="0">
+                <a:latin typeface="Calibri (Body)"/>
+              </a:rPr>
+              <a:t> </a:t>
+            </a:r>
+            <a:r>
+              <a:rPr lang="en-US" sz="1100" dirty="0" err="1">
                 <a:latin typeface="Calibri (Body)"/>
               </a:rPr>
               <a:t>kết</a:t>
             </a:r>
             <a:r>
-              <a:rPr lang="en-US" sz="1100" dirty="0" smtClean="0">
-                <a:latin typeface="Calibri (Body)"/>
-              </a:rPr>
-              <a:t> </a:t>
-            </a:r>
-            <a:r>
-              <a:rPr lang="en-US" sz="1100" dirty="0" err="1" smtClean="0">
+              <a:rPr lang="en-US" sz="1100" dirty="0">
+                <a:latin typeface="Calibri (Body)"/>
+              </a:rPr>
+              <a:t> </a:t>
+            </a:r>
+            <a:r>
+              <a:rPr lang="en-US" sz="1100" dirty="0" err="1">
                 <a:latin typeface="Calibri (Body)"/>
               </a:rPr>
               <a:t>nối</a:t>
             </a:r>
             <a:r>
-              <a:rPr lang="en-US" sz="1100" dirty="0" smtClean="0">
-                <a:latin typeface="Calibri (Body)"/>
-              </a:rPr>
-              <a:t> </a:t>
-            </a:r>
-            <a:r>
-              <a:rPr lang="en-US" sz="1100" dirty="0" err="1" smtClean="0">
+              <a:rPr lang="en-US" sz="1100" dirty="0">
+                <a:latin typeface="Calibri (Body)"/>
+              </a:rPr>
+              <a:t> </a:t>
+            </a:r>
+            <a:r>
+              <a:rPr lang="en-US" sz="1100" dirty="0" err="1">
                 <a:latin typeface="Calibri (Body)"/>
               </a:rPr>
               <a:t>tới</a:t>
             </a:r>
             <a:r>
-              <a:rPr lang="en-US" sz="1100" dirty="0" smtClean="0">
+              <a:rPr lang="en-US" sz="1100" dirty="0">
                 <a:latin typeface="Calibri (Body)"/>
               </a:rPr>
               <a:t> API.</a:t>
@@ -6328,16 +6286,10 @@
               <a:buChar char="•"/>
             </a:pPr>
             <a:r>
-              <a:rPr lang="en-US" sz="1100" b="1" dirty="0" smtClean="0">
-                <a:latin typeface="Calibri (Body)"/>
-              </a:rPr>
-              <a:t>Link source code</a:t>
-            </a:r>
-            <a:r>
               <a:rPr lang="en-US" sz="1100" b="1" dirty="0">
                 <a:latin typeface="Calibri (Body)"/>
               </a:rPr>
-              <a:t>: </a:t>
+              <a:t>Link source code: </a:t>
             </a:r>
             <a:r>
               <a:rPr lang="en-US" sz="1100" i="1" dirty="0">
@@ -6345,9 +6297,6 @@
               </a:rPr>
               <a:t>https://github.com/Thuc-fptStudent/IWASH</a:t>
             </a:r>
-            <a:endParaRPr lang="en-US" sz="1100" i="1" dirty="0" smtClean="0">
-              <a:latin typeface="Calibri (Body)"/>
-            </a:endParaRPr>
           </a:p>
         </p:txBody>
       </p:sp>
@@ -6379,18 +6328,13 @@
               </a:lnSpc>
             </a:pPr>
             <a:r>
-              <a:rPr lang="en-US" sz="900" dirty="0" smtClean="0">
+              <a:rPr lang="en-US" sz="900" dirty="0">
                 <a:solidFill>
                   <a:srgbClr val="00B0F0"/>
                 </a:solidFill>
               </a:rPr>
               <a:t>01/2021 – 03/2021</a:t>
             </a:r>
-            <a:endParaRPr lang="en-US" sz="900" dirty="0">
-              <a:solidFill>
-                <a:srgbClr val="00B0F0"/>
-              </a:solidFill>
-            </a:endParaRPr>
           </a:p>
         </p:txBody>
       </p:sp>
@@ -6448,7 +6392,7 @@
           <a:p>
             <a:pPr algn="just"/>
             <a:r>
-              <a:rPr lang="en-US" sz="1100" b="1" dirty="0" smtClean="0">
+              <a:rPr lang="en-US" sz="1100" b="1" dirty="0">
                 <a:latin typeface="Calibri (Body)"/>
               </a:rPr>
               <a:t>CÔNG TY CODEFRESHER VIỆT NAM</a:t>
@@ -6457,72 +6401,72 @@
           <a:p>
             <a:pPr algn="just"/>
             <a:r>
-              <a:rPr lang="en-US" sz="1100" i="1" dirty="0" err="1" smtClean="0">
+              <a:rPr lang="en-US" sz="1100" i="1" dirty="0" err="1">
                 <a:latin typeface="Calibri (Body)"/>
               </a:rPr>
               <a:t>Thực</a:t>
             </a:r>
             <a:r>
-              <a:rPr lang="en-US" sz="1100" i="1" dirty="0" smtClean="0">
-                <a:latin typeface="Calibri (Body)"/>
-              </a:rPr>
-              <a:t> </a:t>
-            </a:r>
-            <a:r>
-              <a:rPr lang="en-US" sz="1100" i="1" dirty="0" err="1" smtClean="0">
+              <a:rPr lang="en-US" sz="1100" i="1" dirty="0">
+                <a:latin typeface="Calibri (Body)"/>
+              </a:rPr>
+              <a:t> </a:t>
+            </a:r>
+            <a:r>
+              <a:rPr lang="en-US" sz="1100" i="1" dirty="0" err="1">
                 <a:latin typeface="Calibri (Body)"/>
               </a:rPr>
               <a:t>tập</a:t>
             </a:r>
             <a:r>
-              <a:rPr lang="en-US" sz="1100" i="1" dirty="0" smtClean="0">
-                <a:latin typeface="Calibri (Body)"/>
-              </a:rPr>
-              <a:t> </a:t>
-            </a:r>
-            <a:r>
-              <a:rPr lang="en-US" sz="1100" i="1" dirty="0" err="1" smtClean="0">
+              <a:rPr lang="en-US" sz="1100" i="1" dirty="0">
+                <a:latin typeface="Calibri (Body)"/>
+              </a:rPr>
+              <a:t> </a:t>
+            </a:r>
+            <a:r>
+              <a:rPr lang="en-US" sz="1100" i="1" dirty="0" err="1">
                 <a:latin typeface="Calibri (Body)"/>
               </a:rPr>
               <a:t>sinh</a:t>
             </a:r>
             <a:r>
-              <a:rPr lang="en-US" sz="1100" i="1" dirty="0" smtClean="0">
-                <a:latin typeface="Calibri (Body)"/>
-              </a:rPr>
-              <a:t> </a:t>
-            </a:r>
-            <a:r>
-              <a:rPr lang="en-US" sz="1100" i="1" dirty="0" err="1" smtClean="0">
+              <a:rPr lang="en-US" sz="1100" i="1" dirty="0">
+                <a:latin typeface="Calibri (Body)"/>
+              </a:rPr>
+              <a:t> </a:t>
+            </a:r>
+            <a:r>
+              <a:rPr lang="en-US" sz="1100" i="1" dirty="0" err="1">
                 <a:latin typeface="Calibri (Body)"/>
               </a:rPr>
               <a:t>lập</a:t>
             </a:r>
             <a:r>
-              <a:rPr lang="en-US" sz="1100" i="1" dirty="0" smtClean="0">
-                <a:latin typeface="Calibri (Body)"/>
-              </a:rPr>
-              <a:t> </a:t>
-            </a:r>
-            <a:r>
-              <a:rPr lang="en-US" sz="1100" i="1" dirty="0" err="1" smtClean="0">
+              <a:rPr lang="en-US" sz="1100" i="1" dirty="0">
+                <a:latin typeface="Calibri (Body)"/>
+              </a:rPr>
+              <a:t> </a:t>
+            </a:r>
+            <a:r>
+              <a:rPr lang="en-US" sz="1100" i="1" dirty="0" err="1">
                 <a:latin typeface="Calibri (Body)"/>
               </a:rPr>
               <a:t>trình</a:t>
             </a:r>
             <a:r>
-              <a:rPr lang="en-US" sz="1100" i="1" dirty="0" smtClean="0">
-                <a:latin typeface="Calibri (Body)"/>
-              </a:rPr>
-              <a:t> </a:t>
-            </a:r>
-            <a:r>
-              <a:rPr lang="en-US" sz="1100" i="1" dirty="0" err="1" smtClean="0">
+              <a:rPr lang="en-US" sz="1100" i="1" dirty="0">
+                <a:latin typeface="Calibri (Body)"/>
+              </a:rPr>
+              <a:t> </a:t>
+            </a:r>
+            <a:r>
+              <a:rPr lang="en-US" sz="1100" i="1" dirty="0" err="1">
                 <a:latin typeface="Calibri (Body)"/>
               </a:rPr>
               <a:t>Anhdroid</a:t>
             </a:r>
-            <a:endParaRPr lang="en-US" sz="1100" i="1" dirty="0" smtClean="0">
+            <a:endParaRPr lang="en-US" sz="1100" i="1" dirty="0">
               <a:latin typeface="Calibri (Body)"/>
             </a:endParaRPr>
           </a:p>
@@ -6535,55 +6479,55 @@
               <a:buChar char="•"/>
             </a:pPr>
             <a:r>
-              <a:rPr lang="en-US" sz="1100" b="1" dirty="0" err="1" smtClean="0">
+              <a:rPr lang="en-US" sz="1100" b="1" dirty="0" err="1">
                 <a:latin typeface="Calibri (Body)"/>
               </a:rPr>
               <a:t>Xây</a:t>
             </a:r>
             <a:r>
-              <a:rPr lang="en-US" sz="1100" b="1" dirty="0" smtClean="0">
-                <a:latin typeface="Calibri (Body)"/>
-              </a:rPr>
-              <a:t> </a:t>
-            </a:r>
-            <a:r>
-              <a:rPr lang="en-US" sz="1100" b="1" dirty="0" err="1" smtClean="0">
+              <a:rPr lang="en-US" sz="1100" b="1" dirty="0">
+                <a:latin typeface="Calibri (Body)"/>
+              </a:rPr>
+              <a:t> </a:t>
+            </a:r>
+            <a:r>
+              <a:rPr lang="en-US" sz="1100" b="1" dirty="0" err="1">
                 <a:latin typeface="Calibri (Body)"/>
               </a:rPr>
               <a:t>dựng</a:t>
             </a:r>
             <a:r>
-              <a:rPr lang="en-US" sz="1100" b="1" dirty="0" smtClean="0">
-                <a:latin typeface="Calibri (Body)"/>
-              </a:rPr>
-              <a:t> </a:t>
-            </a:r>
-            <a:r>
-              <a:rPr lang="en-US" sz="1100" b="1" dirty="0" err="1" smtClean="0">
+              <a:rPr lang="en-US" sz="1100" b="1" dirty="0">
+                <a:latin typeface="Calibri (Body)"/>
+              </a:rPr>
+              <a:t> </a:t>
+            </a:r>
+            <a:r>
+              <a:rPr lang="en-US" sz="1100" b="1" dirty="0" err="1">
                 <a:latin typeface="Calibri (Body)"/>
               </a:rPr>
               <a:t>ứng</a:t>
             </a:r>
             <a:r>
-              <a:rPr lang="en-US" sz="1100" b="1" dirty="0" smtClean="0">
-                <a:latin typeface="Calibri (Body)"/>
-              </a:rPr>
-              <a:t> </a:t>
-            </a:r>
-            <a:r>
-              <a:rPr lang="en-US" sz="1100" b="1" dirty="0" err="1" smtClean="0">
+              <a:rPr lang="en-US" sz="1100" b="1" dirty="0">
+                <a:latin typeface="Calibri (Body)"/>
+              </a:rPr>
+              <a:t> </a:t>
+            </a:r>
+            <a:r>
+              <a:rPr lang="en-US" sz="1100" b="1" dirty="0" err="1">
                 <a:latin typeface="Calibri (Body)"/>
               </a:rPr>
               <a:t>dụng</a:t>
             </a:r>
             <a:r>
-              <a:rPr lang="en-US" sz="1100" b="1" dirty="0" smtClean="0">
+              <a:rPr lang="en-US" sz="1100" b="1" dirty="0">
                 <a:latin typeface="Calibri (Body)"/>
               </a:rPr>
               <a:t>: </a:t>
             </a:r>
             <a:r>
-              <a:rPr lang="en-US" sz="1100" dirty="0" smtClean="0">
+              <a:rPr lang="en-US" sz="1100" dirty="0">
                 <a:latin typeface="Calibri (Body)"/>
               </a:rPr>
               <a:t>Video To Photo</a:t>
@@ -6595,85 +6539,85 @@
               <a:buChar char="•"/>
             </a:pPr>
             <a:r>
-              <a:rPr lang="en-US" sz="1100" b="1" dirty="0" err="1" smtClean="0">
+              <a:rPr lang="en-US" sz="1100" b="1" dirty="0" err="1">
                 <a:latin typeface="Calibri (Body)"/>
               </a:rPr>
               <a:t>Vị</a:t>
             </a:r>
             <a:r>
-              <a:rPr lang="en-US" sz="1100" b="1" dirty="0" smtClean="0">
-                <a:latin typeface="Calibri (Body)"/>
-              </a:rPr>
-              <a:t> </a:t>
-            </a:r>
-            <a:r>
-              <a:rPr lang="en-US" sz="1100" b="1" dirty="0" err="1" smtClean="0">
+              <a:rPr lang="en-US" sz="1100" b="1" dirty="0">
+                <a:latin typeface="Calibri (Body)"/>
+              </a:rPr>
+              <a:t> </a:t>
+            </a:r>
+            <a:r>
+              <a:rPr lang="en-US" sz="1100" b="1" dirty="0" err="1">
                 <a:latin typeface="Calibri (Body)"/>
               </a:rPr>
               <a:t>trí</a:t>
             </a:r>
             <a:r>
-              <a:rPr lang="en-US" sz="1100" b="1" dirty="0" smtClean="0">
-                <a:latin typeface="Calibri (Body)"/>
-              </a:rPr>
-              <a:t> </a:t>
-            </a:r>
-            <a:r>
-              <a:rPr lang="en-US" sz="1100" b="1" dirty="0" err="1" smtClean="0">
+              <a:rPr lang="en-US" sz="1100" b="1" dirty="0">
+                <a:latin typeface="Calibri (Body)"/>
+              </a:rPr>
+              <a:t> </a:t>
+            </a:r>
+            <a:r>
+              <a:rPr lang="en-US" sz="1100" b="1" dirty="0" err="1">
                 <a:latin typeface="Calibri (Body)"/>
               </a:rPr>
               <a:t>công</a:t>
             </a:r>
             <a:r>
-              <a:rPr lang="en-US" sz="1100" b="1" dirty="0" smtClean="0">
-                <a:latin typeface="Calibri (Body)"/>
-              </a:rPr>
-              <a:t> </a:t>
-            </a:r>
-            <a:r>
-              <a:rPr lang="en-US" sz="1100" b="1" dirty="0" err="1" smtClean="0">
+              <a:rPr lang="en-US" sz="1100" b="1" dirty="0">
+                <a:latin typeface="Calibri (Body)"/>
+              </a:rPr>
+              <a:t> </a:t>
+            </a:r>
+            <a:r>
+              <a:rPr lang="en-US" sz="1100" b="1" dirty="0" err="1">
                 <a:latin typeface="Calibri (Body)"/>
               </a:rPr>
               <a:t>việc</a:t>
             </a:r>
             <a:r>
-              <a:rPr lang="en-US" sz="1100" b="1" dirty="0" smtClean="0">
+              <a:rPr lang="en-US" sz="1100" b="1" dirty="0">
                 <a:latin typeface="Calibri (Body)"/>
               </a:rPr>
               <a:t>: </a:t>
             </a:r>
             <a:r>
-              <a:rPr lang="en-US" sz="1100" dirty="0" err="1" smtClean="0">
+              <a:rPr lang="en-US" sz="1100" dirty="0" err="1">
                 <a:latin typeface="Calibri (Body)"/>
               </a:rPr>
               <a:t>Lập</a:t>
             </a:r>
             <a:r>
-              <a:rPr lang="en-US" sz="1100" dirty="0" smtClean="0">
-                <a:latin typeface="Calibri (Body)"/>
-              </a:rPr>
-              <a:t> </a:t>
-            </a:r>
-            <a:r>
-              <a:rPr lang="en-US" sz="1100" dirty="0" err="1" smtClean="0">
+              <a:rPr lang="en-US" sz="1100" dirty="0">
+                <a:latin typeface="Calibri (Body)"/>
+              </a:rPr>
+              <a:t> </a:t>
+            </a:r>
+            <a:r>
+              <a:rPr lang="en-US" sz="1100" dirty="0" err="1">
                 <a:latin typeface="Calibri (Body)"/>
               </a:rPr>
               <a:t>trình</a:t>
             </a:r>
             <a:r>
-              <a:rPr lang="en-US" sz="1100" dirty="0" smtClean="0">
-                <a:latin typeface="Calibri (Body)"/>
-              </a:rPr>
-              <a:t> </a:t>
-            </a:r>
-            <a:r>
-              <a:rPr lang="en-US" sz="1100" dirty="0" err="1" smtClean="0">
+              <a:rPr lang="en-US" sz="1100" dirty="0">
+                <a:latin typeface="Calibri (Body)"/>
+              </a:rPr>
+              <a:t> </a:t>
+            </a:r>
+            <a:r>
+              <a:rPr lang="en-US" sz="1100" dirty="0" err="1">
                 <a:latin typeface="Calibri (Body)"/>
               </a:rPr>
               <a:t>viên</a:t>
             </a:r>
             <a:r>
-              <a:rPr lang="en-US" sz="1100" dirty="0" smtClean="0">
+              <a:rPr lang="en-US" sz="1100" dirty="0">
                 <a:latin typeface="Calibri (Body)"/>
               </a:rPr>
               <a:t>.</a:t>
@@ -6685,55 +6629,55 @@
               <a:buChar char="•"/>
             </a:pPr>
             <a:r>
-              <a:rPr lang="en-US" sz="1100" b="1" dirty="0" err="1" smtClean="0">
+              <a:rPr lang="en-US" sz="1100" b="1" dirty="0" err="1">
                 <a:latin typeface="Calibri (Body)"/>
               </a:rPr>
               <a:t>Công</a:t>
             </a:r>
             <a:r>
-              <a:rPr lang="en-US" sz="1100" b="1" dirty="0" smtClean="0">
-                <a:latin typeface="Calibri (Body)"/>
-              </a:rPr>
-              <a:t> </a:t>
-            </a:r>
-            <a:r>
-              <a:rPr lang="en-US" sz="1100" b="1" dirty="0" err="1" smtClean="0">
+              <a:rPr lang="en-US" sz="1100" b="1" dirty="0">
+                <a:latin typeface="Calibri (Body)"/>
+              </a:rPr>
+              <a:t> </a:t>
+            </a:r>
+            <a:r>
+              <a:rPr lang="en-US" sz="1100" b="1" dirty="0" err="1">
                 <a:latin typeface="Calibri (Body)"/>
               </a:rPr>
               <a:t>cụ</a:t>
             </a:r>
             <a:r>
-              <a:rPr lang="en-US" sz="1100" b="1" dirty="0" smtClean="0">
-                <a:latin typeface="Calibri (Body)"/>
-              </a:rPr>
-              <a:t> </a:t>
-            </a:r>
-            <a:r>
-              <a:rPr lang="en-US" sz="1100" b="1" dirty="0" err="1" smtClean="0">
+              <a:rPr lang="en-US" sz="1100" b="1" dirty="0">
+                <a:latin typeface="Calibri (Body)"/>
+              </a:rPr>
+              <a:t> </a:t>
+            </a:r>
+            <a:r>
+              <a:rPr lang="en-US" sz="1100" b="1" dirty="0" err="1">
                 <a:latin typeface="Calibri (Body)"/>
               </a:rPr>
               <a:t>sử</a:t>
             </a:r>
             <a:r>
-              <a:rPr lang="en-US" sz="1100" b="1" dirty="0" smtClean="0">
-                <a:latin typeface="Calibri (Body)"/>
-              </a:rPr>
-              <a:t> </a:t>
-            </a:r>
-            <a:r>
-              <a:rPr lang="en-US" sz="1100" b="1" dirty="0" err="1" smtClean="0">
+              <a:rPr lang="en-US" sz="1100" b="1" dirty="0">
+                <a:latin typeface="Calibri (Body)"/>
+              </a:rPr>
+              <a:t> </a:t>
+            </a:r>
+            <a:r>
+              <a:rPr lang="en-US" sz="1100" b="1" dirty="0" err="1">
                 <a:latin typeface="Calibri (Body)"/>
               </a:rPr>
               <a:t>dụng</a:t>
             </a:r>
             <a:r>
-              <a:rPr lang="en-US" sz="1100" b="1" dirty="0" smtClean="0">
+              <a:rPr lang="en-US" sz="1100" b="1" dirty="0">
                 <a:latin typeface="Calibri (Body)"/>
               </a:rPr>
               <a:t>: </a:t>
             </a:r>
             <a:r>
-              <a:rPr lang="en-US" sz="1100" dirty="0" smtClean="0">
+              <a:rPr lang="en-US" sz="1100" dirty="0">
                 <a:latin typeface="Calibri (Body)"/>
               </a:rPr>
               <a:t>Android Studio.</a:t>
@@ -6745,421 +6689,421 @@
               <a:buChar char="•"/>
             </a:pPr>
             <a:r>
-              <a:rPr lang="en-US" sz="1100" b="1" dirty="0" err="1" smtClean="0">
+              <a:rPr lang="en-US" sz="1100" b="1" dirty="0" err="1">
                 <a:latin typeface="Calibri (Body)"/>
               </a:rPr>
               <a:t>Mô</a:t>
             </a:r>
             <a:r>
-              <a:rPr lang="en-US" sz="1100" b="1" dirty="0" smtClean="0">
-                <a:latin typeface="Calibri (Body)"/>
-              </a:rPr>
-              <a:t> </a:t>
-            </a:r>
-            <a:r>
-              <a:rPr lang="en-US" sz="1100" b="1" dirty="0" err="1" smtClean="0">
+              <a:rPr lang="en-US" sz="1100" b="1" dirty="0">
+                <a:latin typeface="Calibri (Body)"/>
+              </a:rPr>
+              <a:t> </a:t>
+            </a:r>
+            <a:r>
+              <a:rPr lang="en-US" sz="1100" b="1" dirty="0" err="1">
                 <a:latin typeface="Calibri (Body)"/>
               </a:rPr>
               <a:t>tả</a:t>
             </a:r>
             <a:r>
-              <a:rPr lang="en-US" sz="1100" b="1" dirty="0" smtClean="0">
+              <a:rPr lang="en-US" sz="1100" b="1" dirty="0">
                 <a:latin typeface="Calibri (Body)"/>
               </a:rPr>
               <a:t>: </a:t>
             </a:r>
             <a:r>
-              <a:rPr lang="en-US" sz="1100" dirty="0" err="1" smtClean="0">
+              <a:rPr lang="en-US" sz="1100" dirty="0" err="1">
                 <a:latin typeface="Calibri (Body)"/>
               </a:rPr>
               <a:t>Ứng</a:t>
             </a:r>
             <a:r>
-              <a:rPr lang="en-US" sz="1100" dirty="0" smtClean="0">
-                <a:latin typeface="Calibri (Body)"/>
-              </a:rPr>
-              <a:t> </a:t>
-            </a:r>
-            <a:r>
-              <a:rPr lang="en-US" sz="1100" dirty="0" err="1" smtClean="0">
+              <a:rPr lang="en-US" sz="1100" dirty="0">
+                <a:latin typeface="Calibri (Body)"/>
+              </a:rPr>
+              <a:t> </a:t>
+            </a:r>
+            <a:r>
+              <a:rPr lang="en-US" sz="1100" dirty="0" err="1">
                 <a:latin typeface="Calibri (Body)"/>
               </a:rPr>
               <a:t>dụng</a:t>
             </a:r>
             <a:r>
-              <a:rPr lang="en-US" sz="1100" dirty="0" smtClean="0">
-                <a:latin typeface="Calibri (Body)"/>
-              </a:rPr>
-              <a:t> </a:t>
-            </a:r>
-            <a:r>
-              <a:rPr lang="en-US" sz="1100" dirty="0" err="1" smtClean="0">
+              <a:rPr lang="en-US" sz="1100" dirty="0">
+                <a:latin typeface="Calibri (Body)"/>
+              </a:rPr>
+              <a:t> </a:t>
+            </a:r>
+            <a:r>
+              <a:rPr lang="en-US" sz="1100" dirty="0" err="1">
                 <a:latin typeface="Calibri (Body)"/>
               </a:rPr>
               <a:t>tự</a:t>
             </a:r>
             <a:r>
-              <a:rPr lang="en-US" sz="1100" dirty="0" smtClean="0">
-                <a:latin typeface="Calibri (Body)"/>
-              </a:rPr>
-              <a:t> </a:t>
-            </a:r>
-            <a:r>
-              <a:rPr lang="en-US" sz="1100" dirty="0" err="1" smtClean="0">
+              <a:rPr lang="en-US" sz="1100" dirty="0">
+                <a:latin typeface="Calibri (Body)"/>
+              </a:rPr>
+              <a:t> </a:t>
+            </a:r>
+            <a:r>
+              <a:rPr lang="en-US" sz="1100" dirty="0" err="1">
                 <a:latin typeface="Calibri (Body)"/>
               </a:rPr>
               <a:t>động</a:t>
             </a:r>
             <a:r>
-              <a:rPr lang="en-US" sz="1100" dirty="0" smtClean="0">
-                <a:latin typeface="Calibri (Body)"/>
-              </a:rPr>
-              <a:t> </a:t>
-            </a:r>
-            <a:r>
-              <a:rPr lang="en-US" sz="1100" dirty="0" err="1" smtClean="0">
+              <a:rPr lang="en-US" sz="1100" dirty="0">
+                <a:latin typeface="Calibri (Body)"/>
+              </a:rPr>
+              <a:t> </a:t>
+            </a:r>
+            <a:r>
+              <a:rPr lang="en-US" sz="1100" dirty="0" err="1">
                 <a:latin typeface="Calibri (Body)"/>
               </a:rPr>
               <a:t>chụp</a:t>
             </a:r>
             <a:r>
-              <a:rPr lang="en-US" sz="1100" dirty="0" smtClean="0">
-                <a:latin typeface="Calibri (Body)"/>
-              </a:rPr>
-              <a:t> </a:t>
-            </a:r>
-            <a:r>
-              <a:rPr lang="en-US" sz="1100" dirty="0" err="1" smtClean="0">
+              <a:rPr lang="en-US" sz="1100" dirty="0">
+                <a:latin typeface="Calibri (Body)"/>
+              </a:rPr>
+              <a:t> </a:t>
+            </a:r>
+            <a:r>
+              <a:rPr lang="en-US" sz="1100" dirty="0" err="1">
                 <a:latin typeface="Calibri (Body)"/>
               </a:rPr>
               <a:t>tức</a:t>
             </a:r>
             <a:r>
-              <a:rPr lang="en-US" sz="1100" dirty="0" smtClean="0">
-                <a:latin typeface="Calibri (Body)"/>
-              </a:rPr>
-              <a:t> </a:t>
-            </a:r>
-            <a:r>
-              <a:rPr lang="en-US" sz="1100" dirty="0" err="1" smtClean="0">
+              <a:rPr lang="en-US" sz="1100" dirty="0">
+                <a:latin typeface="Calibri (Body)"/>
+              </a:rPr>
+              <a:t> </a:t>
+            </a:r>
+            <a:r>
+              <a:rPr lang="en-US" sz="1100" dirty="0" err="1">
                 <a:latin typeface="Calibri (Body)"/>
               </a:rPr>
               <a:t>thì</a:t>
             </a:r>
             <a:r>
-              <a:rPr lang="en-US" sz="1100" dirty="0" smtClean="0">
+              <a:rPr lang="en-US" sz="1100" dirty="0">
                 <a:latin typeface="Calibri (Body)"/>
               </a:rPr>
               <a:t> (</a:t>
             </a:r>
             <a:r>
-              <a:rPr lang="en-US" sz="1100" dirty="0" err="1" smtClean="0">
+              <a:rPr lang="en-US" sz="1100" dirty="0" err="1">
                 <a:latin typeface="Calibri (Body)"/>
               </a:rPr>
               <a:t>Khoảng</a:t>
             </a:r>
             <a:r>
-              <a:rPr lang="en-US" sz="1100" dirty="0" smtClean="0">
-                <a:latin typeface="Calibri (Body)"/>
-              </a:rPr>
-              <a:t> </a:t>
-            </a:r>
-            <a:r>
-              <a:rPr lang="en-US" sz="1100" dirty="0" err="1" smtClean="0">
+              <a:rPr lang="en-US" sz="1100" dirty="0">
+                <a:latin typeface="Calibri (Body)"/>
+              </a:rPr>
+              <a:t> </a:t>
+            </a:r>
+            <a:r>
+              <a:rPr lang="en-US" sz="1100" dirty="0" err="1">
                 <a:latin typeface="Calibri (Body)"/>
               </a:rPr>
               <a:t>thời</a:t>
             </a:r>
             <a:r>
-              <a:rPr lang="en-US" sz="1100" dirty="0" smtClean="0">
-                <a:latin typeface="Calibri (Body)"/>
-              </a:rPr>
-              <a:t> </a:t>
-            </a:r>
-            <a:r>
-              <a:rPr lang="en-US" sz="1100" dirty="0" err="1" smtClean="0">
+              <a:rPr lang="en-US" sz="1100" dirty="0">
+                <a:latin typeface="Calibri (Body)"/>
+              </a:rPr>
+              <a:t> </a:t>
+            </a:r>
+            <a:r>
+              <a:rPr lang="en-US" sz="1100" dirty="0" err="1">
                 <a:latin typeface="Calibri (Body)"/>
               </a:rPr>
               <a:t>gian</a:t>
             </a:r>
             <a:r>
-              <a:rPr lang="en-US" sz="1100" dirty="0" smtClean="0">
+              <a:rPr lang="en-US" sz="1100" dirty="0">
                 <a:latin typeface="Calibri (Body)"/>
               </a:rPr>
               <a:t>) </a:t>
             </a:r>
             <a:r>
-              <a:rPr lang="en-US" sz="1100" dirty="0" err="1" smtClean="0">
+              <a:rPr lang="en-US" sz="1100" dirty="0" err="1">
                 <a:latin typeface="Calibri (Body)"/>
               </a:rPr>
               <a:t>ảnh</a:t>
             </a:r>
             <a:r>
-              <a:rPr lang="en-US" sz="1100" dirty="0" smtClean="0">
-                <a:latin typeface="Calibri (Body)"/>
-              </a:rPr>
-              <a:t> </a:t>
-            </a:r>
-            <a:r>
-              <a:rPr lang="en-US" sz="1100" dirty="0" err="1" smtClean="0">
+              <a:rPr lang="en-US" sz="1100" dirty="0">
+                <a:latin typeface="Calibri (Body)"/>
+              </a:rPr>
+              <a:t> </a:t>
+            </a:r>
+            <a:r>
+              <a:rPr lang="en-US" sz="1100" dirty="0" err="1">
                 <a:latin typeface="Calibri (Body)"/>
               </a:rPr>
               <a:t>của</a:t>
             </a:r>
             <a:r>
-              <a:rPr lang="en-US" sz="1100" dirty="0" smtClean="0">
-                <a:latin typeface="Calibri (Body)"/>
-              </a:rPr>
-              <a:t> </a:t>
-            </a:r>
-            <a:r>
-              <a:rPr lang="en-US" sz="1100" dirty="0" err="1" smtClean="0">
+              <a:rPr lang="en-US" sz="1100" dirty="0">
+                <a:latin typeface="Calibri (Body)"/>
+              </a:rPr>
+              <a:t> </a:t>
+            </a:r>
+            <a:r>
+              <a:rPr lang="en-US" sz="1100" dirty="0" err="1">
                 <a:latin typeface="Calibri (Body)"/>
               </a:rPr>
               <a:t>những</a:t>
             </a:r>
             <a:r>
-              <a:rPr lang="en-US" sz="1100" dirty="0" smtClean="0">
-                <a:latin typeface="Calibri (Body)"/>
-              </a:rPr>
-              <a:t> </a:t>
-            </a:r>
-            <a:r>
-              <a:rPr lang="en-US" sz="1100" dirty="0" err="1" smtClean="0">
+              <a:rPr lang="en-US" sz="1100" dirty="0">
+                <a:latin typeface="Calibri (Body)"/>
+              </a:rPr>
+              <a:t> </a:t>
+            </a:r>
+            <a:r>
+              <a:rPr lang="en-US" sz="1100" dirty="0" err="1">
                 <a:latin typeface="Calibri (Body)"/>
               </a:rPr>
               <a:t>khoảnh</a:t>
             </a:r>
             <a:r>
-              <a:rPr lang="en-US" sz="1100" dirty="0" smtClean="0">
-                <a:latin typeface="Calibri (Body)"/>
-              </a:rPr>
-              <a:t> </a:t>
-            </a:r>
-            <a:r>
-              <a:rPr lang="en-US" sz="1100" dirty="0" err="1" smtClean="0">
+              <a:rPr lang="en-US" sz="1100" dirty="0">
+                <a:latin typeface="Calibri (Body)"/>
+              </a:rPr>
+              <a:t> </a:t>
+            </a:r>
+            <a:r>
+              <a:rPr lang="en-US" sz="1100" dirty="0" err="1">
                 <a:latin typeface="Calibri (Body)"/>
               </a:rPr>
               <a:t>khắc</a:t>
             </a:r>
             <a:r>
-              <a:rPr lang="en-US" sz="1100" dirty="0" smtClean="0">
-                <a:latin typeface="Calibri (Body)"/>
-              </a:rPr>
-              <a:t> </a:t>
-            </a:r>
-            <a:r>
-              <a:rPr lang="en-US" sz="1100" dirty="0" err="1" smtClean="0">
+              <a:rPr lang="en-US" sz="1100" dirty="0">
+                <a:latin typeface="Calibri (Body)"/>
+              </a:rPr>
+              <a:t> </a:t>
+            </a:r>
+            <a:r>
+              <a:rPr lang="en-US" sz="1100" dirty="0" err="1">
                 <a:latin typeface="Calibri (Body)"/>
               </a:rPr>
               <a:t>cụ</a:t>
             </a:r>
             <a:r>
-              <a:rPr lang="en-US" sz="1100" dirty="0" smtClean="0">
-                <a:latin typeface="Calibri (Body)"/>
-              </a:rPr>
-              <a:t> </a:t>
-            </a:r>
-            <a:r>
-              <a:rPr lang="en-US" sz="1100" dirty="0" err="1" smtClean="0">
+              <a:rPr lang="en-US" sz="1100" dirty="0">
+                <a:latin typeface="Calibri (Body)"/>
+              </a:rPr>
+              <a:t> </a:t>
+            </a:r>
+            <a:r>
+              <a:rPr lang="en-US" sz="1100" dirty="0" err="1">
                 <a:latin typeface="Calibri (Body)"/>
               </a:rPr>
               <a:t>thể</a:t>
             </a:r>
             <a:r>
-              <a:rPr lang="en-US" sz="1100" dirty="0" smtClean="0">
-                <a:latin typeface="Calibri (Body)"/>
-              </a:rPr>
-              <a:t> </a:t>
-            </a:r>
-            <a:r>
-              <a:rPr lang="en-US" sz="1100" dirty="0" err="1" smtClean="0">
+              <a:rPr lang="en-US" sz="1100" dirty="0">
+                <a:latin typeface="Calibri (Body)"/>
+              </a:rPr>
+              <a:t> </a:t>
+            </a:r>
+            <a:r>
+              <a:rPr lang="en-US" sz="1100" dirty="0" err="1">
                 <a:latin typeface="Calibri (Body)"/>
               </a:rPr>
               <a:t>trong</a:t>
             </a:r>
             <a:r>
-              <a:rPr lang="en-US" sz="1100" dirty="0" smtClean="0">
-                <a:latin typeface="Calibri (Body)"/>
-              </a:rPr>
-              <a:t> </a:t>
-            </a:r>
-            <a:r>
-              <a:rPr lang="en-US" sz="1100" dirty="0" err="1" smtClean="0">
+              <a:rPr lang="en-US" sz="1100" dirty="0">
+                <a:latin typeface="Calibri (Body)"/>
+              </a:rPr>
+              <a:t> </a:t>
+            </a:r>
+            <a:r>
+              <a:rPr lang="en-US" sz="1100" dirty="0" err="1">
                 <a:latin typeface="Calibri (Body)"/>
               </a:rPr>
               <a:t>khi</a:t>
             </a:r>
             <a:r>
-              <a:rPr lang="en-US" sz="1100" dirty="0" smtClean="0">
+              <a:rPr lang="en-US" sz="1100" dirty="0">
                 <a:latin typeface="Calibri (Body)"/>
               </a:rPr>
               <a:t> video </a:t>
             </a:r>
             <a:r>
-              <a:rPr lang="en-US" sz="1100" dirty="0" err="1" smtClean="0">
+              <a:rPr lang="en-US" sz="1100" dirty="0" err="1">
                 <a:latin typeface="Calibri (Body)"/>
               </a:rPr>
               <a:t>đang</a:t>
             </a:r>
             <a:r>
-              <a:rPr lang="en-US" sz="1100" dirty="0" smtClean="0">
-                <a:latin typeface="Calibri (Body)"/>
-              </a:rPr>
-              <a:t> </a:t>
-            </a:r>
-            <a:r>
-              <a:rPr lang="en-US" sz="1100" dirty="0" err="1" smtClean="0">
+              <a:rPr lang="en-US" sz="1100" dirty="0">
+                <a:latin typeface="Calibri (Body)"/>
+              </a:rPr>
+              <a:t> </a:t>
+            </a:r>
+            <a:r>
+              <a:rPr lang="en-US" sz="1100" dirty="0" err="1">
                 <a:latin typeface="Calibri (Body)"/>
               </a:rPr>
               <a:t>phát</a:t>
             </a:r>
             <a:r>
-              <a:rPr lang="en-US" sz="1100" dirty="0" smtClean="0">
+              <a:rPr lang="en-US" sz="1100" dirty="0">
                 <a:latin typeface="Calibri (Body)"/>
               </a:rPr>
               <a:t>. </a:t>
             </a:r>
             <a:r>
-              <a:rPr lang="en-US" sz="1100" dirty="0" err="1" smtClean="0">
+              <a:rPr lang="en-US" sz="1100" dirty="0" err="1">
                 <a:latin typeface="Calibri (Body)"/>
               </a:rPr>
               <a:t>Lưu</a:t>
             </a:r>
             <a:r>
-              <a:rPr lang="en-US" sz="1100" dirty="0" smtClean="0">
-                <a:latin typeface="Calibri (Body)"/>
-              </a:rPr>
-              <a:t> </a:t>
-            </a:r>
-            <a:r>
-              <a:rPr lang="en-US" sz="1100" dirty="0" err="1" smtClean="0">
+              <a:rPr lang="en-US" sz="1100" dirty="0">
+                <a:latin typeface="Calibri (Body)"/>
+              </a:rPr>
+              <a:t> </a:t>
+            </a:r>
+            <a:r>
+              <a:rPr lang="en-US" sz="1100" dirty="0" err="1">
                 <a:latin typeface="Calibri (Body)"/>
               </a:rPr>
               <a:t>giữ</a:t>
             </a:r>
             <a:r>
-              <a:rPr lang="en-US" sz="1100" dirty="0" smtClean="0">
-                <a:latin typeface="Calibri (Body)"/>
-              </a:rPr>
-              <a:t> </a:t>
-            </a:r>
-            <a:r>
-              <a:rPr lang="en-US" sz="1100" dirty="0" err="1" smtClean="0">
+              <a:rPr lang="en-US" sz="1100" dirty="0">
+                <a:latin typeface="Calibri (Body)"/>
+              </a:rPr>
+              <a:t> </a:t>
+            </a:r>
+            <a:r>
+              <a:rPr lang="en-US" sz="1100" dirty="0" err="1">
                 <a:latin typeface="Calibri (Body)"/>
               </a:rPr>
               <a:t>và</a:t>
             </a:r>
             <a:r>
-              <a:rPr lang="en-US" sz="1100" dirty="0" smtClean="0">
-                <a:latin typeface="Calibri (Body)"/>
-              </a:rPr>
-              <a:t> </a:t>
-            </a:r>
-            <a:r>
-              <a:rPr lang="en-US" sz="1100" dirty="0" err="1" smtClean="0">
+              <a:rPr lang="en-US" sz="1100" dirty="0">
+                <a:latin typeface="Calibri (Body)"/>
+              </a:rPr>
+              <a:t> </a:t>
+            </a:r>
+            <a:r>
+              <a:rPr lang="en-US" sz="1100" dirty="0" err="1">
                 <a:latin typeface="Calibri (Body)"/>
               </a:rPr>
               <a:t>sắp</a:t>
             </a:r>
             <a:r>
-              <a:rPr lang="en-US" sz="1100" dirty="0" smtClean="0">
-                <a:latin typeface="Calibri (Body)"/>
-              </a:rPr>
-              <a:t> </a:t>
-            </a:r>
-            <a:r>
-              <a:rPr lang="en-US" sz="1100" dirty="0" err="1" smtClean="0">
+              <a:rPr lang="en-US" sz="1100" dirty="0">
+                <a:latin typeface="Calibri (Body)"/>
+              </a:rPr>
+              <a:t> </a:t>
+            </a:r>
+            <a:r>
+              <a:rPr lang="en-US" sz="1100" dirty="0" err="1">
                 <a:latin typeface="Calibri (Body)"/>
               </a:rPr>
               <a:t>xếp</a:t>
             </a:r>
             <a:r>
-              <a:rPr lang="en-US" sz="1100" dirty="0" smtClean="0">
-                <a:latin typeface="Calibri (Body)"/>
-              </a:rPr>
-              <a:t> </a:t>
-            </a:r>
-            <a:r>
-              <a:rPr lang="en-US" sz="1100" dirty="0" err="1" smtClean="0">
+              <a:rPr lang="en-US" sz="1100" dirty="0">
+                <a:latin typeface="Calibri (Body)"/>
+              </a:rPr>
+              <a:t> </a:t>
+            </a:r>
+            <a:r>
+              <a:rPr lang="en-US" sz="1100" dirty="0" err="1">
                 <a:latin typeface="Calibri (Body)"/>
               </a:rPr>
               <a:t>ảnh</a:t>
             </a:r>
             <a:r>
-              <a:rPr lang="en-US" sz="1100" dirty="0" smtClean="0">
-                <a:latin typeface="Calibri (Body)"/>
-              </a:rPr>
-              <a:t> </a:t>
-            </a:r>
-            <a:r>
-              <a:rPr lang="en-US" sz="1100" dirty="0" err="1" smtClean="0">
+              <a:rPr lang="en-US" sz="1100" dirty="0">
+                <a:latin typeface="Calibri (Body)"/>
+              </a:rPr>
+              <a:t> </a:t>
+            </a:r>
+            <a:r>
+              <a:rPr lang="en-US" sz="1100" dirty="0" err="1">
                 <a:latin typeface="Calibri (Body)"/>
               </a:rPr>
               <a:t>đã</a:t>
             </a:r>
             <a:r>
-              <a:rPr lang="en-US" sz="1100" dirty="0" smtClean="0">
-                <a:latin typeface="Calibri (Body)"/>
-              </a:rPr>
-              <a:t> </a:t>
-            </a:r>
-            <a:r>
-              <a:rPr lang="en-US" sz="1100" dirty="0" err="1" smtClean="0">
+              <a:rPr lang="en-US" sz="1100" dirty="0">
+                <a:latin typeface="Calibri (Body)"/>
+              </a:rPr>
+              <a:t> </a:t>
+            </a:r>
+            <a:r>
+              <a:rPr lang="en-US" sz="1100" dirty="0" err="1">
                 <a:latin typeface="Calibri (Body)"/>
               </a:rPr>
               <a:t>chuyển</a:t>
             </a:r>
             <a:r>
-              <a:rPr lang="en-US" sz="1100" dirty="0" smtClean="0">
-                <a:latin typeface="Calibri (Body)"/>
-              </a:rPr>
-              <a:t> </a:t>
-            </a:r>
-            <a:r>
-              <a:rPr lang="en-US" sz="1100" dirty="0" err="1" smtClean="0">
+              <a:rPr lang="en-US" sz="1100" dirty="0">
+                <a:latin typeface="Calibri (Body)"/>
+              </a:rPr>
+              <a:t> </a:t>
+            </a:r>
+            <a:r>
+              <a:rPr lang="en-US" sz="1100" dirty="0" err="1">
                 <a:latin typeface="Calibri (Body)"/>
               </a:rPr>
               <a:t>đổi</a:t>
             </a:r>
             <a:r>
-              <a:rPr lang="en-US" sz="1100" dirty="0" smtClean="0">
-                <a:latin typeface="Calibri (Body)"/>
-              </a:rPr>
-              <a:t> </a:t>
-            </a:r>
-            <a:r>
-              <a:rPr lang="en-US" sz="1100" dirty="0" err="1" smtClean="0">
+              <a:rPr lang="en-US" sz="1100" dirty="0">
+                <a:latin typeface="Calibri (Body)"/>
+              </a:rPr>
+              <a:t> </a:t>
+            </a:r>
+            <a:r>
+              <a:rPr lang="en-US" sz="1100" dirty="0" err="1">
                 <a:latin typeface="Calibri (Body)"/>
               </a:rPr>
               <a:t>vào</a:t>
             </a:r>
             <a:r>
-              <a:rPr lang="en-US" sz="1100" dirty="0" smtClean="0">
-                <a:latin typeface="Calibri (Body)"/>
-              </a:rPr>
-              <a:t> </a:t>
-            </a:r>
-            <a:r>
-              <a:rPr lang="en-US" sz="1100" dirty="0" err="1" smtClean="0">
+              <a:rPr lang="en-US" sz="1100" dirty="0">
+                <a:latin typeface="Calibri (Body)"/>
+              </a:rPr>
+              <a:t> </a:t>
+            </a:r>
+            <a:r>
+              <a:rPr lang="en-US" sz="1100" dirty="0" err="1">
                 <a:latin typeface="Calibri (Body)"/>
               </a:rPr>
               <a:t>bộ</a:t>
             </a:r>
             <a:r>
-              <a:rPr lang="en-US" sz="1100" dirty="0" smtClean="0">
-                <a:latin typeface="Calibri (Body)"/>
-              </a:rPr>
-              <a:t> </a:t>
-            </a:r>
-            <a:r>
-              <a:rPr lang="en-US" sz="1100" dirty="0" err="1" smtClean="0">
+              <a:rPr lang="en-US" sz="1100" dirty="0">
+                <a:latin typeface="Calibri (Body)"/>
+              </a:rPr>
+              <a:t> </a:t>
+            </a:r>
+            <a:r>
+              <a:rPr lang="en-US" sz="1100" dirty="0" err="1">
                 <a:latin typeface="Calibri (Body)"/>
               </a:rPr>
               <a:t>nhớ</a:t>
             </a:r>
             <a:r>
-              <a:rPr lang="en-US" sz="1100" dirty="0" smtClean="0">
+              <a:rPr lang="en-US" sz="1100" dirty="0">
                 <a:latin typeface="Calibri (Body)"/>
               </a:rPr>
               <a:t>.</a:t>
@@ -7171,361 +7115,361 @@
               <a:buChar char="•"/>
             </a:pPr>
             <a:r>
-              <a:rPr lang="en-US" sz="1100" b="1" dirty="0" err="1" smtClean="0">
+              <a:rPr lang="en-US" sz="1100" b="1" dirty="0" err="1">
                 <a:latin typeface="Calibri (Body)"/>
               </a:rPr>
               <a:t>Kinh</a:t>
             </a:r>
             <a:r>
-              <a:rPr lang="en-US" sz="1100" b="1" dirty="0" smtClean="0">
-                <a:latin typeface="Calibri (Body)"/>
-              </a:rPr>
-              <a:t> </a:t>
-            </a:r>
-            <a:r>
-              <a:rPr lang="en-US" sz="1100" b="1" dirty="0" err="1" smtClean="0">
+              <a:rPr lang="en-US" sz="1100" b="1" dirty="0">
+                <a:latin typeface="Calibri (Body)"/>
+              </a:rPr>
+              <a:t> </a:t>
+            </a:r>
+            <a:r>
+              <a:rPr lang="en-US" sz="1100" b="1" dirty="0" err="1">
                 <a:latin typeface="Calibri (Body)"/>
               </a:rPr>
               <a:t>nghiệm</a:t>
             </a:r>
             <a:r>
-              <a:rPr lang="en-US" sz="1100" b="1" dirty="0" smtClean="0">
+              <a:rPr lang="en-US" sz="1100" b="1" dirty="0">
                 <a:latin typeface="Calibri (Body)"/>
               </a:rPr>
               <a:t>: </a:t>
             </a:r>
             <a:r>
-              <a:rPr lang="en-US" sz="1100" dirty="0" err="1" smtClean="0">
+              <a:rPr lang="en-US" sz="1100" dirty="0" err="1">
                 <a:latin typeface="Calibri (Body)"/>
               </a:rPr>
               <a:t>Nâng</a:t>
             </a:r>
             <a:r>
-              <a:rPr lang="en-US" sz="1100" dirty="0" smtClean="0">
-                <a:latin typeface="Calibri (Body)"/>
-              </a:rPr>
-              <a:t> </a:t>
-            </a:r>
-            <a:r>
-              <a:rPr lang="en-US" sz="1100" dirty="0" err="1" smtClean="0">
+              <a:rPr lang="en-US" sz="1100" dirty="0">
+                <a:latin typeface="Calibri (Body)"/>
+              </a:rPr>
+              <a:t> </a:t>
+            </a:r>
+            <a:r>
+              <a:rPr lang="en-US" sz="1100" dirty="0" err="1">
                 <a:latin typeface="Calibri (Body)"/>
               </a:rPr>
               <a:t>cao</a:t>
             </a:r>
             <a:r>
-              <a:rPr lang="en-US" sz="1100" dirty="0" smtClean="0">
-                <a:latin typeface="Calibri (Body)"/>
-              </a:rPr>
-              <a:t> </a:t>
-            </a:r>
-            <a:r>
-              <a:rPr lang="en-US" sz="1100" dirty="0" err="1" smtClean="0">
+              <a:rPr lang="en-US" sz="1100" dirty="0">
+                <a:latin typeface="Calibri (Body)"/>
+              </a:rPr>
+              <a:t> </a:t>
+            </a:r>
+            <a:r>
+              <a:rPr lang="en-US" sz="1100" dirty="0" err="1">
                 <a:latin typeface="Calibri (Body)"/>
               </a:rPr>
               <a:t>kỹ</a:t>
             </a:r>
             <a:r>
-              <a:rPr lang="en-US" sz="1100" dirty="0" smtClean="0">
-                <a:latin typeface="Calibri (Body)"/>
-              </a:rPr>
-              <a:t> </a:t>
-            </a:r>
-            <a:r>
-              <a:rPr lang="en-US" sz="1100" dirty="0" err="1" smtClean="0">
+              <a:rPr lang="en-US" sz="1100" dirty="0">
+                <a:latin typeface="Calibri (Body)"/>
+              </a:rPr>
+              <a:t> </a:t>
+            </a:r>
+            <a:r>
+              <a:rPr lang="en-US" sz="1100" dirty="0" err="1">
                 <a:latin typeface="Calibri (Body)"/>
               </a:rPr>
               <a:t>năng</a:t>
             </a:r>
             <a:r>
-              <a:rPr lang="en-US" sz="1100" dirty="0" smtClean="0">
-                <a:latin typeface="Calibri (Body)"/>
-              </a:rPr>
-              <a:t> </a:t>
-            </a:r>
-            <a:r>
-              <a:rPr lang="en-US" sz="1100" dirty="0" err="1" smtClean="0">
+              <a:rPr lang="en-US" sz="1100" dirty="0">
+                <a:latin typeface="Calibri (Body)"/>
+              </a:rPr>
+              <a:t> </a:t>
+            </a:r>
+            <a:r>
+              <a:rPr lang="en-US" sz="1100" dirty="0" err="1">
                 <a:latin typeface="Calibri (Body)"/>
               </a:rPr>
               <a:t>sửa</a:t>
             </a:r>
             <a:r>
-              <a:rPr lang="en-US" sz="1100" dirty="0" smtClean="0">
-                <a:latin typeface="Calibri (Body)"/>
-              </a:rPr>
-              <a:t> </a:t>
-            </a:r>
-            <a:r>
-              <a:rPr lang="en-US" sz="1100" dirty="0" err="1" smtClean="0">
+              <a:rPr lang="en-US" sz="1100" dirty="0">
+                <a:latin typeface="Calibri (Body)"/>
+              </a:rPr>
+              <a:t> </a:t>
+            </a:r>
+            <a:r>
+              <a:rPr lang="en-US" sz="1100" dirty="0" err="1">
                 <a:latin typeface="Calibri (Body)"/>
               </a:rPr>
               <a:t>lỗi</a:t>
             </a:r>
             <a:r>
-              <a:rPr lang="en-US" sz="1100" dirty="0" smtClean="0">
+              <a:rPr lang="en-US" sz="1100" dirty="0">
                 <a:latin typeface="Calibri (Body)"/>
               </a:rPr>
               <a:t>, </a:t>
             </a:r>
             <a:r>
-              <a:rPr lang="en-US" sz="1100" dirty="0" err="1" smtClean="0">
+              <a:rPr lang="en-US" sz="1100" dirty="0" err="1">
                 <a:latin typeface="Calibri (Body)"/>
               </a:rPr>
               <a:t>biết</a:t>
             </a:r>
             <a:r>
-              <a:rPr lang="en-US" sz="1100" dirty="0" smtClean="0">
-                <a:latin typeface="Calibri (Body)"/>
-              </a:rPr>
-              <a:t> </a:t>
-            </a:r>
-            <a:r>
-              <a:rPr lang="en-US" sz="1100" dirty="0" err="1" smtClean="0">
+              <a:rPr lang="en-US" sz="1100" dirty="0">
+                <a:latin typeface="Calibri (Body)"/>
+              </a:rPr>
+              <a:t> </a:t>
+            </a:r>
+            <a:r>
+              <a:rPr lang="en-US" sz="1100" dirty="0" err="1">
                 <a:latin typeface="Calibri (Body)"/>
               </a:rPr>
               <a:t>cách</a:t>
             </a:r>
             <a:r>
-              <a:rPr lang="en-US" sz="1100" dirty="0" smtClean="0">
-                <a:latin typeface="Calibri (Body)"/>
-              </a:rPr>
-              <a:t> </a:t>
-            </a:r>
-            <a:r>
-              <a:rPr lang="en-US" sz="1100" dirty="0" err="1" smtClean="0">
+              <a:rPr lang="en-US" sz="1100" dirty="0">
+                <a:latin typeface="Calibri (Body)"/>
+              </a:rPr>
+              <a:t> </a:t>
+            </a:r>
+            <a:r>
+              <a:rPr lang="en-US" sz="1100" dirty="0" err="1">
                 <a:latin typeface="Calibri (Body)"/>
               </a:rPr>
               <a:t>sắp</a:t>
             </a:r>
             <a:r>
-              <a:rPr lang="en-US" sz="1100" dirty="0" smtClean="0">
-                <a:latin typeface="Calibri (Body)"/>
-              </a:rPr>
-              <a:t> </a:t>
-            </a:r>
-            <a:r>
-              <a:rPr lang="en-US" sz="1100" dirty="0" err="1" smtClean="0">
+              <a:rPr lang="en-US" sz="1100" dirty="0">
+                <a:latin typeface="Calibri (Body)"/>
+              </a:rPr>
+              <a:t> </a:t>
+            </a:r>
+            <a:r>
+              <a:rPr lang="en-US" sz="1100" dirty="0" err="1">
                 <a:latin typeface="Calibri (Body)"/>
               </a:rPr>
               <a:t>xếp</a:t>
             </a:r>
             <a:r>
-              <a:rPr lang="en-US" sz="1100" dirty="0" smtClean="0">
+              <a:rPr lang="en-US" sz="1100" dirty="0">
                 <a:latin typeface="Calibri (Body)"/>
               </a:rPr>
               <a:t> code </a:t>
             </a:r>
             <a:r>
-              <a:rPr lang="en-US" sz="1100" dirty="0" err="1" smtClean="0">
+              <a:rPr lang="en-US" sz="1100" dirty="0" err="1">
                 <a:latin typeface="Calibri (Body)"/>
               </a:rPr>
               <a:t>gọn</a:t>
             </a:r>
             <a:r>
-              <a:rPr lang="en-US" sz="1100" dirty="0" smtClean="0">
-                <a:latin typeface="Calibri (Body)"/>
-              </a:rPr>
-              <a:t> </a:t>
-            </a:r>
-            <a:r>
-              <a:rPr lang="en-US" sz="1100" dirty="0" err="1" smtClean="0">
+              <a:rPr lang="en-US" sz="1100" dirty="0">
+                <a:latin typeface="Calibri (Body)"/>
+              </a:rPr>
+              <a:t> </a:t>
+            </a:r>
+            <a:r>
+              <a:rPr lang="en-US" sz="1100" dirty="0" err="1">
                 <a:latin typeface="Calibri (Body)"/>
               </a:rPr>
               <a:t>gàng</a:t>
             </a:r>
             <a:r>
-              <a:rPr lang="en-US" sz="1100" dirty="0" smtClean="0">
-                <a:latin typeface="Calibri (Body)"/>
-              </a:rPr>
-              <a:t> </a:t>
-            </a:r>
-            <a:r>
-              <a:rPr lang="en-US" sz="1100" dirty="0" err="1" smtClean="0">
+              <a:rPr lang="en-US" sz="1100" dirty="0">
+                <a:latin typeface="Calibri (Body)"/>
+              </a:rPr>
+              <a:t> </a:t>
+            </a:r>
+            <a:r>
+              <a:rPr lang="en-US" sz="1100" dirty="0" err="1">
                 <a:latin typeface="Calibri (Body)"/>
               </a:rPr>
               <a:t>hợp</a:t>
             </a:r>
             <a:r>
-              <a:rPr lang="en-US" sz="1100" dirty="0" smtClean="0">
-                <a:latin typeface="Calibri (Body)"/>
-              </a:rPr>
-              <a:t> </a:t>
-            </a:r>
-            <a:r>
-              <a:rPr lang="en-US" sz="1100" dirty="0" err="1" smtClean="0">
+              <a:rPr lang="en-US" sz="1100" dirty="0">
+                <a:latin typeface="Calibri (Body)"/>
+              </a:rPr>
+              <a:t> </a:t>
+            </a:r>
+            <a:r>
+              <a:rPr lang="en-US" sz="1100" dirty="0" err="1">
                 <a:latin typeface="Calibri (Body)"/>
               </a:rPr>
               <a:t>lý</a:t>
             </a:r>
             <a:r>
-              <a:rPr lang="en-US" sz="1100" dirty="0" smtClean="0">
+              <a:rPr lang="en-US" sz="1100" dirty="0">
                 <a:latin typeface="Calibri (Body)"/>
               </a:rPr>
               <a:t>, </a:t>
             </a:r>
             <a:r>
-              <a:rPr lang="en-US" sz="1100" dirty="0" err="1" smtClean="0">
+              <a:rPr lang="en-US" sz="1100" dirty="0" err="1">
                 <a:latin typeface="Calibri (Body)"/>
               </a:rPr>
               <a:t>làm</a:t>
             </a:r>
             <a:r>
-              <a:rPr lang="en-US" sz="1100" dirty="0" smtClean="0">
-                <a:latin typeface="Calibri (Body)"/>
-              </a:rPr>
-              <a:t> </a:t>
-            </a:r>
-            <a:r>
-              <a:rPr lang="en-US" sz="1100" dirty="0" err="1" smtClean="0">
+              <a:rPr lang="en-US" sz="1100" dirty="0">
+                <a:latin typeface="Calibri (Body)"/>
+              </a:rPr>
+              <a:t> </a:t>
+            </a:r>
+            <a:r>
+              <a:rPr lang="en-US" sz="1100" dirty="0" err="1">
                 <a:latin typeface="Calibri (Body)"/>
               </a:rPr>
               <a:t>quen</a:t>
             </a:r>
             <a:r>
-              <a:rPr lang="en-US" sz="1100" dirty="0" smtClean="0">
-                <a:latin typeface="Calibri (Body)"/>
-              </a:rPr>
-              <a:t> </a:t>
-            </a:r>
-            <a:r>
-              <a:rPr lang="en-US" sz="1100" dirty="0" err="1" smtClean="0">
+              <a:rPr lang="en-US" sz="1100" dirty="0">
+                <a:latin typeface="Calibri (Body)"/>
+              </a:rPr>
+              <a:t> </a:t>
+            </a:r>
+            <a:r>
+              <a:rPr lang="en-US" sz="1100" dirty="0" err="1">
                 <a:latin typeface="Calibri (Body)"/>
               </a:rPr>
               <a:t>với</a:t>
             </a:r>
             <a:r>
-              <a:rPr lang="en-US" sz="1100" dirty="0" smtClean="0">
-                <a:latin typeface="Calibri (Body)"/>
-              </a:rPr>
-              <a:t> </a:t>
-            </a:r>
-            <a:r>
-              <a:rPr lang="en-US" sz="1100" dirty="0" err="1" smtClean="0">
+              <a:rPr lang="en-US" sz="1100" dirty="0">
+                <a:latin typeface="Calibri (Body)"/>
+              </a:rPr>
+              <a:t> </a:t>
+            </a:r>
+            <a:r>
+              <a:rPr lang="en-US" sz="1100" dirty="0" err="1">
                 <a:latin typeface="Calibri (Body)"/>
               </a:rPr>
               <a:t>một</a:t>
             </a:r>
             <a:r>
-              <a:rPr lang="en-US" sz="1100" dirty="0" smtClean="0">
-                <a:latin typeface="Calibri (Body)"/>
-              </a:rPr>
-              <a:t> </a:t>
-            </a:r>
-            <a:r>
-              <a:rPr lang="en-US" sz="1100" dirty="0" err="1" smtClean="0">
+              <a:rPr lang="en-US" sz="1100" dirty="0">
+                <a:latin typeface="Calibri (Body)"/>
+              </a:rPr>
+              <a:t> </a:t>
+            </a:r>
+            <a:r>
+              <a:rPr lang="en-US" sz="1100" dirty="0" err="1">
                 <a:latin typeface="Calibri (Body)"/>
               </a:rPr>
               <a:t>số</a:t>
             </a:r>
             <a:r>
-              <a:rPr lang="en-US" sz="1100" dirty="0" smtClean="0">
-                <a:latin typeface="Calibri (Body)"/>
-              </a:rPr>
-              <a:t> </a:t>
-            </a:r>
-            <a:r>
-              <a:rPr lang="en-US" sz="1100" dirty="0" err="1" smtClean="0">
+              <a:rPr lang="en-US" sz="1100" dirty="0">
+                <a:latin typeface="Calibri (Body)"/>
+              </a:rPr>
+              <a:t> </a:t>
+            </a:r>
+            <a:r>
+              <a:rPr lang="en-US" sz="1100" dirty="0" err="1">
                 <a:latin typeface="Calibri (Body)"/>
               </a:rPr>
               <a:t>thư</a:t>
             </a:r>
             <a:r>
-              <a:rPr lang="en-US" sz="1100" dirty="0" smtClean="0">
-                <a:latin typeface="Calibri (Body)"/>
-              </a:rPr>
-              <a:t> </a:t>
-            </a:r>
-            <a:r>
-              <a:rPr lang="en-US" sz="1100" dirty="0" err="1" smtClean="0">
+              <a:rPr lang="en-US" sz="1100" dirty="0">
+                <a:latin typeface="Calibri (Body)"/>
+              </a:rPr>
+              <a:t> </a:t>
+            </a:r>
+            <a:r>
+              <a:rPr lang="en-US" sz="1100" dirty="0" err="1">
                 <a:latin typeface="Calibri (Body)"/>
               </a:rPr>
               <a:t>viện</a:t>
             </a:r>
             <a:r>
-              <a:rPr lang="en-US" sz="1100" dirty="0" smtClean="0">
-                <a:latin typeface="Calibri (Body)"/>
-              </a:rPr>
-              <a:t> </a:t>
-            </a:r>
-            <a:r>
-              <a:rPr lang="en-US" sz="1100" dirty="0" err="1" smtClean="0">
+              <a:rPr lang="en-US" sz="1100" dirty="0">
+                <a:latin typeface="Calibri (Body)"/>
+              </a:rPr>
+              <a:t> </a:t>
+            </a:r>
+            <a:r>
+              <a:rPr lang="en-US" sz="1100" dirty="0" err="1">
                 <a:latin typeface="Calibri (Body)"/>
               </a:rPr>
               <a:t>cắt</a:t>
             </a:r>
             <a:r>
-              <a:rPr lang="en-US" sz="1100" dirty="0" smtClean="0">
-                <a:latin typeface="Calibri (Body)"/>
-              </a:rPr>
-              <a:t> </a:t>
-            </a:r>
-            <a:r>
-              <a:rPr lang="en-US" sz="1100" dirty="0" err="1" smtClean="0">
+              <a:rPr lang="en-US" sz="1100" dirty="0">
+                <a:latin typeface="Calibri (Body)"/>
+              </a:rPr>
+              <a:t> </a:t>
+            </a:r>
+            <a:r>
+              <a:rPr lang="en-US" sz="1100" dirty="0" err="1">
                 <a:latin typeface="Calibri (Body)"/>
               </a:rPr>
               <a:t>ghép</a:t>
             </a:r>
             <a:r>
-              <a:rPr lang="en-US" sz="1100" dirty="0" smtClean="0">
+              <a:rPr lang="en-US" sz="1100" dirty="0">
                 <a:latin typeface="Calibri (Body)"/>
               </a:rPr>
               <a:t> video </a:t>
             </a:r>
             <a:r>
-              <a:rPr lang="en-US" sz="1100" dirty="0" err="1" smtClean="0">
+              <a:rPr lang="en-US" sz="1100" dirty="0" err="1">
                 <a:latin typeface="Calibri (Body)"/>
               </a:rPr>
               <a:t>và</a:t>
             </a:r>
             <a:r>
-              <a:rPr lang="en-US" sz="1100" dirty="0" smtClean="0">
-                <a:latin typeface="Calibri (Body)"/>
-              </a:rPr>
-              <a:t> </a:t>
-            </a:r>
-            <a:r>
-              <a:rPr lang="en-US" sz="1100" dirty="0" err="1" smtClean="0">
+              <a:rPr lang="en-US" sz="1100" dirty="0">
+                <a:latin typeface="Calibri (Body)"/>
+              </a:rPr>
+              <a:t> </a:t>
+            </a:r>
+            <a:r>
+              <a:rPr lang="en-US" sz="1100" dirty="0" err="1">
                 <a:latin typeface="Calibri (Body)"/>
               </a:rPr>
               <a:t>chỉnh</a:t>
             </a:r>
             <a:r>
-              <a:rPr lang="en-US" sz="1100" dirty="0" smtClean="0">
-                <a:latin typeface="Calibri (Body)"/>
-              </a:rPr>
-              <a:t> </a:t>
-            </a:r>
-            <a:r>
-              <a:rPr lang="en-US" sz="1100" dirty="0" err="1" smtClean="0">
+              <a:rPr lang="en-US" sz="1100" dirty="0">
+                <a:latin typeface="Calibri (Body)"/>
+              </a:rPr>
+              <a:t> </a:t>
+            </a:r>
+            <a:r>
+              <a:rPr lang="en-US" sz="1100" dirty="0" err="1">
                 <a:latin typeface="Calibri (Body)"/>
               </a:rPr>
               <a:t>sửa</a:t>
             </a:r>
             <a:r>
-              <a:rPr lang="en-US" sz="1100" dirty="0" smtClean="0">
-                <a:latin typeface="Calibri (Body)"/>
-              </a:rPr>
-              <a:t> </a:t>
-            </a:r>
-            <a:r>
-              <a:rPr lang="en-US" sz="1100" dirty="0" err="1" smtClean="0">
+              <a:rPr lang="en-US" sz="1100" dirty="0">
+                <a:latin typeface="Calibri (Body)"/>
+              </a:rPr>
+              <a:t> </a:t>
+            </a:r>
+            <a:r>
+              <a:rPr lang="en-US" sz="1100" dirty="0" err="1">
                 <a:latin typeface="Calibri (Body)"/>
               </a:rPr>
               <a:t>ảnh</a:t>
             </a:r>
             <a:r>
-              <a:rPr lang="en-US" sz="1100" dirty="0" smtClean="0">
-                <a:latin typeface="Calibri (Body)"/>
-              </a:rPr>
-              <a:t> </a:t>
-            </a:r>
-            <a:r>
-              <a:rPr lang="en-US" sz="1100" dirty="0" err="1" smtClean="0">
+              <a:rPr lang="en-US" sz="1100" dirty="0">
+                <a:latin typeface="Calibri (Body)"/>
+              </a:rPr>
+              <a:t> </a:t>
+            </a:r>
+            <a:r>
+              <a:rPr lang="en-US" sz="1100" dirty="0" err="1">
                 <a:latin typeface="Calibri (Body)"/>
               </a:rPr>
               <a:t>như</a:t>
             </a:r>
             <a:r>
-              <a:rPr lang="en-US" sz="1100" dirty="0" smtClean="0">
+              <a:rPr lang="en-US" sz="1100" dirty="0">
                 <a:latin typeface="Calibri (Body)"/>
               </a:rPr>
               <a:t> library </a:t>
@@ -7534,28 +7478,22 @@
               <a:rPr lang="en-US" sz="1100" dirty="0" err="1">
                 <a:latin typeface="Calibri (Body)"/>
               </a:rPr>
-              <a:t>f</a:t>
-            </a:r>
-            <a:r>
-              <a:rPr lang="en-US" sz="1100" dirty="0" err="1" smtClean="0">
-                <a:latin typeface="Calibri (Body)"/>
-              </a:rPr>
-              <a:t>fmpeg</a:t>
-            </a:r>
-            <a:r>
-              <a:rPr lang="en-US" sz="1100" dirty="0" smtClean="0">
+              <a:t>ffmpeg</a:t>
+            </a:r>
+            <a:r>
+              <a:rPr lang="en-US" sz="1100" dirty="0">
                 <a:latin typeface="Calibri (Body)"/>
               </a:rPr>
               <a:t> Android, Media Metadata </a:t>
             </a:r>
             <a:r>
-              <a:rPr lang="en-US" sz="1100" dirty="0" err="1" smtClean="0">
+              <a:rPr lang="en-US" sz="1100" dirty="0" err="1">
                 <a:latin typeface="Calibri (Body)"/>
               </a:rPr>
               <a:t>Retricver</a:t>
             </a:r>
             <a:r>
-              <a:rPr lang="en-US" sz="1100" dirty="0" smtClean="0">
+              <a:rPr lang="en-US" sz="1100" dirty="0">
                 <a:latin typeface="Calibri (Body)"/>
               </a:rPr>
               <a:t>.</a:t>
@@ -7570,7 +7508,7 @@
               <a:buChar char="•"/>
             </a:pPr>
             <a:r>
-              <a:rPr lang="en-US" sz="1100" b="1" dirty="0" smtClean="0">
+              <a:rPr lang="en-US" sz="1100" b="1" dirty="0">
                 <a:latin typeface="Calibri (Body)"/>
               </a:rPr>
               <a:t>Link source code: </a:t>
@@ -7581,7 +7519,7 @@
               </a:rPr>
               <a:t>https://bom.to/UFX5BQRHnPmQy</a:t>
             </a:r>
-            <a:endParaRPr lang="en-US" sz="1100" dirty="0" smtClean="0">
+            <a:endParaRPr lang="en-US" sz="1100" dirty="0">
               <a:latin typeface="Calibri (Body)"/>
             </a:endParaRPr>
           </a:p>
@@ -7615,18 +7553,13 @@
               </a:lnSpc>
             </a:pPr>
             <a:r>
-              <a:rPr lang="en-US" sz="900" dirty="0" smtClean="0">
+              <a:rPr lang="en-US" sz="900" dirty="0">
                 <a:solidFill>
                   <a:srgbClr val="00B0F0"/>
                 </a:solidFill>
               </a:rPr>
               <a:t>01/2021 – 04/2021</a:t>
             </a:r>
-            <a:endParaRPr lang="en-US" sz="900" dirty="0">
-              <a:solidFill>
-                <a:srgbClr val="00B0F0"/>
-              </a:solidFill>
-            </a:endParaRPr>
           </a:p>
         </p:txBody>
       </p:sp>
@@ -7640,13 +7573,6 @@
   <p:clrMapOvr>
     <a:masterClrMapping/>
   </p:clrMapOvr>
-  <p:timing>
-    <p:tnLst>
-      <p:par>
-        <p:cTn id="1" dur="indefinite" restart="never" nodeType="tmRoot"/>
-      </p:par>
-    </p:tnLst>
-  </p:timing>
 </p:sld>
 </file>
 
@@ -7690,7 +7616,7 @@
         </p:blipFill>
         <p:spPr bwMode="auto">
           <a:xfrm>
-            <a:off x="355600" y="3098800"/>
+            <a:off x="355600" y="2286000"/>
             <a:ext cx="330200" cy="330200"/>
           </a:xfrm>
           <a:prstGeom prst="rect">
@@ -7716,7 +7642,7 @@
         </p:nvSpPr>
         <p:spPr>
           <a:xfrm>
-            <a:off x="685800" y="3121223"/>
+            <a:off x="685800" y="2308423"/>
             <a:ext cx="2749471" cy="307777"/>
           </a:xfrm>
           <a:prstGeom prst="rect">
@@ -7731,7 +7657,7 @@
           <a:lstStyle/>
           <a:p>
             <a:r>
-              <a:rPr lang="vi-VN" sz="1400" b="1" dirty="0" smtClean="0">
+              <a:rPr lang="vi-VN" sz="1400" b="1" dirty="0">
                 <a:solidFill>
                   <a:srgbClr val="00B0F0"/>
                 </a:solidFill>
@@ -7756,7 +7682,7 @@
         </p:nvCxnSpPr>
         <p:spPr>
           <a:xfrm>
-            <a:off x="762000" y="3423170"/>
+            <a:off x="762000" y="2610370"/>
             <a:ext cx="5715000" cy="5830"/>
           </a:xfrm>
           <a:prstGeom prst="line">
@@ -7786,7 +7712,7 @@
         </p:nvSpPr>
         <p:spPr>
           <a:xfrm>
-            <a:off x="480310" y="3480881"/>
+            <a:off x="480310" y="2668081"/>
             <a:ext cx="6072890" cy="769441"/>
           </a:xfrm>
           <a:prstGeom prst="rect">
@@ -7805,22 +7731,46 @@
               <a:buChar char="•"/>
             </a:pPr>
             <a:r>
-              <a:rPr lang="en-US" sz="1100" b="1" dirty="0" smtClean="0">
+              <a:rPr lang="en-US" sz="1100" b="1" dirty="0">
                 <a:latin typeface="Calibri (Body)"/>
               </a:rPr>
               <a:t>N</a:t>
             </a:r>
             <a:r>
-              <a:rPr lang="vi-VN" sz="1100" b="1" dirty="0" smtClean="0">
+              <a:rPr lang="vi-VN" sz="1100" b="1" dirty="0">
                 <a:latin typeface="Calibri (Body)"/>
               </a:rPr>
               <a:t>gôn ngữ lập trình: </a:t>
             </a:r>
             <a:r>
-              <a:rPr lang="vi-VN" sz="1100" dirty="0" smtClean="0">
-                <a:latin typeface="Calibri (Body)"/>
-              </a:rPr>
-              <a:t>Java, javaScript, NodeJS, HTML, SQL.</a:t>
+              <a:rPr lang="vi-VN" sz="1100" dirty="0">
+                <a:latin typeface="Calibri (Body)"/>
+              </a:rPr>
+              <a:t>Java,</a:t>
+            </a:r>
+            <a:r>
+              <a:rPr lang="en-US" sz="1100" dirty="0">
+                <a:latin typeface="Calibri (Body)"/>
+              </a:rPr>
+              <a:t> </a:t>
+            </a:r>
+            <a:r>
+              <a:rPr lang="en-US" sz="1100" dirty="0" err="1">
+                <a:latin typeface="Calibri (Body)"/>
+              </a:rPr>
+              <a:t>kotlin</a:t>
+            </a:r>
+            <a:r>
+              <a:rPr lang="en-US" sz="1100" dirty="0">
+                <a:latin typeface="Calibri (Body)"/>
+              </a:rPr>
+              <a:t>,</a:t>
+            </a:r>
+            <a:r>
+              <a:rPr lang="vi-VN" sz="1100" dirty="0">
+                <a:latin typeface="Calibri (Body)"/>
+              </a:rPr>
+              <a:t> javaScript, NodeJS, HTML, SQL.</a:t>
             </a:r>
           </a:p>
           <a:p>
@@ -7829,34 +7779,22 @@
               <a:buChar char="•"/>
             </a:pPr>
             <a:r>
-              <a:rPr lang="vi-VN" sz="1100" b="1" dirty="0" smtClean="0">
+              <a:rPr lang="vi-VN" sz="1100" b="1" dirty="0">
                 <a:latin typeface="Calibri (Body)"/>
               </a:rPr>
               <a:t>IDE: </a:t>
             </a:r>
             <a:r>
-              <a:rPr lang="en-US" sz="1100" dirty="0" smtClean="0">
+              <a:rPr lang="en-US" sz="1100" dirty="0">
                 <a:latin typeface="Calibri (Body)"/>
               </a:rPr>
               <a:t>NetBeans</a:t>
             </a:r>
             <a:r>
-              <a:rPr lang="vi-VN" sz="1100" dirty="0" smtClean="0">
-                <a:latin typeface="Calibri (Body)"/>
-              </a:rPr>
-              <a:t>, Eclipse, Android Studio Tool</a:t>
-            </a:r>
-            <a:r>
               <a:rPr lang="vi-VN" sz="1100" dirty="0">
                 <a:latin typeface="Calibri (Body)"/>
               </a:rPr>
-              <a:t>, Visual Studio Code, </a:t>
-            </a:r>
-            <a:r>
-              <a:rPr lang="vi-VN" sz="1100" dirty="0" smtClean="0">
-                <a:latin typeface="Calibri (Body)"/>
-              </a:rPr>
-              <a:t>Webstorm.</a:t>
+              <a:t>, Eclipse, Android Studio Tool, Visual Studio Code, Webstorm.</a:t>
             </a:r>
           </a:p>
           <a:p>
@@ -7865,28 +7803,16 @@
               <a:buChar char="•"/>
             </a:pPr>
             <a:r>
-              <a:rPr lang="vi-VN" sz="1100" b="1" dirty="0" smtClean="0">
+              <a:rPr lang="vi-VN" sz="1100" b="1" dirty="0">
                 <a:latin typeface="Calibri (Body)"/>
               </a:rPr>
               <a:t>Design UX/UI: </a:t>
             </a:r>
             <a:r>
-              <a:rPr lang="vi-VN" sz="1100" dirty="0" smtClean="0">
-                <a:latin typeface="Calibri (Body)"/>
-              </a:rPr>
-              <a:t>Figma</a:t>
-            </a:r>
-            <a:r>
               <a:rPr lang="vi-VN" sz="1100" dirty="0">
                 <a:latin typeface="Calibri (Body)"/>
               </a:rPr>
-              <a:t>, Adobe </a:t>
-            </a:r>
-            <a:r>
-              <a:rPr lang="vi-VN" sz="1100" dirty="0" smtClean="0">
-                <a:latin typeface="Calibri (Body)"/>
-              </a:rPr>
-              <a:t>XD</a:t>
+              <a:t>Figma, Adobe XD</a:t>
             </a:r>
           </a:p>
           <a:p>
@@ -7895,16 +7821,16 @@
               <a:buChar char="•"/>
             </a:pPr>
             <a:r>
-              <a:rPr lang="vi-VN" sz="1100" b="1" dirty="0" smtClean="0">
+              <a:rPr lang="vi-VN" sz="1100" b="1" dirty="0">
                 <a:latin typeface="Calibri (Body)"/>
               </a:rPr>
               <a:t>Công nghệ: </a:t>
             </a:r>
             <a:r>
-              <a:rPr lang="vi-VN" sz="1100" dirty="0" smtClean="0">
-                <a:latin typeface="Calibri (Body)"/>
-              </a:rPr>
-              <a:t>SQLite, Firebase, MongoDB, GoogleMap, Retrofit2, API.</a:t>
+              <a:rPr lang="vi-VN" sz="1100" dirty="0">
+                <a:latin typeface="Calibri (Body)"/>
+              </a:rPr>
+              <a:t>SQLite, MongoDB, GoogleMap, Retrofit2.</a:t>
             </a:r>
             <a:endParaRPr lang="en-US" sz="1100" dirty="0">
               <a:latin typeface="Calibri (Body)"/>
@@ -7920,7 +7846,7 @@
         </p:nvSpPr>
         <p:spPr>
           <a:xfrm>
-            <a:off x="646044" y="4267200"/>
+            <a:off x="646044" y="3454400"/>
             <a:ext cx="1732077" cy="307777"/>
           </a:xfrm>
           <a:prstGeom prst="rect">
@@ -7935,18 +7861,13 @@
           <a:lstStyle/>
           <a:p>
             <a:r>
-              <a:rPr lang="en-US" sz="1400" b="1" dirty="0" smtClean="0">
+              <a:rPr lang="en-US" sz="1400" b="1" dirty="0">
                 <a:solidFill>
                   <a:srgbClr val="00B0F0"/>
                 </a:solidFill>
               </a:rPr>
               <a:t>NGƯỜI THAM CHIẾU</a:t>
             </a:r>
-            <a:endParaRPr lang="en-US" sz="1400" b="1" dirty="0">
-              <a:solidFill>
-                <a:srgbClr val="00B0F0"/>
-              </a:solidFill>
-            </a:endParaRPr>
           </a:p>
         </p:txBody>
       </p:sp>
@@ -7958,7 +7879,7 @@
         </p:nvCxnSpPr>
         <p:spPr>
           <a:xfrm>
-            <a:off x="729864" y="4574977"/>
+            <a:off x="729864" y="3762177"/>
             <a:ext cx="5747136" cy="0"/>
           </a:xfrm>
           <a:prstGeom prst="line">
@@ -8003,7 +7924,7 @@
         </p:blipFill>
         <p:spPr bwMode="auto">
           <a:xfrm>
-            <a:off x="370586" y="4298447"/>
+            <a:off x="370586" y="3485647"/>
             <a:ext cx="283078" cy="283078"/>
           </a:xfrm>
           <a:prstGeom prst="rect">
@@ -8029,7 +7950,7 @@
         </p:nvSpPr>
         <p:spPr>
           <a:xfrm>
-            <a:off x="663188" y="4607004"/>
+            <a:off x="663188" y="3794204"/>
             <a:ext cx="3299211" cy="938719"/>
           </a:xfrm>
           <a:prstGeom prst="rect">
@@ -8056,31 +7977,31 @@
               <a:t>: </a:t>
             </a:r>
             <a:r>
-              <a:rPr lang="en-US" sz="1100" b="1" dirty="0" err="1" smtClean="0">
+              <a:rPr lang="en-US" sz="1100" b="1" dirty="0" err="1">
                 <a:latin typeface="Calibri (Body)"/>
               </a:rPr>
               <a:t>Nguyễn</a:t>
             </a:r>
             <a:r>
-              <a:rPr lang="en-US" sz="1100" b="1" dirty="0" smtClean="0">
-                <a:latin typeface="Calibri (Body)"/>
-              </a:rPr>
-              <a:t> </a:t>
-            </a:r>
-            <a:r>
-              <a:rPr lang="en-US" sz="1100" b="1" dirty="0" err="1" smtClean="0">
+              <a:rPr lang="en-US" sz="1100" b="1" dirty="0">
+                <a:latin typeface="Calibri (Body)"/>
+              </a:rPr>
+              <a:t> </a:t>
+            </a:r>
+            <a:r>
+              <a:rPr lang="en-US" sz="1100" b="1" dirty="0" err="1">
                 <a:latin typeface="Calibri (Body)"/>
               </a:rPr>
               <a:t>Quang</a:t>
             </a:r>
             <a:r>
-              <a:rPr lang="en-US" sz="1100" b="1" dirty="0" smtClean="0">
-                <a:latin typeface="Calibri (Body)"/>
-              </a:rPr>
-              <a:t> </a:t>
-            </a:r>
-            <a:r>
-              <a:rPr lang="en-US" sz="1100" b="1" dirty="0" err="1" smtClean="0">
+              <a:rPr lang="en-US" sz="1100" b="1" dirty="0">
+                <a:latin typeface="Calibri (Body)"/>
+              </a:rPr>
+              <a:t> </a:t>
+            </a:r>
+            <a:r>
+              <a:rPr lang="en-US" sz="1100" b="1" dirty="0" err="1">
                 <a:latin typeface="Calibri (Body)"/>
               </a:rPr>
               <a:t>Hưng</a:t>
@@ -8138,19 +8059,16 @@
               </a:rPr>
               <a:t> </a:t>
             </a:r>
-            <a:endParaRPr lang="en-US" sz="1100" dirty="0" smtClean="0">
-              <a:latin typeface="Calibri (Body)"/>
-            </a:endParaRPr>
-          </a:p>
-          <a:p>
-            <a:r>
-              <a:rPr lang="en-US" sz="1100" b="1" dirty="0" err="1" smtClean="0">
+          </a:p>
+          <a:p>
+            <a:r>
+              <a:rPr lang="en-US" sz="1100" b="1" dirty="0" err="1">
                 <a:latin typeface="Calibri (Body)"/>
               </a:rPr>
               <a:t>Đơn</a:t>
             </a:r>
             <a:r>
-              <a:rPr lang="en-US" sz="1100" b="1" dirty="0" smtClean="0">
+              <a:rPr lang="en-US" sz="1100" b="1" dirty="0">
                 <a:latin typeface="Calibri (Body)"/>
               </a:rPr>
               <a:t> </a:t>
@@ -8177,31 +8095,19 @@
               <a:rPr lang="en-US" sz="1100" dirty="0">
                 <a:latin typeface="Calibri (Body)"/>
               </a:rPr>
-              <a:t> </a:t>
-            </a:r>
-            <a:r>
-              <a:rPr lang="en-US" sz="1100" dirty="0" smtClean="0">
-                <a:latin typeface="Calibri (Body)"/>
-              </a:rPr>
-              <a:t>Cao </a:t>
-            </a:r>
-            <a:r>
-              <a:rPr lang="en-US" sz="1100" dirty="0" err="1" smtClean="0">
+              <a:t> Cao </a:t>
+            </a:r>
+            <a:r>
+              <a:rPr lang="en-US" sz="1100" dirty="0" err="1">
                 <a:latin typeface="Calibri (Body)"/>
               </a:rPr>
               <a:t>Đẳng</a:t>
             </a:r>
             <a:r>
-              <a:rPr lang="en-US" sz="1100" dirty="0" smtClean="0">
-                <a:latin typeface="Calibri (Body)"/>
-              </a:rPr>
-              <a:t> FPT </a:t>
-            </a:r>
-            <a:r>
-              <a:rPr lang="en-US" sz="1100" dirty="0">
-                <a:latin typeface="Calibri (Body)"/>
-              </a:rPr>
-              <a:t>Polytechnic</a:t>
+              <a:rPr lang="en-US" sz="1100" dirty="0">
+                <a:latin typeface="Calibri (Body)"/>
+              </a:rPr>
+              <a:t> FPT Polytechnic</a:t>
             </a:r>
           </a:p>
           <a:p>
@@ -8215,17 +8121,8 @@
               <a:rPr lang="en-US" sz="1100" dirty="0">
                 <a:latin typeface="Calibri (Body)"/>
               </a:rPr>
-              <a:t>+</a:t>
-            </a:r>
-            <a:r>
-              <a:rPr lang="en-US" sz="1100" dirty="0" smtClean="0">
-                <a:latin typeface="Calibri (Body)"/>
-              </a:rPr>
-              <a:t>84919684368</a:t>
-            </a:r>
-            <a:endParaRPr lang="en-US" sz="1100" dirty="0">
-              <a:latin typeface="Calibri (Body)"/>
-            </a:endParaRPr>
+              <a:t>+84919684368</a:t>
+            </a:r>
           </a:p>
           <a:p>
             <a:r>
@@ -8251,7 +8148,7 @@
         </p:nvSpPr>
         <p:spPr>
           <a:xfrm>
-            <a:off x="3810000" y="4623881"/>
+            <a:off x="3810000" y="3811081"/>
             <a:ext cx="2638675" cy="938719"/>
           </a:xfrm>
           <a:prstGeom prst="rect">
@@ -8357,49 +8254,49 @@
           </a:p>
           <a:p>
             <a:r>
-              <a:rPr lang="en-US" sz="1100" b="1" dirty="0" err="1" smtClean="0">
+              <a:rPr lang="en-US" sz="1100" b="1" dirty="0" err="1">
                 <a:latin typeface="Calibri (Body)"/>
               </a:rPr>
               <a:t>Đơn</a:t>
             </a:r>
             <a:r>
-              <a:rPr lang="en-US" sz="1100" b="1" dirty="0" smtClean="0">
-                <a:latin typeface="Calibri (Body)"/>
-              </a:rPr>
-              <a:t> </a:t>
-            </a:r>
-            <a:r>
-              <a:rPr lang="en-US" sz="1100" b="1" dirty="0" err="1" smtClean="0">
+              <a:rPr lang="en-US" sz="1100" b="1" dirty="0">
+                <a:latin typeface="Calibri (Body)"/>
+              </a:rPr>
+              <a:t> </a:t>
+            </a:r>
+            <a:r>
+              <a:rPr lang="en-US" sz="1100" b="1" dirty="0" err="1">
                 <a:latin typeface="Calibri (Body)"/>
               </a:rPr>
               <a:t>vị</a:t>
             </a:r>
             <a:r>
-              <a:rPr lang="en-US" sz="1100" b="1" dirty="0" smtClean="0">
+              <a:rPr lang="en-US" sz="1100" b="1" dirty="0">
                 <a:latin typeface="Calibri (Body)"/>
               </a:rPr>
               <a:t>: </a:t>
             </a:r>
             <a:r>
-              <a:rPr lang="en-US" sz="1100" dirty="0" err="1" smtClean="0">
+              <a:rPr lang="en-US" sz="1100" dirty="0" err="1">
                 <a:latin typeface="Calibri (Body)"/>
               </a:rPr>
               <a:t>Công</a:t>
             </a:r>
             <a:r>
-              <a:rPr lang="en-US" sz="1100" dirty="0" smtClean="0">
+              <a:rPr lang="en-US" sz="1100" dirty="0">
                 <a:latin typeface="Calibri (Body)"/>
               </a:rPr>
               <a:t> ty </a:t>
             </a:r>
             <a:r>
-              <a:rPr lang="en-US" sz="1100" dirty="0" err="1" smtClean="0">
+              <a:rPr lang="en-US" sz="1100" dirty="0" err="1">
                 <a:latin typeface="Calibri (Body)"/>
               </a:rPr>
               <a:t>Codefresher</a:t>
             </a:r>
             <a:r>
-              <a:rPr lang="en-US" sz="1100" dirty="0" smtClean="0">
+              <a:rPr lang="en-US" sz="1100" dirty="0">
                 <a:latin typeface="Calibri (Body)"/>
               </a:rPr>
               <a:t> </a:t>
@@ -8414,17 +8311,8 @@
               <a:rPr lang="en-US" sz="1100" dirty="0">
                 <a:latin typeface="Calibri (Body)"/>
               </a:rPr>
-              <a:t> </a:t>
-            </a:r>
-            <a:r>
-              <a:rPr lang="en-US" sz="1100" dirty="0" smtClean="0">
-                <a:latin typeface="Calibri (Body)"/>
-              </a:rPr>
-              <a:t>Nam</a:t>
-            </a:r>
-            <a:endParaRPr lang="en-US" sz="1100" dirty="0">
-              <a:latin typeface="Calibri (Body)"/>
-            </a:endParaRPr>
+              <a:t> Nam</a:t>
+            </a:r>
           </a:p>
           <a:p>
             <a:r>
@@ -8480,7 +8368,7 @@
           <a:p>
             <a:pPr algn="just"/>
             <a:r>
-              <a:rPr lang="en-US" sz="1100" b="1" dirty="0" smtClean="0">
+              <a:rPr lang="en-US" sz="1100" b="1" dirty="0">
                 <a:latin typeface="Calibri (Body)"/>
               </a:rPr>
               <a:t>DỰ ÁN TẠI TRƯỜNG</a:t>
@@ -8489,25 +8377,25 @@
           <a:p>
             <a:pPr algn="just"/>
             <a:r>
-              <a:rPr lang="en-US" sz="1100" i="1" dirty="0" err="1" smtClean="0">
+              <a:rPr lang="en-US" sz="1100" i="1" dirty="0" err="1">
                 <a:latin typeface="Calibri (Body)"/>
               </a:rPr>
               <a:t>Dự</a:t>
             </a:r>
             <a:r>
-              <a:rPr lang="en-US" sz="1100" i="1" dirty="0" smtClean="0">
-                <a:latin typeface="Calibri (Body)"/>
-              </a:rPr>
-              <a:t> </a:t>
-            </a:r>
-            <a:r>
-              <a:rPr lang="en-US" sz="1100" i="1" dirty="0" err="1" smtClean="0">
+              <a:rPr lang="en-US" sz="1100" i="1" dirty="0">
+                <a:latin typeface="Calibri (Body)"/>
+              </a:rPr>
+              <a:t> </a:t>
+            </a:r>
+            <a:r>
+              <a:rPr lang="en-US" sz="1100" i="1" dirty="0" err="1">
                 <a:latin typeface="Calibri (Body)"/>
               </a:rPr>
               <a:t>án</a:t>
             </a:r>
             <a:r>
-              <a:rPr lang="en-US" sz="1100" i="1" dirty="0" smtClean="0">
+              <a:rPr lang="en-US" sz="1100" i="1" dirty="0">
                 <a:latin typeface="Calibri (Body)"/>
               </a:rPr>
               <a:t> React Native</a:t>
@@ -8522,61 +8410,61 @@
               <a:buChar char="•"/>
             </a:pPr>
             <a:r>
-              <a:rPr lang="en-US" sz="1100" b="1" dirty="0" err="1" smtClean="0">
+              <a:rPr lang="en-US" sz="1100" b="1" dirty="0" err="1">
                 <a:latin typeface="Calibri (Body)"/>
               </a:rPr>
               <a:t>Xây</a:t>
             </a:r>
             <a:r>
-              <a:rPr lang="en-US" sz="1100" b="1" dirty="0" smtClean="0">
-                <a:latin typeface="Calibri (Body)"/>
-              </a:rPr>
-              <a:t> </a:t>
-            </a:r>
-            <a:r>
-              <a:rPr lang="en-US" sz="1100" b="1" dirty="0" err="1" smtClean="0">
+              <a:rPr lang="en-US" sz="1100" b="1" dirty="0">
+                <a:latin typeface="Calibri (Body)"/>
+              </a:rPr>
+              <a:t> </a:t>
+            </a:r>
+            <a:r>
+              <a:rPr lang="en-US" sz="1100" b="1" dirty="0" err="1">
                 <a:latin typeface="Calibri (Body)"/>
               </a:rPr>
               <a:t>dựng</a:t>
             </a:r>
             <a:r>
-              <a:rPr lang="en-US" sz="1100" b="1" dirty="0" smtClean="0">
-                <a:latin typeface="Calibri (Body)"/>
-              </a:rPr>
-              <a:t> </a:t>
-            </a:r>
-            <a:r>
-              <a:rPr lang="en-US" sz="1100" b="1" dirty="0" err="1" smtClean="0">
+              <a:rPr lang="en-US" sz="1100" b="1" dirty="0">
+                <a:latin typeface="Calibri (Body)"/>
+              </a:rPr>
+              <a:t> </a:t>
+            </a:r>
+            <a:r>
+              <a:rPr lang="en-US" sz="1100" b="1" dirty="0" err="1">
                 <a:latin typeface="Calibri (Body)"/>
               </a:rPr>
               <a:t>ứng</a:t>
             </a:r>
             <a:r>
-              <a:rPr lang="en-US" sz="1100" b="1" dirty="0" smtClean="0">
-                <a:latin typeface="Calibri (Body)"/>
-              </a:rPr>
-              <a:t> </a:t>
-            </a:r>
-            <a:r>
-              <a:rPr lang="en-US" sz="1100" b="1" dirty="0" err="1" smtClean="0">
+              <a:rPr lang="en-US" sz="1100" b="1" dirty="0">
+                <a:latin typeface="Calibri (Body)"/>
+              </a:rPr>
+              <a:t> </a:t>
+            </a:r>
+            <a:r>
+              <a:rPr lang="en-US" sz="1100" b="1" dirty="0" err="1">
                 <a:latin typeface="Calibri (Body)"/>
               </a:rPr>
               <a:t>dụng</a:t>
             </a:r>
             <a:r>
-              <a:rPr lang="en-US" sz="1100" b="1" dirty="0" smtClean="0">
+              <a:rPr lang="en-US" sz="1100" b="1" dirty="0">
                 <a:latin typeface="Calibri (Body)"/>
               </a:rPr>
               <a:t>: </a:t>
             </a:r>
             <a:r>
-              <a:rPr lang="en-US" sz="1100" dirty="0" err="1" smtClean="0">
+              <a:rPr lang="en-US" sz="1100" dirty="0" err="1">
                 <a:latin typeface="Calibri (Body)"/>
               </a:rPr>
               <a:t>Học</a:t>
             </a:r>
             <a:r>
-              <a:rPr lang="en-US" sz="1100" dirty="0" smtClean="0">
+              <a:rPr lang="en-US" sz="1100" dirty="0">
                 <a:latin typeface="Calibri (Body)"/>
               </a:rPr>
               <a:t> Android</a:t>
@@ -8588,85 +8476,85 @@
               <a:buChar char="•"/>
             </a:pPr>
             <a:r>
-              <a:rPr lang="en-US" sz="1100" b="1" dirty="0" err="1" smtClean="0">
+              <a:rPr lang="en-US" sz="1100" b="1" dirty="0" err="1">
                 <a:latin typeface="Calibri (Body)"/>
               </a:rPr>
               <a:t>Vị</a:t>
             </a:r>
             <a:r>
-              <a:rPr lang="en-US" sz="1100" b="1" dirty="0" smtClean="0">
-                <a:latin typeface="Calibri (Body)"/>
-              </a:rPr>
-              <a:t> </a:t>
-            </a:r>
-            <a:r>
-              <a:rPr lang="en-US" sz="1100" b="1" dirty="0" err="1" smtClean="0">
+              <a:rPr lang="en-US" sz="1100" b="1" dirty="0">
+                <a:latin typeface="Calibri (Body)"/>
+              </a:rPr>
+              <a:t> </a:t>
+            </a:r>
+            <a:r>
+              <a:rPr lang="en-US" sz="1100" b="1" dirty="0" err="1">
                 <a:latin typeface="Calibri (Body)"/>
               </a:rPr>
               <a:t>trí</a:t>
             </a:r>
             <a:r>
-              <a:rPr lang="en-US" sz="1100" b="1" dirty="0" smtClean="0">
-                <a:latin typeface="Calibri (Body)"/>
-              </a:rPr>
-              <a:t> </a:t>
-            </a:r>
-            <a:r>
-              <a:rPr lang="en-US" sz="1100" b="1" dirty="0" err="1" smtClean="0">
+              <a:rPr lang="en-US" sz="1100" b="1" dirty="0">
+                <a:latin typeface="Calibri (Body)"/>
+              </a:rPr>
+              <a:t> </a:t>
+            </a:r>
+            <a:r>
+              <a:rPr lang="en-US" sz="1100" b="1" dirty="0" err="1">
                 <a:latin typeface="Calibri (Body)"/>
               </a:rPr>
               <a:t>công</a:t>
             </a:r>
             <a:r>
-              <a:rPr lang="en-US" sz="1100" b="1" dirty="0" smtClean="0">
-                <a:latin typeface="Calibri (Body)"/>
-              </a:rPr>
-              <a:t> </a:t>
-            </a:r>
-            <a:r>
-              <a:rPr lang="en-US" sz="1100" b="1" dirty="0" err="1" smtClean="0">
+              <a:rPr lang="en-US" sz="1100" b="1" dirty="0">
+                <a:latin typeface="Calibri (Body)"/>
+              </a:rPr>
+              <a:t> </a:t>
+            </a:r>
+            <a:r>
+              <a:rPr lang="en-US" sz="1100" b="1" dirty="0" err="1">
                 <a:latin typeface="Calibri (Body)"/>
               </a:rPr>
               <a:t>việc</a:t>
             </a:r>
             <a:r>
-              <a:rPr lang="en-US" sz="1100" b="1" dirty="0" smtClean="0">
+              <a:rPr lang="en-US" sz="1100" b="1" dirty="0">
                 <a:latin typeface="Calibri (Body)"/>
               </a:rPr>
               <a:t>: </a:t>
             </a:r>
             <a:r>
-              <a:rPr lang="en-US" sz="1100" dirty="0" err="1" smtClean="0">
+              <a:rPr lang="en-US" sz="1100" dirty="0" err="1">
                 <a:latin typeface="Calibri (Body)"/>
               </a:rPr>
               <a:t>Lập</a:t>
             </a:r>
             <a:r>
-              <a:rPr lang="en-US" sz="1100" dirty="0" smtClean="0">
-                <a:latin typeface="Calibri (Body)"/>
-              </a:rPr>
-              <a:t> </a:t>
-            </a:r>
-            <a:r>
-              <a:rPr lang="en-US" sz="1100" dirty="0" err="1" smtClean="0">
+              <a:rPr lang="en-US" sz="1100" dirty="0">
+                <a:latin typeface="Calibri (Body)"/>
+              </a:rPr>
+              <a:t> </a:t>
+            </a:r>
+            <a:r>
+              <a:rPr lang="en-US" sz="1100" dirty="0" err="1">
                 <a:latin typeface="Calibri (Body)"/>
               </a:rPr>
               <a:t>trình</a:t>
             </a:r>
             <a:r>
-              <a:rPr lang="en-US" sz="1100" dirty="0" smtClean="0">
-                <a:latin typeface="Calibri (Body)"/>
-              </a:rPr>
-              <a:t> </a:t>
-            </a:r>
-            <a:r>
-              <a:rPr lang="en-US" sz="1100" dirty="0" err="1" smtClean="0">
+              <a:rPr lang="en-US" sz="1100" dirty="0">
+                <a:latin typeface="Calibri (Body)"/>
+              </a:rPr>
+              <a:t> </a:t>
+            </a:r>
+            <a:r>
+              <a:rPr lang="en-US" sz="1100" dirty="0" err="1">
                 <a:latin typeface="Calibri (Body)"/>
               </a:rPr>
               <a:t>viên</a:t>
             </a:r>
             <a:r>
-              <a:rPr lang="en-US" sz="1100" dirty="0" smtClean="0">
+              <a:rPr lang="en-US" sz="1100" dirty="0">
                 <a:latin typeface="Calibri (Body)"/>
               </a:rPr>
               <a:t>.</a:t>
@@ -8678,49 +8566,49 @@
               <a:buChar char="•"/>
             </a:pPr>
             <a:r>
-              <a:rPr lang="en-US" sz="1100" b="1" dirty="0" err="1" smtClean="0">
+              <a:rPr lang="en-US" sz="1100" b="1" dirty="0" err="1">
                 <a:latin typeface="Calibri (Body)"/>
               </a:rPr>
               <a:t>Công</a:t>
             </a:r>
             <a:r>
-              <a:rPr lang="en-US" sz="1100" b="1" dirty="0" smtClean="0">
-                <a:latin typeface="Calibri (Body)"/>
-              </a:rPr>
-              <a:t> </a:t>
-            </a:r>
-            <a:r>
-              <a:rPr lang="en-US" sz="1100" b="1" dirty="0" err="1" smtClean="0">
+              <a:rPr lang="en-US" sz="1100" b="1" dirty="0">
+                <a:latin typeface="Calibri (Body)"/>
+              </a:rPr>
+              <a:t> </a:t>
+            </a:r>
+            <a:r>
+              <a:rPr lang="en-US" sz="1100" b="1" dirty="0" err="1">
                 <a:latin typeface="Calibri (Body)"/>
               </a:rPr>
               <a:t>cụ</a:t>
             </a:r>
             <a:r>
-              <a:rPr lang="en-US" sz="1100" b="1" dirty="0" smtClean="0">
-                <a:latin typeface="Calibri (Body)"/>
-              </a:rPr>
-              <a:t> </a:t>
-            </a:r>
-            <a:r>
-              <a:rPr lang="en-US" sz="1100" b="1" dirty="0" err="1" smtClean="0">
+              <a:rPr lang="en-US" sz="1100" b="1" dirty="0">
+                <a:latin typeface="Calibri (Body)"/>
+              </a:rPr>
+              <a:t> </a:t>
+            </a:r>
+            <a:r>
+              <a:rPr lang="en-US" sz="1100" b="1" dirty="0" err="1">
                 <a:latin typeface="Calibri (Body)"/>
               </a:rPr>
               <a:t>sử</a:t>
             </a:r>
             <a:r>
-              <a:rPr lang="en-US" sz="1100" b="1" dirty="0" smtClean="0">
-                <a:latin typeface="Calibri (Body)"/>
-              </a:rPr>
-              <a:t> </a:t>
-            </a:r>
-            <a:r>
-              <a:rPr lang="en-US" sz="1100" b="1" dirty="0" err="1" smtClean="0">
+              <a:rPr lang="en-US" sz="1100" b="1" dirty="0">
+                <a:latin typeface="Calibri (Body)"/>
+              </a:rPr>
+              <a:t> </a:t>
+            </a:r>
+            <a:r>
+              <a:rPr lang="en-US" sz="1100" b="1" dirty="0" err="1">
                 <a:latin typeface="Calibri (Body)"/>
               </a:rPr>
               <a:t>dụng</a:t>
             </a:r>
             <a:r>
-              <a:rPr lang="en-US" sz="1100" b="1" dirty="0" smtClean="0">
+              <a:rPr lang="en-US" sz="1100" b="1" dirty="0">
                 <a:latin typeface="Calibri (Body)"/>
               </a:rPr>
               <a:t>: </a:t>
@@ -8729,13 +8617,7 @@
               <a:rPr lang="en-US" sz="1100" dirty="0">
                 <a:latin typeface="Calibri (Body)"/>
               </a:rPr>
-              <a:t>Visual Studio Code</a:t>
-            </a:r>
-            <a:r>
-              <a:rPr lang="en-US" sz="1100" dirty="0" smtClean="0">
-                <a:latin typeface="Calibri (Body)"/>
-              </a:rPr>
-              <a:t>.</a:t>
+              <a:t>Visual Studio Code.</a:t>
             </a:r>
           </a:p>
           <a:p>
@@ -8744,25 +8626,25 @@
               <a:buChar char="•"/>
             </a:pPr>
             <a:r>
-              <a:rPr lang="en-US" sz="1100" b="1" dirty="0" err="1" smtClean="0">
+              <a:rPr lang="en-US" sz="1100" b="1" dirty="0" err="1">
                 <a:latin typeface="Calibri (Body)"/>
               </a:rPr>
               <a:t>Mô</a:t>
             </a:r>
             <a:r>
-              <a:rPr lang="en-US" sz="1100" b="1" dirty="0" smtClean="0">
-                <a:latin typeface="Calibri (Body)"/>
-              </a:rPr>
-              <a:t> </a:t>
-            </a:r>
-            <a:r>
-              <a:rPr lang="en-US" sz="1100" b="1" dirty="0" err="1" smtClean="0">
+              <a:rPr lang="en-US" sz="1100" b="1" dirty="0">
+                <a:latin typeface="Calibri (Body)"/>
+              </a:rPr>
+              <a:t> </a:t>
+            </a:r>
+            <a:r>
+              <a:rPr lang="en-US" sz="1100" b="1" dirty="0" err="1">
                 <a:latin typeface="Calibri (Body)"/>
               </a:rPr>
               <a:t>tả</a:t>
             </a:r>
             <a:r>
-              <a:rPr lang="en-US" sz="1100" b="1" dirty="0" smtClean="0">
+              <a:rPr lang="en-US" sz="1100" b="1" dirty="0">
                 <a:latin typeface="Calibri (Body)"/>
               </a:rPr>
               <a:t>: </a:t>
@@ -8780,151 +8662,151 @@
               <a:t> </a:t>
             </a:r>
             <a:r>
-              <a:rPr lang="en-US" sz="1100" dirty="0" err="1" smtClean="0">
+              <a:rPr lang="en-US" sz="1100" dirty="0" err="1">
                 <a:latin typeface="Calibri (Body)"/>
               </a:rPr>
               <a:t>dụng</a:t>
             </a:r>
             <a:r>
-              <a:rPr lang="en-US" sz="1100" dirty="0" smtClean="0">
-                <a:latin typeface="Calibri (Body)"/>
-              </a:rPr>
-              <a:t> </a:t>
-            </a:r>
-            <a:r>
-              <a:rPr lang="en-US" sz="1100" dirty="0" err="1" smtClean="0">
+              <a:rPr lang="en-US" sz="1100" dirty="0">
+                <a:latin typeface="Calibri (Body)"/>
+              </a:rPr>
+              <a:t> </a:t>
+            </a:r>
+            <a:r>
+              <a:rPr lang="en-US" sz="1100" dirty="0" err="1">
                 <a:latin typeface="Calibri (Body)"/>
               </a:rPr>
               <a:t>là</a:t>
             </a:r>
             <a:r>
-              <a:rPr lang="en-US" sz="1100" dirty="0" smtClean="0">
-                <a:latin typeface="Calibri (Body)"/>
-              </a:rPr>
-              <a:t> </a:t>
-            </a:r>
-            <a:r>
-              <a:rPr lang="en-US" sz="1100" dirty="0" err="1" smtClean="0">
+              <a:rPr lang="en-US" sz="1100" dirty="0">
+                <a:latin typeface="Calibri (Body)"/>
+              </a:rPr>
+              <a:t> </a:t>
+            </a:r>
+            <a:r>
+              <a:rPr lang="en-US" sz="1100" dirty="0" err="1">
                 <a:latin typeface="Calibri (Body)"/>
               </a:rPr>
               <a:t>bản</a:t>
             </a:r>
             <a:r>
-              <a:rPr lang="en-US" sz="1100" dirty="0" smtClean="0">
-                <a:latin typeface="Calibri (Body)"/>
-              </a:rPr>
-              <a:t> </a:t>
-            </a:r>
-            <a:r>
-              <a:rPr lang="en-US" sz="1100" dirty="0" err="1" smtClean="0">
+              <a:rPr lang="en-US" sz="1100" dirty="0">
+                <a:latin typeface="Calibri (Body)"/>
+              </a:rPr>
+              <a:t> </a:t>
+            </a:r>
+            <a:r>
+              <a:rPr lang="en-US" sz="1100" dirty="0" err="1">
                 <a:latin typeface="Calibri (Body)"/>
               </a:rPr>
               <a:t>thu</a:t>
             </a:r>
             <a:r>
-              <a:rPr lang="en-US" sz="1100" dirty="0" smtClean="0">
-                <a:latin typeface="Calibri (Body)"/>
-              </a:rPr>
-              <a:t> </a:t>
-            </a:r>
-            <a:r>
-              <a:rPr lang="en-US" sz="1100" dirty="0" err="1" smtClean="0">
+              <a:rPr lang="en-US" sz="1100" dirty="0">
+                <a:latin typeface="Calibri (Body)"/>
+              </a:rPr>
+              <a:t> </a:t>
+            </a:r>
+            <a:r>
+              <a:rPr lang="en-US" sz="1100" dirty="0" err="1">
                 <a:latin typeface="Calibri (Body)"/>
               </a:rPr>
               <a:t>gọn</a:t>
             </a:r>
             <a:r>
-              <a:rPr lang="en-US" sz="1100" dirty="0" smtClean="0">
-                <a:latin typeface="Calibri (Body)"/>
-              </a:rPr>
-              <a:t> </a:t>
-            </a:r>
-            <a:r>
-              <a:rPr lang="en-US" sz="1100" dirty="0" err="1" smtClean="0">
+              <a:rPr lang="en-US" sz="1100" dirty="0">
+                <a:latin typeface="Calibri (Body)"/>
+              </a:rPr>
+              <a:t> </a:t>
+            </a:r>
+            <a:r>
+              <a:rPr lang="en-US" sz="1100" dirty="0" err="1">
                 <a:latin typeface="Calibri (Body)"/>
               </a:rPr>
               <a:t>tóm</a:t>
             </a:r>
             <a:r>
-              <a:rPr lang="en-US" sz="1100" dirty="0" smtClean="0">
-                <a:latin typeface="Calibri (Body)"/>
-              </a:rPr>
-              <a:t> </a:t>
-            </a:r>
-            <a:r>
-              <a:rPr lang="en-US" sz="1100" dirty="0" err="1" smtClean="0">
+              <a:rPr lang="en-US" sz="1100" dirty="0">
+                <a:latin typeface="Calibri (Body)"/>
+              </a:rPr>
+              <a:t> </a:t>
+            </a:r>
+            <a:r>
+              <a:rPr lang="en-US" sz="1100" dirty="0" err="1">
                 <a:latin typeface="Calibri (Body)"/>
               </a:rPr>
               <a:t>lược</a:t>
             </a:r>
             <a:r>
-              <a:rPr lang="en-US" sz="1100" dirty="0" smtClean="0">
-                <a:latin typeface="Calibri (Body)"/>
-              </a:rPr>
-              <a:t> </a:t>
-            </a:r>
-            <a:r>
-              <a:rPr lang="en-US" sz="1100" dirty="0" err="1" smtClean="0">
+              <a:rPr lang="en-US" sz="1100" dirty="0">
+                <a:latin typeface="Calibri (Body)"/>
+              </a:rPr>
+              <a:t> </a:t>
+            </a:r>
+            <a:r>
+              <a:rPr lang="en-US" sz="1100" dirty="0" err="1">
                 <a:latin typeface="Calibri (Body)"/>
               </a:rPr>
               <a:t>các</a:t>
             </a:r>
             <a:r>
-              <a:rPr lang="en-US" sz="1100" dirty="0" smtClean="0">
-                <a:latin typeface="Calibri (Body)"/>
-              </a:rPr>
-              <a:t> </a:t>
-            </a:r>
-            <a:r>
-              <a:rPr lang="en-US" sz="1100" dirty="0" err="1" smtClean="0">
+              <a:rPr lang="en-US" sz="1100" dirty="0">
+                <a:latin typeface="Calibri (Body)"/>
+              </a:rPr>
+              <a:t> </a:t>
+            </a:r>
+            <a:r>
+              <a:rPr lang="en-US" sz="1100" dirty="0" err="1">
                 <a:latin typeface="Calibri (Body)"/>
               </a:rPr>
               <a:t>bài</a:t>
             </a:r>
             <a:r>
-              <a:rPr lang="en-US" sz="1100" dirty="0" smtClean="0">
-                <a:latin typeface="Calibri (Body)"/>
-              </a:rPr>
-              <a:t> </a:t>
-            </a:r>
-            <a:r>
-              <a:rPr lang="en-US" sz="1100" dirty="0" err="1" smtClean="0">
+              <a:rPr lang="en-US" sz="1100" dirty="0">
+                <a:latin typeface="Calibri (Body)"/>
+              </a:rPr>
+              <a:t> </a:t>
+            </a:r>
+            <a:r>
+              <a:rPr lang="en-US" sz="1100" dirty="0" err="1">
                 <a:latin typeface="Calibri (Body)"/>
               </a:rPr>
               <a:t>học</a:t>
             </a:r>
             <a:r>
-              <a:rPr lang="en-US" sz="1100" dirty="0" smtClean="0">
-                <a:latin typeface="Calibri (Body)"/>
-              </a:rPr>
-              <a:t> </a:t>
-            </a:r>
-            <a:r>
-              <a:rPr lang="en-US" sz="1100" dirty="0" err="1" smtClean="0">
+              <a:rPr lang="en-US" sz="1100" dirty="0">
+                <a:latin typeface="Calibri (Body)"/>
+              </a:rPr>
+              <a:t> </a:t>
+            </a:r>
+            <a:r>
+              <a:rPr lang="en-US" sz="1100" dirty="0" err="1">
                 <a:latin typeface="Calibri (Body)"/>
               </a:rPr>
               <a:t>lập</a:t>
             </a:r>
             <a:r>
-              <a:rPr lang="en-US" sz="1100" dirty="0" smtClean="0">
-                <a:latin typeface="Calibri (Body)"/>
-              </a:rPr>
-              <a:t> </a:t>
-            </a:r>
-            <a:r>
-              <a:rPr lang="en-US" sz="1100" dirty="0" err="1" smtClean="0">
+              <a:rPr lang="en-US" sz="1100" dirty="0">
+                <a:latin typeface="Calibri (Body)"/>
+              </a:rPr>
+              <a:t> </a:t>
+            </a:r>
+            <a:r>
+              <a:rPr lang="en-US" sz="1100" dirty="0" err="1">
                 <a:latin typeface="Calibri (Body)"/>
               </a:rPr>
               <a:t>trình</a:t>
             </a:r>
             <a:r>
-              <a:rPr lang="en-US" sz="1100" dirty="0" smtClean="0">
+              <a:rPr lang="en-US" sz="1100" dirty="0">
                 <a:latin typeface="Calibri (Body)"/>
               </a:rPr>
               <a:t> Android </a:t>
             </a:r>
             <a:r>
-              <a:rPr lang="en-US" sz="1100" dirty="0" err="1" smtClean="0">
+              <a:rPr lang="en-US" sz="1100" dirty="0" err="1">
                 <a:latin typeface="Calibri (Body)"/>
               </a:rPr>
               <a:t>của</a:t>
@@ -8933,219 +8815,213 @@
               <a:rPr lang="en-US" sz="1100" dirty="0">
                 <a:latin typeface="Calibri (Body)"/>
               </a:rPr>
-              <a:t> </a:t>
-            </a:r>
-            <a:r>
-              <a:rPr lang="en-US" sz="1100" dirty="0" smtClean="0">
-                <a:latin typeface="Calibri (Body)"/>
-              </a:rPr>
-              <a:t>dotplays.com, </a:t>
-            </a:r>
-            <a:r>
-              <a:rPr lang="en-US" sz="1100" dirty="0" err="1" smtClean="0">
+              <a:t> dotplays.com, </a:t>
+            </a:r>
+            <a:r>
+              <a:rPr lang="en-US" sz="1100" dirty="0" err="1">
                 <a:latin typeface="Calibri (Body)"/>
               </a:rPr>
               <a:t>cho</a:t>
             </a:r>
             <a:r>
-              <a:rPr lang="en-US" sz="1100" dirty="0" smtClean="0">
-                <a:latin typeface="Calibri (Body)"/>
-              </a:rPr>
-              <a:t> </a:t>
-            </a:r>
-            <a:r>
-              <a:rPr lang="en-US" sz="1100" dirty="0" err="1" smtClean="0">
+              <a:rPr lang="en-US" sz="1100" dirty="0">
+                <a:latin typeface="Calibri (Body)"/>
+              </a:rPr>
+              <a:t> </a:t>
+            </a:r>
+            <a:r>
+              <a:rPr lang="en-US" sz="1100" dirty="0" err="1">
                 <a:latin typeface="Calibri (Body)"/>
               </a:rPr>
               <a:t>phép</a:t>
             </a:r>
             <a:r>
-              <a:rPr lang="en-US" sz="1100" dirty="0" smtClean="0">
-                <a:latin typeface="Calibri (Body)"/>
-              </a:rPr>
-              <a:t> </a:t>
-            </a:r>
-            <a:r>
-              <a:rPr lang="en-US" sz="1100" dirty="0" err="1" smtClean="0">
+              <a:rPr lang="en-US" sz="1100" dirty="0">
+                <a:latin typeface="Calibri (Body)"/>
+              </a:rPr>
+              <a:t> </a:t>
+            </a:r>
+            <a:r>
+              <a:rPr lang="en-US" sz="1100" dirty="0" err="1">
                 <a:latin typeface="Calibri (Body)"/>
               </a:rPr>
               <a:t>người</a:t>
             </a:r>
             <a:r>
-              <a:rPr lang="en-US" sz="1100" dirty="0" smtClean="0">
-                <a:latin typeface="Calibri (Body)"/>
-              </a:rPr>
-              <a:t> </a:t>
-            </a:r>
-            <a:r>
-              <a:rPr lang="en-US" sz="1100" dirty="0" err="1" smtClean="0">
+              <a:rPr lang="en-US" sz="1100" dirty="0">
+                <a:latin typeface="Calibri (Body)"/>
+              </a:rPr>
+              <a:t> </a:t>
+            </a:r>
+            <a:r>
+              <a:rPr lang="en-US" sz="1100" dirty="0" err="1">
                 <a:latin typeface="Calibri (Body)"/>
               </a:rPr>
               <a:t>sử</a:t>
             </a:r>
             <a:r>
-              <a:rPr lang="en-US" sz="1100" dirty="0" smtClean="0">
-                <a:latin typeface="Calibri (Body)"/>
-              </a:rPr>
-              <a:t> </a:t>
-            </a:r>
-            <a:r>
-              <a:rPr lang="en-US" sz="1100" dirty="0" err="1" smtClean="0">
+              <a:rPr lang="en-US" sz="1100" dirty="0">
+                <a:latin typeface="Calibri (Body)"/>
+              </a:rPr>
+              <a:t> </a:t>
+            </a:r>
+            <a:r>
+              <a:rPr lang="en-US" sz="1100" dirty="0" err="1">
                 <a:latin typeface="Calibri (Body)"/>
               </a:rPr>
               <a:t>dụng</a:t>
             </a:r>
             <a:r>
-              <a:rPr lang="en-US" sz="1100" dirty="0" smtClean="0">
-                <a:latin typeface="Calibri (Body)"/>
-              </a:rPr>
-              <a:t> </a:t>
-            </a:r>
-            <a:r>
-              <a:rPr lang="en-US" sz="1100" dirty="0" err="1" smtClean="0">
+              <a:rPr lang="en-US" sz="1100" dirty="0">
+                <a:latin typeface="Calibri (Body)"/>
+              </a:rPr>
+              <a:t> </a:t>
+            </a:r>
+            <a:r>
+              <a:rPr lang="en-US" sz="1100" dirty="0" err="1">
                 <a:latin typeface="Calibri (Body)"/>
               </a:rPr>
               <a:t>để</a:t>
             </a:r>
             <a:r>
-              <a:rPr lang="en-US" sz="1100" dirty="0" smtClean="0">
-                <a:latin typeface="Calibri (Body)"/>
-              </a:rPr>
-              <a:t> </a:t>
-            </a:r>
-            <a:r>
-              <a:rPr lang="en-US" sz="1100" dirty="0" err="1" smtClean="0">
+              <a:rPr lang="en-US" sz="1100" dirty="0">
+                <a:latin typeface="Calibri (Body)"/>
+              </a:rPr>
+              <a:t> </a:t>
+            </a:r>
+            <a:r>
+              <a:rPr lang="en-US" sz="1100" dirty="0" err="1">
                 <a:latin typeface="Calibri (Body)"/>
               </a:rPr>
               <a:t>đọc</a:t>
             </a:r>
             <a:r>
-              <a:rPr lang="en-US" sz="1100" dirty="0" smtClean="0">
-                <a:latin typeface="Calibri (Body)"/>
-              </a:rPr>
-              <a:t> </a:t>
-            </a:r>
-            <a:r>
-              <a:rPr lang="en-US" sz="1100" dirty="0" err="1" smtClean="0">
+              <a:rPr lang="en-US" sz="1100" dirty="0">
+                <a:latin typeface="Calibri (Body)"/>
+              </a:rPr>
+              <a:t> </a:t>
+            </a:r>
+            <a:r>
+              <a:rPr lang="en-US" sz="1100" dirty="0" err="1">
                 <a:latin typeface="Calibri (Body)"/>
               </a:rPr>
               <a:t>các</a:t>
             </a:r>
             <a:r>
-              <a:rPr lang="en-US" sz="1100" dirty="0" smtClean="0">
-                <a:latin typeface="Calibri (Body)"/>
-              </a:rPr>
-              <a:t> </a:t>
-            </a:r>
-            <a:r>
-              <a:rPr lang="en-US" sz="1100" dirty="0" err="1" smtClean="0">
+              <a:rPr lang="en-US" sz="1100" dirty="0">
+                <a:latin typeface="Calibri (Body)"/>
+              </a:rPr>
+              <a:t> </a:t>
+            </a:r>
+            <a:r>
+              <a:rPr lang="en-US" sz="1100" dirty="0" err="1">
                 <a:latin typeface="Calibri (Body)"/>
               </a:rPr>
               <a:t>tài</a:t>
             </a:r>
             <a:r>
-              <a:rPr lang="en-US" sz="1100" dirty="0" smtClean="0">
-                <a:latin typeface="Calibri (Body)"/>
-              </a:rPr>
-              <a:t> </a:t>
-            </a:r>
-            <a:r>
-              <a:rPr lang="en-US" sz="1100" dirty="0" err="1" smtClean="0">
+              <a:rPr lang="en-US" sz="1100" dirty="0">
+                <a:latin typeface="Calibri (Body)"/>
+              </a:rPr>
+              <a:t> </a:t>
+            </a:r>
+            <a:r>
+              <a:rPr lang="en-US" sz="1100" dirty="0" err="1">
                 <a:latin typeface="Calibri (Body)"/>
               </a:rPr>
               <a:t>liệu</a:t>
             </a:r>
             <a:r>
-              <a:rPr lang="en-US" sz="1100" dirty="0" smtClean="0">
-                <a:latin typeface="Calibri (Body)"/>
-              </a:rPr>
-              <a:t> </a:t>
-            </a:r>
-            <a:r>
-              <a:rPr lang="en-US" sz="1100" dirty="0" err="1" smtClean="0">
+              <a:rPr lang="en-US" sz="1100" dirty="0">
+                <a:latin typeface="Calibri (Body)"/>
+              </a:rPr>
+              <a:t> </a:t>
+            </a:r>
+            <a:r>
+              <a:rPr lang="en-US" sz="1100" dirty="0" err="1">
                 <a:latin typeface="Calibri (Body)"/>
               </a:rPr>
               <a:t>liên</a:t>
             </a:r>
             <a:r>
-              <a:rPr lang="en-US" sz="1100" dirty="0" smtClean="0">
-                <a:latin typeface="Calibri (Body)"/>
-              </a:rPr>
-              <a:t> </a:t>
-            </a:r>
-            <a:r>
-              <a:rPr lang="en-US" sz="1100" dirty="0" err="1" smtClean="0">
+              <a:rPr lang="en-US" sz="1100" dirty="0">
+                <a:latin typeface="Calibri (Body)"/>
+              </a:rPr>
+              <a:t> </a:t>
+            </a:r>
+            <a:r>
+              <a:rPr lang="en-US" sz="1100" dirty="0" err="1">
                 <a:latin typeface="Calibri (Body)"/>
               </a:rPr>
               <a:t>quan</a:t>
             </a:r>
             <a:r>
-              <a:rPr lang="en-US" sz="1100" dirty="0" smtClean="0">
-                <a:latin typeface="Calibri (Body)"/>
-              </a:rPr>
-              <a:t> </a:t>
-            </a:r>
-            <a:r>
-              <a:rPr lang="en-US" sz="1100" dirty="0" err="1" smtClean="0">
+              <a:rPr lang="en-US" sz="1100" dirty="0">
+                <a:latin typeface="Calibri (Body)"/>
+              </a:rPr>
+              <a:t> </a:t>
+            </a:r>
+            <a:r>
+              <a:rPr lang="en-US" sz="1100" dirty="0" err="1">
                 <a:latin typeface="Calibri (Body)"/>
               </a:rPr>
               <a:t>đến</a:t>
             </a:r>
             <a:r>
-              <a:rPr lang="en-US" sz="1100" dirty="0" smtClean="0">
-                <a:latin typeface="Calibri (Body)"/>
-              </a:rPr>
-              <a:t> </a:t>
-            </a:r>
-            <a:r>
-              <a:rPr lang="en-US" sz="1100" dirty="0" err="1" smtClean="0">
+              <a:rPr lang="en-US" sz="1100" dirty="0">
+                <a:latin typeface="Calibri (Body)"/>
+              </a:rPr>
+              <a:t> </a:t>
+            </a:r>
+            <a:r>
+              <a:rPr lang="en-US" sz="1100" dirty="0" err="1">
                 <a:latin typeface="Calibri (Body)"/>
               </a:rPr>
               <a:t>môn</a:t>
             </a:r>
             <a:r>
-              <a:rPr lang="en-US" sz="1100" dirty="0" smtClean="0">
-                <a:latin typeface="Calibri (Body)"/>
-              </a:rPr>
-              <a:t> </a:t>
-            </a:r>
-            <a:r>
-              <a:rPr lang="en-US" sz="1100" dirty="0" err="1" smtClean="0">
+              <a:rPr lang="en-US" sz="1100" dirty="0">
+                <a:latin typeface="Calibri (Body)"/>
+              </a:rPr>
+              <a:t> </a:t>
+            </a:r>
+            <a:r>
+              <a:rPr lang="en-US" sz="1100" dirty="0" err="1">
                 <a:latin typeface="Calibri (Body)"/>
               </a:rPr>
               <a:t>học</a:t>
             </a:r>
             <a:r>
-              <a:rPr lang="en-US" sz="1100" dirty="0" smtClean="0">
-                <a:latin typeface="Calibri (Body)"/>
-              </a:rPr>
-              <a:t> </a:t>
-            </a:r>
-            <a:r>
-              <a:rPr lang="en-US" sz="1100" dirty="0" err="1" smtClean="0">
+              <a:rPr lang="en-US" sz="1100" dirty="0">
+                <a:latin typeface="Calibri (Body)"/>
+              </a:rPr>
+              <a:t> </a:t>
+            </a:r>
+            <a:r>
+              <a:rPr lang="en-US" sz="1100" dirty="0" err="1">
                 <a:latin typeface="Calibri (Body)"/>
               </a:rPr>
               <a:t>lập</a:t>
             </a:r>
             <a:r>
-              <a:rPr lang="en-US" sz="1100" dirty="0" smtClean="0">
-                <a:latin typeface="Calibri (Body)"/>
-              </a:rPr>
-              <a:t> </a:t>
-            </a:r>
-            <a:r>
-              <a:rPr lang="en-US" sz="1100" dirty="0" err="1" smtClean="0">
+              <a:rPr lang="en-US" sz="1100" dirty="0">
+                <a:latin typeface="Calibri (Body)"/>
+              </a:rPr>
+              <a:t> </a:t>
+            </a:r>
+            <a:r>
+              <a:rPr lang="en-US" sz="1100" dirty="0" err="1">
                 <a:latin typeface="Calibri (Body)"/>
               </a:rPr>
               <a:t>trình</a:t>
             </a:r>
             <a:r>
-              <a:rPr lang="en-US" sz="1100" dirty="0" smtClean="0">
+              <a:rPr lang="en-US" sz="1100" dirty="0">
                 <a:latin typeface="Calibri (Body)"/>
               </a:rPr>
               <a:t> Android.</a:t>
             </a:r>
-            <a:endParaRPr lang="en-US" sz="1100" b="1" dirty="0" smtClean="0">
+            <a:endParaRPr lang="en-US" sz="1100" b="1" dirty="0">
               <a:latin typeface="Calibri (Body)"/>
             </a:endParaRPr>
           </a:p>
@@ -9155,316 +9031,304 @@
               <a:buChar char="•"/>
             </a:pPr>
             <a:r>
-              <a:rPr lang="en-US" sz="1100" b="1" dirty="0" err="1" smtClean="0">
+              <a:rPr lang="en-US" sz="1100" b="1" dirty="0" err="1">
                 <a:latin typeface="Calibri (Body)"/>
               </a:rPr>
               <a:t>Kinh</a:t>
             </a:r>
             <a:r>
-              <a:rPr lang="en-US" sz="1100" b="1" dirty="0" smtClean="0">
-                <a:latin typeface="Calibri (Body)"/>
-              </a:rPr>
-              <a:t> </a:t>
-            </a:r>
-            <a:r>
-              <a:rPr lang="en-US" sz="1100" b="1" dirty="0" err="1" smtClean="0">
+              <a:rPr lang="en-US" sz="1100" b="1" dirty="0">
+                <a:latin typeface="Calibri (Body)"/>
+              </a:rPr>
+              <a:t> </a:t>
+            </a:r>
+            <a:r>
+              <a:rPr lang="en-US" sz="1100" b="1" dirty="0" err="1">
                 <a:latin typeface="Calibri (Body)"/>
               </a:rPr>
               <a:t>nghiệm</a:t>
             </a:r>
             <a:r>
-              <a:rPr lang="en-US" sz="1100" b="1" dirty="0" smtClean="0">
+              <a:rPr lang="en-US" sz="1100" b="1" dirty="0">
                 <a:latin typeface="Calibri (Body)"/>
               </a:rPr>
               <a:t>: </a:t>
             </a:r>
             <a:r>
-              <a:rPr lang="en-US" sz="1100" dirty="0" err="1" smtClean="0">
+              <a:rPr lang="en-US" sz="1100" dirty="0" err="1">
                 <a:latin typeface="Calibri (Body)"/>
               </a:rPr>
               <a:t>Tạo</a:t>
             </a:r>
             <a:r>
-              <a:rPr lang="en-US" sz="1100" dirty="0" smtClean="0">
-                <a:latin typeface="Calibri (Body)"/>
-              </a:rPr>
-              <a:t> </a:t>
-            </a:r>
-            <a:r>
-              <a:rPr lang="en-US" sz="1100" dirty="0" err="1" smtClean="0">
+              <a:rPr lang="en-US" sz="1100" dirty="0">
+                <a:latin typeface="Calibri (Body)"/>
+              </a:rPr>
+              <a:t> </a:t>
+            </a:r>
+            <a:r>
+              <a:rPr lang="en-US" sz="1100" dirty="0" err="1">
                 <a:latin typeface="Calibri (Body)"/>
               </a:rPr>
               <a:t>ra</a:t>
             </a:r>
             <a:r>
-              <a:rPr lang="en-US" sz="1100" dirty="0" smtClean="0">
-                <a:latin typeface="Calibri (Body)"/>
-              </a:rPr>
-              <a:t> </a:t>
-            </a:r>
-            <a:r>
-              <a:rPr lang="en-US" sz="1100" dirty="0" err="1" smtClean="0">
+              <a:rPr lang="en-US" sz="1100" dirty="0">
+                <a:latin typeface="Calibri (Body)"/>
+              </a:rPr>
+              <a:t> </a:t>
+            </a:r>
+            <a:r>
+              <a:rPr lang="en-US" sz="1100" dirty="0" err="1">
                 <a:latin typeface="Calibri (Body)"/>
               </a:rPr>
               <a:t>được</a:t>
             </a:r>
             <a:r>
-              <a:rPr lang="en-US" sz="1100" dirty="0" smtClean="0">
-                <a:latin typeface="Calibri (Body)"/>
-              </a:rPr>
-              <a:t> </a:t>
-            </a:r>
-            <a:r>
-              <a:rPr lang="en-US" sz="1100" dirty="0" err="1" smtClean="0">
+              <a:rPr lang="en-US" sz="1100" dirty="0">
+                <a:latin typeface="Calibri (Body)"/>
+              </a:rPr>
+              <a:t> </a:t>
+            </a:r>
+            <a:r>
+              <a:rPr lang="en-US" sz="1100" dirty="0" err="1">
                 <a:latin typeface="Calibri (Body)"/>
               </a:rPr>
               <a:t>ứng</a:t>
             </a:r>
             <a:r>
-              <a:rPr lang="en-US" sz="1100" dirty="0" smtClean="0">
-                <a:latin typeface="Calibri (Body)"/>
-              </a:rPr>
-              <a:t> </a:t>
-            </a:r>
-            <a:r>
-              <a:rPr lang="en-US" sz="1100" dirty="0" err="1" smtClean="0">
+              <a:rPr lang="en-US" sz="1100" dirty="0">
+                <a:latin typeface="Calibri (Body)"/>
+              </a:rPr>
+              <a:t> </a:t>
+            </a:r>
+            <a:r>
+              <a:rPr lang="en-US" sz="1100" dirty="0" err="1">
                 <a:latin typeface="Calibri (Body)"/>
               </a:rPr>
               <a:t>dụng</a:t>
             </a:r>
             <a:r>
-              <a:rPr lang="en-US" sz="1100" dirty="0" smtClean="0">
-                <a:latin typeface="Calibri (Body)"/>
-              </a:rPr>
-              <a:t> </a:t>
-            </a:r>
-            <a:r>
-              <a:rPr lang="en-US" sz="1100" dirty="0" err="1" smtClean="0">
+              <a:rPr lang="en-US" sz="1100" dirty="0">
+                <a:latin typeface="Calibri (Body)"/>
+              </a:rPr>
+              <a:t> </a:t>
+            </a:r>
+            <a:r>
+              <a:rPr lang="en-US" sz="1100" dirty="0" err="1">
                 <a:latin typeface="Calibri (Body)"/>
               </a:rPr>
               <a:t>hoàn</a:t>
             </a:r>
             <a:r>
-              <a:rPr lang="en-US" sz="1100" dirty="0" smtClean="0">
-                <a:latin typeface="Calibri (Body)"/>
-              </a:rPr>
-              <a:t> </a:t>
-            </a:r>
-            <a:r>
-              <a:rPr lang="en-US" sz="1100" dirty="0" err="1" smtClean="0">
+              <a:rPr lang="en-US" sz="1100" dirty="0">
+                <a:latin typeface="Calibri (Body)"/>
+              </a:rPr>
+              <a:t> </a:t>
+            </a:r>
+            <a:r>
+              <a:rPr lang="en-US" sz="1100" dirty="0" err="1">
                 <a:latin typeface="Calibri (Body)"/>
               </a:rPr>
               <a:t>chỉnh</a:t>
             </a:r>
             <a:r>
-              <a:rPr lang="en-US" sz="1100" dirty="0" smtClean="0">
-                <a:latin typeface="Calibri (Body)"/>
-              </a:rPr>
-              <a:t> </a:t>
-            </a:r>
-            <a:r>
-              <a:rPr lang="en-US" sz="1100" dirty="0" err="1" smtClean="0">
+              <a:rPr lang="en-US" sz="1100" dirty="0">
+                <a:latin typeface="Calibri (Body)"/>
+              </a:rPr>
+              <a:t> </a:t>
+            </a:r>
+            <a:r>
+              <a:rPr lang="en-US" sz="1100" dirty="0" err="1">
                 <a:latin typeface="Calibri (Body)"/>
               </a:rPr>
               <a:t>với</a:t>
             </a:r>
             <a:r>
-              <a:rPr lang="en-US" sz="1100" dirty="0" smtClean="0">
+              <a:rPr lang="en-US" sz="1100" dirty="0">
                 <a:latin typeface="Calibri (Body)"/>
               </a:rPr>
               <a:t> React Native, </a:t>
             </a:r>
             <a:r>
-              <a:rPr lang="en-US" sz="1100" dirty="0" err="1" smtClean="0">
+              <a:rPr lang="en-US" sz="1100" dirty="0" err="1">
                 <a:latin typeface="Calibri (Body)"/>
               </a:rPr>
               <a:t>biết</a:t>
             </a:r>
             <a:r>
-              <a:rPr lang="en-US" sz="1100" dirty="0" smtClean="0">
-                <a:latin typeface="Calibri (Body)"/>
-              </a:rPr>
-              <a:t> </a:t>
-            </a:r>
-            <a:r>
-              <a:rPr lang="en-US" sz="1100" dirty="0" err="1" smtClean="0">
+              <a:rPr lang="en-US" sz="1100" dirty="0">
+                <a:latin typeface="Calibri (Body)"/>
+              </a:rPr>
+              <a:t> </a:t>
+            </a:r>
+            <a:r>
+              <a:rPr lang="en-US" sz="1100" dirty="0" err="1">
                 <a:latin typeface="Calibri (Body)"/>
               </a:rPr>
               <a:t>kết</a:t>
             </a:r>
             <a:r>
-              <a:rPr lang="en-US" sz="1100" dirty="0" smtClean="0">
-                <a:latin typeface="Calibri (Body)"/>
-              </a:rPr>
-              <a:t> </a:t>
-            </a:r>
-            <a:r>
-              <a:rPr lang="en-US" sz="1100" dirty="0" err="1" smtClean="0">
+              <a:rPr lang="en-US" sz="1100" dirty="0">
+                <a:latin typeface="Calibri (Body)"/>
+              </a:rPr>
+              <a:t> </a:t>
+            </a:r>
+            <a:r>
+              <a:rPr lang="en-US" sz="1100" dirty="0" err="1">
                 <a:latin typeface="Calibri (Body)"/>
               </a:rPr>
               <a:t>nối</a:t>
             </a:r>
             <a:r>
-              <a:rPr lang="en-US" sz="1100" dirty="0" smtClean="0">
-                <a:latin typeface="Calibri (Body)"/>
-              </a:rPr>
-              <a:t> </a:t>
-            </a:r>
-            <a:r>
-              <a:rPr lang="en-US" sz="1100" dirty="0" err="1" smtClean="0">
+              <a:rPr lang="en-US" sz="1100" dirty="0">
+                <a:latin typeface="Calibri (Body)"/>
+              </a:rPr>
+              <a:t> </a:t>
+            </a:r>
+            <a:r>
+              <a:rPr lang="en-US" sz="1100" dirty="0" err="1">
                 <a:latin typeface="Calibri (Body)"/>
               </a:rPr>
               <a:t>với</a:t>
             </a:r>
             <a:r>
-              <a:rPr lang="en-US" sz="1100" dirty="0" smtClean="0">
+              <a:rPr lang="en-US" sz="1100" dirty="0">
                 <a:latin typeface="Calibri (Body)"/>
               </a:rPr>
               <a:t> API </a:t>
             </a:r>
             <a:r>
-              <a:rPr lang="en-US" sz="1100" dirty="0" err="1" smtClean="0">
+              <a:rPr lang="en-US" sz="1100" dirty="0" err="1">
                 <a:latin typeface="Calibri (Body)"/>
               </a:rPr>
               <a:t>để</a:t>
             </a:r>
             <a:r>
-              <a:rPr lang="en-US" sz="1100" dirty="0" smtClean="0">
-                <a:latin typeface="Calibri (Body)"/>
-              </a:rPr>
-              <a:t> </a:t>
-            </a:r>
-            <a:r>
-              <a:rPr lang="en-US" sz="1100" dirty="0" err="1" smtClean="0">
+              <a:rPr lang="en-US" sz="1100" dirty="0">
+                <a:latin typeface="Calibri (Body)"/>
+              </a:rPr>
+              <a:t> </a:t>
+            </a:r>
+            <a:r>
+              <a:rPr lang="en-US" sz="1100" dirty="0" err="1">
                 <a:latin typeface="Calibri (Body)"/>
               </a:rPr>
               <a:t>lấy</a:t>
             </a:r>
             <a:r>
-              <a:rPr lang="en-US" sz="1100" dirty="0" smtClean="0">
-                <a:latin typeface="Calibri (Body)"/>
-              </a:rPr>
-              <a:t> </a:t>
-            </a:r>
-            <a:r>
-              <a:rPr lang="en-US" sz="1100" dirty="0" err="1" smtClean="0">
+              <a:rPr lang="en-US" sz="1100" dirty="0">
+                <a:latin typeface="Calibri (Body)"/>
+              </a:rPr>
+              <a:t> </a:t>
+            </a:r>
+            <a:r>
+              <a:rPr lang="en-US" sz="1100" dirty="0" err="1">
                 <a:latin typeface="Calibri (Body)"/>
               </a:rPr>
               <a:t>dữ</a:t>
             </a:r>
             <a:r>
-              <a:rPr lang="en-US" sz="1100" dirty="0" smtClean="0">
-                <a:latin typeface="Calibri (Body)"/>
-              </a:rPr>
-              <a:t> </a:t>
-            </a:r>
-            <a:r>
-              <a:rPr lang="en-US" sz="1100" dirty="0" err="1" smtClean="0">
+              <a:rPr lang="en-US" sz="1100" dirty="0">
+                <a:latin typeface="Calibri (Body)"/>
+              </a:rPr>
+              <a:t> </a:t>
+            </a:r>
+            <a:r>
+              <a:rPr lang="en-US" sz="1100" dirty="0" err="1">
                 <a:latin typeface="Calibri (Body)"/>
               </a:rPr>
               <a:t>liệu</a:t>
             </a:r>
             <a:r>
-              <a:rPr lang="en-US" sz="1100" dirty="0" smtClean="0">
-                <a:latin typeface="Calibri (Body)"/>
-              </a:rPr>
-              <a:t> </a:t>
-            </a:r>
-            <a:r>
-              <a:rPr lang="en-US" sz="1100" dirty="0" err="1" smtClean="0">
+              <a:rPr lang="en-US" sz="1100" dirty="0">
+                <a:latin typeface="Calibri (Body)"/>
+              </a:rPr>
+              <a:t> </a:t>
+            </a:r>
+            <a:r>
+              <a:rPr lang="en-US" sz="1100" dirty="0" err="1">
                 <a:latin typeface="Calibri (Body)"/>
               </a:rPr>
               <a:t>và</a:t>
             </a:r>
             <a:r>
-              <a:rPr lang="en-US" sz="1100" dirty="0" smtClean="0">
-                <a:latin typeface="Calibri (Body)"/>
-              </a:rPr>
-              <a:t> </a:t>
-            </a:r>
-            <a:r>
-              <a:rPr lang="en-US" sz="1100" dirty="0" err="1" smtClean="0">
+              <a:rPr lang="en-US" sz="1100" dirty="0">
+                <a:latin typeface="Calibri (Body)"/>
+              </a:rPr>
+              <a:t> </a:t>
+            </a:r>
+            <a:r>
+              <a:rPr lang="en-US" sz="1100" dirty="0" err="1">
                 <a:latin typeface="Calibri (Body)"/>
               </a:rPr>
               <a:t>sử</a:t>
             </a:r>
             <a:r>
-              <a:rPr lang="en-US" sz="1100" dirty="0" smtClean="0">
-                <a:latin typeface="Calibri (Body)"/>
-              </a:rPr>
-              <a:t> </a:t>
-            </a:r>
-            <a:r>
-              <a:rPr lang="en-US" sz="1100" dirty="0" err="1" smtClean="0">
+              <a:rPr lang="en-US" sz="1100" dirty="0">
+                <a:latin typeface="Calibri (Body)"/>
+              </a:rPr>
+              <a:t> </a:t>
+            </a:r>
+            <a:r>
+              <a:rPr lang="en-US" sz="1100" dirty="0" err="1">
                 <a:latin typeface="Calibri (Body)"/>
               </a:rPr>
               <a:t>dụng</a:t>
             </a:r>
             <a:r>
-              <a:rPr lang="en-US" sz="1100" dirty="0" smtClean="0">
-                <a:latin typeface="Calibri (Body)"/>
-              </a:rPr>
-              <a:t> </a:t>
-            </a:r>
-            <a:r>
-              <a:rPr lang="en-US" sz="1100" dirty="0" err="1" smtClean="0">
+              <a:rPr lang="en-US" sz="1100" dirty="0">
+                <a:latin typeface="Calibri (Body)"/>
+              </a:rPr>
+              <a:t> </a:t>
+            </a:r>
+            <a:r>
+              <a:rPr lang="en-US" sz="1100" dirty="0" err="1">
                 <a:latin typeface="Calibri (Body)"/>
               </a:rPr>
               <a:t>thành</a:t>
             </a:r>
             <a:r>
-              <a:rPr lang="en-US" sz="1100" dirty="0" smtClean="0">
-                <a:latin typeface="Calibri (Body)"/>
-              </a:rPr>
-              <a:t> </a:t>
-            </a:r>
-            <a:r>
-              <a:rPr lang="en-US" sz="1100" dirty="0" err="1" smtClean="0">
+              <a:rPr lang="en-US" sz="1100" dirty="0">
+                <a:latin typeface="Calibri (Body)"/>
+              </a:rPr>
+              <a:t> </a:t>
+            </a:r>
+            <a:r>
+              <a:rPr lang="en-US" sz="1100" dirty="0" err="1">
                 <a:latin typeface="Calibri (Body)"/>
               </a:rPr>
               <a:t>thạo</a:t>
             </a:r>
             <a:r>
-              <a:rPr lang="en-US" sz="1100" dirty="0" smtClean="0">
-                <a:latin typeface="Calibri (Body)"/>
-              </a:rPr>
-              <a:t> </a:t>
-            </a:r>
-            <a:r>
-              <a:rPr lang="en-US" sz="1100" dirty="0" err="1" smtClean="0">
+              <a:rPr lang="en-US" sz="1100" dirty="0">
+                <a:latin typeface="Calibri (Body)"/>
+              </a:rPr>
+              <a:t> </a:t>
+            </a:r>
+            <a:r>
+              <a:rPr lang="en-US" sz="1100" dirty="0" err="1">
                 <a:latin typeface="Calibri (Body)"/>
               </a:rPr>
               <a:t>công</a:t>
             </a:r>
             <a:r>
-              <a:rPr lang="en-US" sz="1100" dirty="0" smtClean="0">
-                <a:latin typeface="Calibri (Body)"/>
-              </a:rPr>
-              <a:t> </a:t>
-            </a:r>
-            <a:r>
-              <a:rPr lang="en-US" sz="1100" dirty="0" err="1" smtClean="0">
+              <a:rPr lang="en-US" sz="1100" dirty="0">
+                <a:latin typeface="Calibri (Body)"/>
+              </a:rPr>
+              <a:t> </a:t>
+            </a:r>
+            <a:r>
+              <a:rPr lang="en-US" sz="1100" dirty="0" err="1">
                 <a:latin typeface="Calibri (Body)"/>
               </a:rPr>
               <a:t>cụ</a:t>
             </a:r>
             <a:r>
-              <a:rPr lang="en-US" sz="1100" dirty="0" smtClean="0">
-                <a:latin typeface="Calibri (Body)"/>
-              </a:rPr>
-              <a:t> </a:t>
-            </a:r>
-            <a:r>
-              <a:rPr lang="en-US" sz="1100" dirty="0">
-                <a:latin typeface="Calibri (Body)"/>
-              </a:rPr>
-              <a:t>Visual Studio </a:t>
-            </a:r>
-            <a:r>
-              <a:rPr lang="en-US" sz="1100" dirty="0" smtClean="0">
-                <a:latin typeface="Calibri (Body)"/>
-              </a:rPr>
-              <a:t>Code.</a:t>
+              <a:rPr lang="en-US" sz="1100" dirty="0">
+                <a:latin typeface="Calibri (Body)"/>
+              </a:rPr>
+              <a:t> Visual Studio Code.</a:t>
             </a:r>
           </a:p>
           <a:p>
@@ -9473,7 +9337,7 @@
               <a:buChar char="•"/>
             </a:pPr>
             <a:r>
-              <a:rPr lang="en-US" sz="1100" b="1" dirty="0" smtClean="0">
+              <a:rPr lang="en-US" sz="1100" b="1" dirty="0">
                 <a:latin typeface="Calibri (Body)"/>
               </a:rPr>
               <a:t>Link demo: </a:t>
@@ -9484,7 +9348,7 @@
               </a:rPr>
               <a:t>https://bom.to/AQm2pP6KPZBuk</a:t>
             </a:r>
-            <a:endParaRPr lang="en-US" sz="1100" dirty="0" smtClean="0">
+            <a:endParaRPr lang="en-US" sz="1100" dirty="0">
               <a:latin typeface="Calibri (Body)"/>
             </a:endParaRPr>
           </a:p>
@@ -9518,309 +9382,13 @@
               </a:lnSpc>
             </a:pPr>
             <a:r>
-              <a:rPr lang="en-US" sz="900" dirty="0" smtClean="0">
+              <a:rPr lang="en-US" sz="900" dirty="0">
                 <a:solidFill>
                   <a:srgbClr val="00B0F0"/>
                 </a:solidFill>
               </a:rPr>
               <a:t>06/2020 – 07/2020</a:t>
             </a:r>
-            <a:endParaRPr lang="en-US" sz="900" dirty="0">
-              <a:solidFill>
-                <a:srgbClr val="00B0F0"/>
-              </a:solidFill>
-            </a:endParaRPr>
-          </a:p>
-        </p:txBody>
-      </p:sp>
-      <p:sp>
-        <p:nvSpPr>
-          <p:cNvPr id="14" name="TextBox 13"/>
-          <p:cNvSpPr txBox="1"/>
-          <p:nvPr/>
-        </p:nvSpPr>
-        <p:spPr>
-          <a:xfrm>
-            <a:off x="685800" y="2286000"/>
-            <a:ext cx="1221809" cy="307777"/>
-          </a:xfrm>
-          <a:prstGeom prst="rect">
-            <a:avLst/>
-          </a:prstGeom>
-          <a:noFill/>
-        </p:spPr>
-        <p:txBody>
-          <a:bodyPr wrap="none" rtlCol="0">
-            <a:spAutoFit/>
-          </a:bodyPr>
-          <a:lstStyle/>
-          <a:p>
-            <a:r>
-              <a:rPr lang="en-US" sz="1400" b="1" dirty="0" smtClean="0">
-                <a:solidFill>
-                  <a:srgbClr val="00B0F0"/>
-                </a:solidFill>
-                <a:latin typeface="Calibri (Body)"/>
-              </a:rPr>
-              <a:t>CHỨNG CHỈ</a:t>
-            </a:r>
-            <a:endParaRPr lang="en-US" sz="1400" b="1" dirty="0">
-              <a:solidFill>
-                <a:srgbClr val="00B0F0"/>
-              </a:solidFill>
-              <a:latin typeface="Calibri (Body)"/>
-            </a:endParaRPr>
-          </a:p>
-        </p:txBody>
-      </p:sp>
-      <p:cxnSp>
-        <p:nvCxnSpPr>
-          <p:cNvPr id="15" name="Straight Connector 14"/>
-          <p:cNvCxnSpPr/>
-          <p:nvPr/>
-        </p:nvCxnSpPr>
-        <p:spPr>
-          <a:xfrm>
-            <a:off x="762000" y="2587947"/>
-            <a:ext cx="5715000" cy="5830"/>
-          </a:xfrm>
-          <a:prstGeom prst="line">
-            <a:avLst/>
-          </a:prstGeom>
-        </p:spPr>
-        <p:style>
-          <a:lnRef idx="1">
-            <a:schemeClr val="accent1"/>
-          </a:lnRef>
-          <a:fillRef idx="0">
-            <a:schemeClr val="accent1"/>
-          </a:fillRef>
-          <a:effectRef idx="0">
-            <a:schemeClr val="accent1"/>
-          </a:effectRef>
-          <a:fontRef idx="minor">
-            <a:schemeClr val="tx1"/>
-          </a:fontRef>
-        </p:style>
-      </p:cxnSp>
-      <p:pic>
-        <p:nvPicPr>
-          <p:cNvPr id="1026" name="Picture 2" descr="C:\Users\DamVanThuc\Downloads\icon_chung_chi.png"/>
-          <p:cNvPicPr>
-            <a:picLocks noChangeAspect="1" noChangeArrowheads="1"/>
-          </p:cNvPicPr>
-          <p:nvPr/>
-        </p:nvPicPr>
-        <p:blipFill>
-          <a:blip r:embed="rId5" cstate="print">
-            <a:extLst>
-              <a:ext uri="{28A0092B-C50C-407E-A947-70E740481C1C}">
-                <a14:useLocalDpi xmlns:a14="http://schemas.microsoft.com/office/drawing/2010/main" val="0"/>
-              </a:ext>
-            </a:extLst>
-          </a:blip>
-          <a:srcRect/>
-          <a:stretch>
-            <a:fillRect/>
-          </a:stretch>
-        </p:blipFill>
-        <p:spPr bwMode="auto">
-          <a:xfrm>
-            <a:off x="355996" y="2327671"/>
-            <a:ext cx="288132" cy="288132"/>
-          </a:xfrm>
-          <a:prstGeom prst="rect">
-            <a:avLst/>
-          </a:prstGeom>
-          <a:noFill/>
-          <a:extLst>
-            <a:ext uri="{909E8E84-426E-40DD-AFC4-6F175D3DCCD1}">
-              <a14:hiddenFill xmlns:a14="http://schemas.microsoft.com/office/drawing/2010/main">
-                <a:solidFill>
-                  <a:srgbClr val="FFFFFF"/>
-                </a:solidFill>
-              </a14:hiddenFill>
-            </a:ext>
-          </a:extLst>
-        </p:spPr>
-      </p:pic>
-      <p:sp>
-        <p:nvSpPr>
-          <p:cNvPr id="17" name="TextBox 16"/>
-          <p:cNvSpPr txBox="1"/>
-          <p:nvPr/>
-        </p:nvSpPr>
-        <p:spPr>
-          <a:xfrm>
-            <a:off x="490787" y="2669977"/>
-            <a:ext cx="4746560" cy="430887"/>
-          </a:xfrm>
-          <a:prstGeom prst="rect">
-            <a:avLst/>
-          </a:prstGeom>
-          <a:noFill/>
-        </p:spPr>
-        <p:txBody>
-          <a:bodyPr wrap="square" rtlCol="0">
-            <a:spAutoFit/>
-          </a:bodyPr>
-          <a:lstStyle/>
-          <a:p>
-            <a:pPr marL="171450" indent="-171450">
-              <a:buFont typeface="Arial" panose="020B0604020202020204" pitchFamily="34" charset="0"/>
-              <a:buChar char="•"/>
-            </a:pPr>
-            <a:r>
-              <a:rPr lang="en-US" sz="1100" dirty="0" smtClean="0">
-                <a:latin typeface="Calibri (Body)"/>
-              </a:rPr>
-              <a:t>English Topnotch </a:t>
-            </a:r>
-            <a:r>
-              <a:rPr lang="en-US" sz="1100" dirty="0">
-                <a:latin typeface="Calibri (Body)"/>
-              </a:rPr>
-              <a:t>2.2 </a:t>
-            </a:r>
-            <a:r>
-              <a:rPr lang="en-US" sz="1100" dirty="0" err="1">
-                <a:latin typeface="Calibri (Body)"/>
-              </a:rPr>
-              <a:t>tại</a:t>
-            </a:r>
-            <a:r>
-              <a:rPr lang="en-US" sz="1100" dirty="0">
-                <a:latin typeface="Calibri (Body)"/>
-              </a:rPr>
-              <a:t> </a:t>
-            </a:r>
-            <a:r>
-              <a:rPr lang="en-US" sz="1100" dirty="0" err="1">
-                <a:latin typeface="Calibri (Body)"/>
-              </a:rPr>
-              <a:t>trường</a:t>
-            </a:r>
-            <a:r>
-              <a:rPr lang="en-US" sz="1100" dirty="0">
-                <a:latin typeface="Calibri (Body)"/>
-              </a:rPr>
-              <a:t> Cao </a:t>
-            </a:r>
-            <a:r>
-              <a:rPr lang="en-US" sz="1100" dirty="0" err="1">
-                <a:latin typeface="Calibri (Body)"/>
-              </a:rPr>
-              <a:t>đẳng</a:t>
-            </a:r>
-            <a:r>
-              <a:rPr lang="en-US" sz="1100" dirty="0">
-                <a:latin typeface="Calibri (Body)"/>
-              </a:rPr>
-              <a:t> </a:t>
-            </a:r>
-            <a:r>
-              <a:rPr lang="en-US" sz="1100" dirty="0" err="1">
-                <a:latin typeface="Calibri (Body)"/>
-              </a:rPr>
-              <a:t>Thực</a:t>
-            </a:r>
-            <a:r>
-              <a:rPr lang="en-US" sz="1100" dirty="0">
-                <a:latin typeface="Calibri (Body)"/>
-              </a:rPr>
-              <a:t> </a:t>
-            </a:r>
-            <a:r>
-              <a:rPr lang="en-US" sz="1100" dirty="0" err="1">
-                <a:latin typeface="Calibri (Body)"/>
-              </a:rPr>
-              <a:t>hành</a:t>
-            </a:r>
-            <a:r>
-              <a:rPr lang="en-US" sz="1100" dirty="0">
-                <a:latin typeface="Calibri (Body)"/>
-              </a:rPr>
-              <a:t> FPT Polytechnic (</a:t>
-            </a:r>
-            <a:r>
-              <a:rPr lang="en-US" sz="1100" dirty="0" err="1">
-                <a:latin typeface="Calibri (Body)"/>
-              </a:rPr>
-              <a:t>Tương</a:t>
-            </a:r>
-            <a:r>
-              <a:rPr lang="en-US" sz="1100" dirty="0">
-                <a:latin typeface="Calibri (Body)"/>
-              </a:rPr>
-              <a:t> </a:t>
-            </a:r>
-            <a:r>
-              <a:rPr lang="en-US" sz="1100" dirty="0" err="1">
-                <a:latin typeface="Calibri (Body)"/>
-              </a:rPr>
-              <a:t>đương</a:t>
-            </a:r>
-            <a:r>
-              <a:rPr lang="en-US" sz="1100" dirty="0">
-                <a:latin typeface="Calibri (Body)"/>
-              </a:rPr>
-              <a:t> </a:t>
-            </a:r>
-            <a:r>
-              <a:rPr lang="en-US" sz="1100" dirty="0" err="1">
-                <a:latin typeface="Calibri (Body)"/>
-              </a:rPr>
-              <a:t>Ielts</a:t>
-            </a:r>
-            <a:r>
-              <a:rPr lang="en-US" sz="1100" dirty="0">
-                <a:latin typeface="Calibri (Body)"/>
-              </a:rPr>
-              <a:t> 4.5).</a:t>
-            </a:r>
-          </a:p>
-        </p:txBody>
-      </p:sp>
-      <p:sp>
-        <p:nvSpPr>
-          <p:cNvPr id="19" name="TextBox 18"/>
-          <p:cNvSpPr txBox="1"/>
-          <p:nvPr/>
-        </p:nvSpPr>
-        <p:spPr>
-          <a:xfrm>
-            <a:off x="5267327" y="2649295"/>
-            <a:ext cx="1133473" cy="300082"/>
-          </a:xfrm>
-          <a:prstGeom prst="rect">
-            <a:avLst/>
-          </a:prstGeom>
-          <a:noFill/>
-        </p:spPr>
-        <p:txBody>
-          <a:bodyPr wrap="square" rtlCol="0">
-            <a:spAutoFit/>
-          </a:bodyPr>
-          <a:lstStyle/>
-          <a:p>
-            <a:pPr>
-              <a:lnSpc>
-                <a:spcPct val="150000"/>
-              </a:lnSpc>
-            </a:pPr>
-            <a:r>
-              <a:rPr lang="en-US" sz="900" dirty="0" smtClean="0">
-                <a:solidFill>
-                  <a:srgbClr val="00B0F0"/>
-                </a:solidFill>
-              </a:rPr>
-              <a:t>02/2019 – 04/2020</a:t>
-            </a:r>
-            <a:endParaRPr lang="en-US" sz="900" dirty="0">
-              <a:solidFill>
-                <a:srgbClr val="00B0F0"/>
-              </a:solidFill>
-            </a:endParaRPr>
           </a:p>
         </p:txBody>
       </p:sp>
